--- a/PPT_SIDANG [Autosaved].pptx
+++ b/PPT_SIDANG [Autosaved].pptx
@@ -5,45 +5,47 @@
     <p:sldMasterId id="2147483696" r:id="rId1"/>
   </p:sldMasterIdLst>
   <p:notesMasterIdLst>
-    <p:notesMasterId r:id="rId38"/>
+    <p:notesMasterId r:id="rId40"/>
   </p:notesMasterIdLst>
   <p:sldIdLst>
     <p:sldId id="256" r:id="rId2"/>
     <p:sldId id="382" r:id="rId3"/>
     <p:sldId id="259" r:id="rId4"/>
-    <p:sldId id="258" r:id="rId5"/>
-    <p:sldId id="260" r:id="rId6"/>
-    <p:sldId id="262" r:id="rId7"/>
-    <p:sldId id="263" r:id="rId8"/>
-    <p:sldId id="267" r:id="rId9"/>
-    <p:sldId id="387" r:id="rId10"/>
-    <p:sldId id="383" r:id="rId11"/>
-    <p:sldId id="384" r:id="rId12"/>
-    <p:sldId id="385" r:id="rId13"/>
-    <p:sldId id="386" r:id="rId14"/>
-    <p:sldId id="366" r:id="rId15"/>
-    <p:sldId id="288" r:id="rId16"/>
-    <p:sldId id="367" r:id="rId17"/>
-    <p:sldId id="368" r:id="rId18"/>
-    <p:sldId id="369" r:id="rId19"/>
-    <p:sldId id="370" r:id="rId20"/>
-    <p:sldId id="272" r:id="rId21"/>
-    <p:sldId id="342" r:id="rId22"/>
-    <p:sldId id="357" r:id="rId23"/>
-    <p:sldId id="373" r:id="rId24"/>
-    <p:sldId id="372" r:id="rId25"/>
-    <p:sldId id="374" r:id="rId26"/>
-    <p:sldId id="375" r:id="rId27"/>
-    <p:sldId id="376" r:id="rId28"/>
-    <p:sldId id="377" r:id="rId29"/>
-    <p:sldId id="378" r:id="rId30"/>
-    <p:sldId id="379" r:id="rId31"/>
-    <p:sldId id="380" r:id="rId32"/>
-    <p:sldId id="381" r:id="rId33"/>
-    <p:sldId id="349" r:id="rId34"/>
-    <p:sldId id="371" r:id="rId35"/>
-    <p:sldId id="358" r:id="rId36"/>
-    <p:sldId id="279" r:id="rId37"/>
+    <p:sldId id="388" r:id="rId5"/>
+    <p:sldId id="258" r:id="rId6"/>
+    <p:sldId id="260" r:id="rId7"/>
+    <p:sldId id="262" r:id="rId8"/>
+    <p:sldId id="263" r:id="rId9"/>
+    <p:sldId id="267" r:id="rId10"/>
+    <p:sldId id="389" r:id="rId11"/>
+    <p:sldId id="387" r:id="rId12"/>
+    <p:sldId id="383" r:id="rId13"/>
+    <p:sldId id="384" r:id="rId14"/>
+    <p:sldId id="385" r:id="rId15"/>
+    <p:sldId id="386" r:id="rId16"/>
+    <p:sldId id="366" r:id="rId17"/>
+    <p:sldId id="288" r:id="rId18"/>
+    <p:sldId id="367" r:id="rId19"/>
+    <p:sldId id="368" r:id="rId20"/>
+    <p:sldId id="369" r:id="rId21"/>
+    <p:sldId id="370" r:id="rId22"/>
+    <p:sldId id="272" r:id="rId23"/>
+    <p:sldId id="342" r:id="rId24"/>
+    <p:sldId id="357" r:id="rId25"/>
+    <p:sldId id="373" r:id="rId26"/>
+    <p:sldId id="372" r:id="rId27"/>
+    <p:sldId id="374" r:id="rId28"/>
+    <p:sldId id="375" r:id="rId29"/>
+    <p:sldId id="376" r:id="rId30"/>
+    <p:sldId id="377" r:id="rId31"/>
+    <p:sldId id="378" r:id="rId32"/>
+    <p:sldId id="379" r:id="rId33"/>
+    <p:sldId id="380" r:id="rId34"/>
+    <p:sldId id="381" r:id="rId35"/>
+    <p:sldId id="349" r:id="rId36"/>
+    <p:sldId id="371" r:id="rId37"/>
+    <p:sldId id="358" r:id="rId38"/>
+    <p:sldId id="279" r:id="rId39"/>
   </p:sldIdLst>
   <p:sldSz cx="12192000" cy="6858000"/>
   <p:notesSz cx="6858000" cy="9144000"/>
@@ -4501,12 +4503,8 @@
         <a:lstStyle/>
         <a:p>
           <a:r>
-            <a:rPr lang="en-US" sz="2800" dirty="0" err="1"/>
-            <a:t>Aplikasi</a:t>
-          </a:r>
-          <a:r>
             <a:rPr lang="en-US" sz="2800" dirty="0"/>
-            <a:t> </a:t>
+            <a:t>Aplikasi </a:t>
           </a:r>
           <a:r>
             <a:rPr lang="en-US" sz="2800" dirty="0" err="1"/>
@@ -5263,12 +5261,8 @@
             <a:buNone/>
           </a:pPr>
           <a:r>
-            <a:rPr lang="en-US" sz="2800" kern="1200" dirty="0" err="1"/>
-            <a:t>Aplikasi</a:t>
-          </a:r>
-          <a:r>
             <a:rPr lang="en-US" sz="2800" kern="1200" dirty="0"/>
-            <a:t> </a:t>
+            <a:t>Aplikasi </a:t>
           </a:r>
           <a:r>
             <a:rPr lang="en-US" sz="2800" kern="1200" dirty="0" err="1"/>
@@ -9943,7 +9937,7 @@
           <a:p>
             <a:fld id="{3F004F85-1731-4D90-8733-9AAB78339E08}" type="datetimeFigureOut">
               <a:rPr lang="en-US" smtClean="0"/>
-              <a:t>7/18/2019</a:t>
+              <a:t>7/19/2019</a:t>
             </a:fld>
             <a:endParaRPr lang="en-US"/>
           </a:p>
@@ -11134,7 +11128,7 @@
           <a:p>
             <a:fld id="{F60E8AC5-F17A-4C9A-97AC-E622EBA16C09}" type="slidenum">
               <a:rPr lang="en-US" smtClean="0"/>
-              <a:t>4</a:t>
+              <a:t>5</a:t>
             </a:fld>
             <a:endParaRPr lang="en-US"/>
           </a:p>
@@ -11227,7 +11221,7 @@
           <a:p>
             <a:fld id="{F60E8AC5-F17A-4C9A-97AC-E622EBA16C09}" type="slidenum">
               <a:rPr lang="en-US" smtClean="0"/>
-              <a:t>14</a:t>
+              <a:t>16</a:t>
             </a:fld>
             <a:endParaRPr lang="en-US"/>
           </a:p>
@@ -11425,7 +11419,7 @@
           <a:p>
             <a:fld id="{F60E8AC5-F17A-4C9A-97AC-E622EBA16C09}" type="slidenum">
               <a:rPr lang="en-US" smtClean="0"/>
-              <a:t>15</a:t>
+              <a:t>17</a:t>
             </a:fld>
             <a:endParaRPr lang="en-US"/>
           </a:p>
@@ -11515,7 +11509,7 @@
           <a:p>
             <a:fld id="{F60E8AC5-F17A-4C9A-97AC-E622EBA16C09}" type="slidenum">
               <a:rPr lang="en-US" smtClean="0"/>
-              <a:t>16</a:t>
+              <a:t>18</a:t>
             </a:fld>
             <a:endParaRPr lang="en-US"/>
           </a:p>
@@ -11713,7 +11707,7 @@
           <a:p>
             <a:fld id="{F60E8AC5-F17A-4C9A-97AC-E622EBA16C09}" type="slidenum">
               <a:rPr lang="en-US" smtClean="0"/>
-              <a:t>17</a:t>
+              <a:t>19</a:t>
             </a:fld>
             <a:endParaRPr lang="en-US"/>
           </a:p>
@@ -11911,7 +11905,7 @@
           <a:p>
             <a:fld id="{F60E8AC5-F17A-4C9A-97AC-E622EBA16C09}" type="slidenum">
               <a:rPr lang="en-US" smtClean="0"/>
-              <a:t>18</a:t>
+              <a:t>20</a:t>
             </a:fld>
             <a:endParaRPr lang="en-US"/>
           </a:p>
@@ -12109,7 +12103,7 @@
           <a:p>
             <a:fld id="{F60E8AC5-F17A-4C9A-97AC-E622EBA16C09}" type="slidenum">
               <a:rPr lang="en-US" smtClean="0"/>
-              <a:t>19</a:t>
+              <a:t>21</a:t>
             </a:fld>
             <a:endParaRPr lang="en-US"/>
           </a:p>
@@ -12193,7 +12187,7 @@
           <a:p>
             <a:fld id="{F60E8AC5-F17A-4C9A-97AC-E622EBA16C09}" type="slidenum">
               <a:rPr lang="en-US" smtClean="0"/>
-              <a:t>20</a:t>
+              <a:t>22</a:t>
             </a:fld>
             <a:endParaRPr lang="en-US"/>
           </a:p>
@@ -12277,7 +12271,7 @@
           <a:p>
             <a:fld id="{F60E8AC5-F17A-4C9A-97AC-E622EBA16C09}" type="slidenum">
               <a:rPr lang="en-US" smtClean="0"/>
-              <a:t>21</a:t>
+              <a:t>23</a:t>
             </a:fld>
             <a:endParaRPr lang="en-US"/>
           </a:p>
@@ -12361,7 +12355,7 @@
           <a:p>
             <a:fld id="{F60E8AC5-F17A-4C9A-97AC-E622EBA16C09}" type="slidenum">
               <a:rPr lang="en-US" smtClean="0"/>
-              <a:t>22</a:t>
+              <a:t>24</a:t>
             </a:fld>
             <a:endParaRPr lang="en-US"/>
           </a:p>
@@ -12445,7 +12439,7 @@
           <a:p>
             <a:fld id="{F60E8AC5-F17A-4C9A-97AC-E622EBA16C09}" type="slidenum">
               <a:rPr lang="en-US" smtClean="0"/>
-              <a:t>23</a:t>
+              <a:t>25</a:t>
             </a:fld>
             <a:endParaRPr lang="en-US"/>
           </a:p>
@@ -12577,7 +12571,7 @@
           <a:p>
             <a:fld id="{F60E8AC5-F17A-4C9A-97AC-E622EBA16C09}" type="slidenum">
               <a:rPr lang="en-US" smtClean="0"/>
-              <a:t>5</a:t>
+              <a:t>6</a:t>
             </a:fld>
             <a:endParaRPr lang="en-US"/>
           </a:p>
@@ -12661,7 +12655,7 @@
           <a:p>
             <a:fld id="{F60E8AC5-F17A-4C9A-97AC-E622EBA16C09}" type="slidenum">
               <a:rPr lang="en-US" smtClean="0"/>
-              <a:t>24</a:t>
+              <a:t>26</a:t>
             </a:fld>
             <a:endParaRPr lang="en-US"/>
           </a:p>
@@ -12745,7 +12739,7 @@
           <a:p>
             <a:fld id="{F60E8AC5-F17A-4C9A-97AC-E622EBA16C09}" type="slidenum">
               <a:rPr lang="en-US" smtClean="0"/>
-              <a:t>25</a:t>
+              <a:t>27</a:t>
             </a:fld>
             <a:endParaRPr lang="en-US"/>
           </a:p>
@@ -12829,7 +12823,7 @@
           <a:p>
             <a:fld id="{F60E8AC5-F17A-4C9A-97AC-E622EBA16C09}" type="slidenum">
               <a:rPr lang="en-US" smtClean="0"/>
-              <a:t>26</a:t>
+              <a:t>28</a:t>
             </a:fld>
             <a:endParaRPr lang="en-US"/>
           </a:p>
@@ -12913,7 +12907,7 @@
           <a:p>
             <a:fld id="{F60E8AC5-F17A-4C9A-97AC-E622EBA16C09}" type="slidenum">
               <a:rPr lang="en-US" smtClean="0"/>
-              <a:t>27</a:t>
+              <a:t>29</a:t>
             </a:fld>
             <a:endParaRPr lang="en-US"/>
           </a:p>
@@ -12997,7 +12991,7 @@
           <a:p>
             <a:fld id="{F60E8AC5-F17A-4C9A-97AC-E622EBA16C09}" type="slidenum">
               <a:rPr lang="en-US" smtClean="0"/>
-              <a:t>28</a:t>
+              <a:t>30</a:t>
             </a:fld>
             <a:endParaRPr lang="en-US"/>
           </a:p>
@@ -13081,7 +13075,7 @@
           <a:p>
             <a:fld id="{F60E8AC5-F17A-4C9A-97AC-E622EBA16C09}" type="slidenum">
               <a:rPr lang="en-US" smtClean="0"/>
-              <a:t>29</a:t>
+              <a:t>31</a:t>
             </a:fld>
             <a:endParaRPr lang="en-US"/>
           </a:p>
@@ -13165,7 +13159,7 @@
           <a:p>
             <a:fld id="{F60E8AC5-F17A-4C9A-97AC-E622EBA16C09}" type="slidenum">
               <a:rPr lang="en-US" smtClean="0"/>
-              <a:t>30</a:t>
+              <a:t>32</a:t>
             </a:fld>
             <a:endParaRPr lang="en-US"/>
           </a:p>
@@ -13249,7 +13243,7 @@
           <a:p>
             <a:fld id="{F60E8AC5-F17A-4C9A-97AC-E622EBA16C09}" type="slidenum">
               <a:rPr lang="en-US" smtClean="0"/>
-              <a:t>31</a:t>
+              <a:t>33</a:t>
             </a:fld>
             <a:endParaRPr lang="en-US"/>
           </a:p>
@@ -13333,7 +13327,7 @@
           <a:p>
             <a:fld id="{F60E8AC5-F17A-4C9A-97AC-E622EBA16C09}" type="slidenum">
               <a:rPr lang="en-US" smtClean="0"/>
-              <a:t>32</a:t>
+              <a:t>34</a:t>
             </a:fld>
             <a:endParaRPr lang="en-US"/>
           </a:p>
@@ -13417,7 +13411,7 @@
           <a:p>
             <a:fld id="{F60E8AC5-F17A-4C9A-97AC-E622EBA16C09}" type="slidenum">
               <a:rPr lang="en-US" smtClean="0"/>
-              <a:t>34</a:t>
+              <a:t>36</a:t>
             </a:fld>
             <a:endParaRPr lang="en-US"/>
           </a:p>
@@ -14095,7 +14089,7 @@
           <a:p>
             <a:fld id="{F60E8AC5-F17A-4C9A-97AC-E622EBA16C09}" type="slidenum">
               <a:rPr lang="en-US" smtClean="0"/>
-              <a:t>6</a:t>
+              <a:t>7</a:t>
             </a:fld>
             <a:endParaRPr lang="en-US"/>
           </a:p>
@@ -14179,7 +14173,7 @@
           <a:p>
             <a:fld id="{F60E8AC5-F17A-4C9A-97AC-E622EBA16C09}" type="slidenum">
               <a:rPr lang="en-US" smtClean="0"/>
-              <a:t>35</a:t>
+              <a:t>37</a:t>
             </a:fld>
             <a:endParaRPr lang="en-US"/>
           </a:p>
@@ -15112,7 +15106,7 @@
           <a:p>
             <a:fld id="{F60E8AC5-F17A-4C9A-97AC-E622EBA16C09}" type="slidenum">
               <a:rPr lang="en-US" smtClean="0"/>
-              <a:t>8</a:t>
+              <a:t>9</a:t>
             </a:fld>
             <a:endParaRPr lang="en-US"/>
           </a:p>
@@ -16045,7 +16039,7 @@
           <a:p>
             <a:fld id="{F60E8AC5-F17A-4C9A-97AC-E622EBA16C09}" type="slidenum">
               <a:rPr lang="en-US" smtClean="0"/>
-              <a:t>9</a:t>
+              <a:t>11</a:t>
             </a:fld>
             <a:endParaRPr lang="en-US"/>
           </a:p>
@@ -16978,7 +16972,7 @@
           <a:p>
             <a:fld id="{F60E8AC5-F17A-4C9A-97AC-E622EBA16C09}" type="slidenum">
               <a:rPr lang="en-US" smtClean="0"/>
-              <a:t>10</a:t>
+              <a:t>12</a:t>
             </a:fld>
             <a:endParaRPr lang="en-US"/>
           </a:p>
@@ -17213,7 +17207,7 @@
           <a:p>
             <a:fld id="{DF128A8A-2D87-49AD-B620-1498E2ACC596}" type="datetimeFigureOut">
               <a:rPr lang="en-US" smtClean="0"/>
-              <a:t>7/18/2019</a:t>
+              <a:t>7/19/2019</a:t>
             </a:fld>
             <a:endParaRPr lang="en-US"/>
           </a:p>
@@ -17383,7 +17377,7 @@
           <a:p>
             <a:fld id="{DF128A8A-2D87-49AD-B620-1498E2ACC596}" type="datetimeFigureOut">
               <a:rPr lang="en-US" smtClean="0"/>
-              <a:t>7/18/2019</a:t>
+              <a:t>7/19/2019</a:t>
             </a:fld>
             <a:endParaRPr lang="en-US"/>
           </a:p>
@@ -17563,7 +17557,7 @@
           <a:p>
             <a:fld id="{DF128A8A-2D87-49AD-B620-1498E2ACC596}" type="datetimeFigureOut">
               <a:rPr lang="en-US" smtClean="0"/>
-              <a:t>7/18/2019</a:t>
+              <a:t>7/19/2019</a:t>
             </a:fld>
             <a:endParaRPr lang="en-US"/>
           </a:p>
@@ -17733,7 +17727,7 @@
           <a:p>
             <a:fld id="{DF128A8A-2D87-49AD-B620-1498E2ACC596}" type="datetimeFigureOut">
               <a:rPr lang="en-US" smtClean="0"/>
-              <a:t>7/18/2019</a:t>
+              <a:t>7/19/2019</a:t>
             </a:fld>
             <a:endParaRPr lang="en-US"/>
           </a:p>
@@ -17979,7 +17973,7 @@
           <a:p>
             <a:fld id="{DF128A8A-2D87-49AD-B620-1498E2ACC596}" type="datetimeFigureOut">
               <a:rPr lang="en-US" smtClean="0"/>
-              <a:t>7/18/2019</a:t>
+              <a:t>7/19/2019</a:t>
             </a:fld>
             <a:endParaRPr lang="en-US"/>
           </a:p>
@@ -18211,7 +18205,7 @@
           <a:p>
             <a:fld id="{DF128A8A-2D87-49AD-B620-1498E2ACC596}" type="datetimeFigureOut">
               <a:rPr lang="en-US" smtClean="0"/>
-              <a:t>7/18/2019</a:t>
+              <a:t>7/19/2019</a:t>
             </a:fld>
             <a:endParaRPr lang="en-US"/>
           </a:p>
@@ -18578,7 +18572,7 @@
           <a:p>
             <a:fld id="{DF128A8A-2D87-49AD-B620-1498E2ACC596}" type="datetimeFigureOut">
               <a:rPr lang="en-US" smtClean="0"/>
-              <a:t>7/18/2019</a:t>
+              <a:t>7/19/2019</a:t>
             </a:fld>
             <a:endParaRPr lang="en-US"/>
           </a:p>
@@ -18696,7 +18690,7 @@
           <a:p>
             <a:fld id="{DF128A8A-2D87-49AD-B620-1498E2ACC596}" type="datetimeFigureOut">
               <a:rPr lang="en-US" smtClean="0"/>
-              <a:t>7/18/2019</a:t>
+              <a:t>7/19/2019</a:t>
             </a:fld>
             <a:endParaRPr lang="en-US"/>
           </a:p>
@@ -18791,7 +18785,7 @@
           <a:p>
             <a:fld id="{DF128A8A-2D87-49AD-B620-1498E2ACC596}" type="datetimeFigureOut">
               <a:rPr lang="en-US" smtClean="0"/>
-              <a:t>7/18/2019</a:t>
+              <a:t>7/19/2019</a:t>
             </a:fld>
             <a:endParaRPr lang="en-US"/>
           </a:p>
@@ -19068,7 +19062,7 @@
           <a:p>
             <a:fld id="{DF128A8A-2D87-49AD-B620-1498E2ACC596}" type="datetimeFigureOut">
               <a:rPr lang="en-US" smtClean="0"/>
-              <a:t>7/18/2019</a:t>
+              <a:t>7/19/2019</a:t>
             </a:fld>
             <a:endParaRPr lang="en-US"/>
           </a:p>
@@ -19324,7 +19318,7 @@
           <a:p>
             <a:fld id="{DF128A8A-2D87-49AD-B620-1498E2ACC596}" type="datetimeFigureOut">
               <a:rPr lang="en-US" smtClean="0"/>
-              <a:t>7/18/2019</a:t>
+              <a:t>7/19/2019</a:t>
             </a:fld>
             <a:endParaRPr lang="en-US"/>
           </a:p>
@@ -19537,7 +19531,7 @@
           <a:p>
             <a:fld id="{DF128A8A-2D87-49AD-B620-1498E2ACC596}" type="datetimeFigureOut">
               <a:rPr lang="en-US" smtClean="0"/>
-              <a:t>7/18/2019</a:t>
+              <a:t>7/19/2019</a:t>
             </a:fld>
             <a:endParaRPr lang="en-US"/>
           </a:p>
@@ -20489,6 +20483,193 @@
           <a:chExt cx="0" cy="0"/>
         </a:xfrm>
       </p:grpSpPr>
+      <p:sp>
+        <p:nvSpPr>
+          <p:cNvPr id="2" name="Title 1">
+            <a:extLst>
+              <a:ext uri="{FF2B5EF4-FFF2-40B4-BE49-F238E27FC236}">
+                <a16:creationId xmlns:a16="http://schemas.microsoft.com/office/drawing/2014/main" id="{18BFC0F6-C800-4742-9A3F-49CD41F93657}"/>
+              </a:ext>
+            </a:extLst>
+          </p:cNvPr>
+          <p:cNvSpPr>
+            <a:spLocks noGrp="1"/>
+          </p:cNvSpPr>
+          <p:nvPr>
+            <p:ph type="title"/>
+          </p:nvPr>
+        </p:nvSpPr>
+        <p:spPr>
+          <a:xfrm>
+            <a:off x="8358767" y="913766"/>
+            <a:ext cx="1767840" cy="594995"/>
+          </a:xfrm>
+        </p:spPr>
+        <p:txBody>
+          <a:bodyPr>
+            <a:normAutofit/>
+          </a:bodyPr>
+          <a:lstStyle/>
+          <a:p>
+            <a:r>
+              <a:rPr lang="en-US" sz="2600" dirty="0">
+                <a:latin typeface="Helvetica" panose="020B0604020202020204" pitchFamily="34" charset="0"/>
+                <a:cs typeface="Helvetica" panose="020B0604020202020204" pitchFamily="34" charset="0"/>
+              </a:rPr>
+              <a:t>File Saya</a:t>
+            </a:r>
+          </a:p>
+        </p:txBody>
+      </p:sp>
+      <p:pic>
+        <p:nvPicPr>
+          <p:cNvPr id="4" name="Content Placeholder 3">
+            <a:extLst>
+              <a:ext uri="{FF2B5EF4-FFF2-40B4-BE49-F238E27FC236}">
+                <a16:creationId xmlns:a16="http://schemas.microsoft.com/office/drawing/2014/main" id="{288CF540-8316-4783-9AC8-78B483210968}"/>
+              </a:ext>
+            </a:extLst>
+          </p:cNvPr>
+          <p:cNvPicPr>
+            <a:picLocks noGrp="1"/>
+          </p:cNvPicPr>
+          <p:nvPr>
+            <p:ph idx="1"/>
+          </p:nvPr>
+        </p:nvPicPr>
+        <p:blipFill>
+          <a:blip r:embed="rId2"/>
+          <a:stretch>
+            <a:fillRect/>
+          </a:stretch>
+        </p:blipFill>
+        <p:spPr>
+          <a:xfrm>
+            <a:off x="323293" y="2811464"/>
+            <a:ext cx="5136623" cy="2062579"/>
+          </a:xfrm>
+          <a:prstGeom prst="rect">
+            <a:avLst/>
+          </a:prstGeom>
+        </p:spPr>
+      </p:pic>
+      <p:sp>
+        <p:nvSpPr>
+          <p:cNvPr id="5" name="Rectangle 4">
+            <a:extLst>
+              <a:ext uri="{FF2B5EF4-FFF2-40B4-BE49-F238E27FC236}">
+                <a16:creationId xmlns:a16="http://schemas.microsoft.com/office/drawing/2014/main" id="{CAABEDBD-FAD8-4B32-AD4D-95045F1E3DDE}"/>
+              </a:ext>
+            </a:extLst>
+          </p:cNvPr>
+          <p:cNvSpPr/>
+          <p:nvPr/>
+        </p:nvSpPr>
+        <p:spPr>
+          <a:xfrm>
+            <a:off x="6304992" y="1395890"/>
+            <a:ext cx="5189964" cy="2657574"/>
+          </a:xfrm>
+          <a:prstGeom prst="rect">
+            <a:avLst/>
+          </a:prstGeom>
+          <a:ln>
+            <a:solidFill>
+              <a:schemeClr val="tx1"/>
+            </a:solidFill>
+          </a:ln>
+        </p:spPr>
+        <p:style>
+          <a:lnRef idx="2">
+            <a:schemeClr val="accent6"/>
+          </a:lnRef>
+          <a:fillRef idx="1">
+            <a:schemeClr val="lt1"/>
+          </a:fillRef>
+          <a:effectRef idx="0">
+            <a:schemeClr val="accent6"/>
+          </a:effectRef>
+          <a:fontRef idx="minor">
+            <a:schemeClr val="dk1"/>
+          </a:fontRef>
+        </p:style>
+        <p:txBody>
+          <a:bodyPr rtlCol="0" anchor="ctr"/>
+          <a:lstStyle/>
+          <a:p>
+            <a:pPr algn="ctr"/>
+            <a:endParaRPr lang="en-US"/>
+          </a:p>
+        </p:txBody>
+      </p:sp>
+      <p:sp>
+        <p:nvSpPr>
+          <p:cNvPr id="6" name="TextBox 5">
+            <a:extLst>
+              <a:ext uri="{FF2B5EF4-FFF2-40B4-BE49-F238E27FC236}">
+                <a16:creationId xmlns:a16="http://schemas.microsoft.com/office/drawing/2014/main" id="{4239BF5A-558E-4925-AE30-A139ADB52954}"/>
+              </a:ext>
+            </a:extLst>
+          </p:cNvPr>
+          <p:cNvSpPr txBox="1"/>
+          <p:nvPr/>
+        </p:nvSpPr>
+        <p:spPr>
+          <a:xfrm>
+            <a:off x="2335345" y="1088709"/>
+            <a:ext cx="2392680" cy="492443"/>
+          </a:xfrm>
+          <a:prstGeom prst="rect">
+            <a:avLst/>
+          </a:prstGeom>
+          <a:noFill/>
+        </p:spPr>
+        <p:txBody>
+          <a:bodyPr wrap="square" rtlCol="0">
+            <a:spAutoFit/>
+          </a:bodyPr>
+          <a:lstStyle/>
+          <a:p>
+            <a:r>
+              <a:rPr lang="en-US" sz="2600" dirty="0">
+                <a:latin typeface="Helvetica" panose="020B0604020202020204" pitchFamily="34" charset="0"/>
+                <a:cs typeface="Helvetica" panose="020B0604020202020204" pitchFamily="34" charset="0"/>
+              </a:rPr>
+              <a:t>File Saya</a:t>
+            </a:r>
+          </a:p>
+        </p:txBody>
+      </p:sp>
+    </p:spTree>
+    <p:extLst>
+      <p:ext uri="{BB962C8B-B14F-4D97-AF65-F5344CB8AC3E}">
+        <p14:creationId xmlns:p14="http://schemas.microsoft.com/office/powerpoint/2010/main" val="3484632665"/>
+      </p:ext>
+    </p:extLst>
+  </p:cSld>
+  <p:clrMapOvr>
+    <a:masterClrMapping/>
+  </p:clrMapOvr>
+</p:sld>
+</file>
+
+<file path=ppt/slides/slide11.xml><?xml version="1.0" encoding="utf-8"?>
+<p:sld xmlns:a="http://schemas.openxmlformats.org/drawingml/2006/main" xmlns:r="http://schemas.openxmlformats.org/officeDocument/2006/relationships" xmlns:p="http://schemas.openxmlformats.org/presentationml/2006/main">
+  <p:cSld>
+    <p:spTree>
+      <p:nvGrpSpPr>
+        <p:cNvPr id="1" name=""/>
+        <p:cNvGrpSpPr/>
+        <p:nvPr/>
+      </p:nvGrpSpPr>
+      <p:grpSpPr>
+        <a:xfrm>
+          <a:off x="0" y="0"/>
+          <a:ext cx="0" cy="0"/>
+          <a:chOff x="0" y="0"/>
+          <a:chExt cx="0" cy="0"/>
+        </a:xfrm>
+      </p:grpSpPr>
       <p:pic>
         <p:nvPicPr>
           <p:cNvPr id="49" name="Picture 48">
@@ -20602,10 +20783,13 @@
                 <a:srgbClr val="0067AC"/>
               </a:buClr>
             </a:pPr>
-            <a:endParaRPr lang="en-US" dirty="0">
-              <a:latin typeface="Tw Cen MT" panose="020B0602020104020603" pitchFamily="34" charset="0"/>
-              <a:cs typeface="Arial" panose="020B0604020202020204" pitchFamily="34" charset="0"/>
-            </a:endParaRPr>
+            <a:r>
+              <a:rPr lang="en-US" dirty="0">
+                <a:latin typeface="Tw Cen MT" panose="020B0602020104020603" pitchFamily="34" charset="0"/>
+                <a:cs typeface="Arial" panose="020B0604020202020204" pitchFamily="34" charset="0"/>
+              </a:rPr>
+              <a:t>PERANCANGAN SISTEM</a:t>
+            </a:r>
           </a:p>
         </p:txBody>
       </p:sp>
@@ -20678,6 +20862,534 @@
         </p:nvSpPr>
         <p:spPr>
           <a:xfrm>
+            <a:off x="9176659" y="6432549"/>
+            <a:ext cx="2743200" cy="365125"/>
+          </a:xfrm>
+        </p:spPr>
+        <p:txBody>
+          <a:bodyPr/>
+          <a:lstStyle/>
+          <a:p>
+            <a:fld id="{F98B6361-BA1B-450B-B962-29ABDD099519}" type="slidenum">
+              <a:rPr lang="en-US" sz="2000" smtClean="0">
+                <a:solidFill>
+                  <a:schemeClr val="bg1"/>
+                </a:solidFill>
+                <a:latin typeface="Tw Cen MT" panose="020B0602020104020603" pitchFamily="34" charset="0"/>
+              </a:rPr>
+              <a:pPr/>
+              <a:t>11</a:t>
+            </a:fld>
+            <a:endParaRPr lang="en-US" sz="2000">
+              <a:solidFill>
+                <a:schemeClr val="bg1"/>
+              </a:solidFill>
+              <a:latin typeface="Tw Cen MT" panose="020B0602020104020603" pitchFamily="34" charset="0"/>
+            </a:endParaRPr>
+          </a:p>
+        </p:txBody>
+      </p:sp>
+      <p:sp>
+        <p:nvSpPr>
+          <p:cNvPr id="12" name="Footer Placeholder 4">
+            <a:extLst>
+              <a:ext uri="{FF2B5EF4-FFF2-40B4-BE49-F238E27FC236}">
+                <a16:creationId xmlns:a16="http://schemas.microsoft.com/office/drawing/2014/main" id="{AF0761A2-EAB9-4EAD-AEDD-517B32979B49}"/>
+              </a:ext>
+            </a:extLst>
+          </p:cNvPr>
+          <p:cNvSpPr>
+            <a:spLocks noGrp="1"/>
+          </p:cNvSpPr>
+          <p:nvPr>
+            <p:ph type="ftr" sz="quarter" idx="11"/>
+          </p:nvPr>
+        </p:nvSpPr>
+        <p:spPr>
+          <a:xfrm>
+            <a:off x="4038600" y="6356350"/>
+            <a:ext cx="4114800" cy="365125"/>
+          </a:xfrm>
+          <a:prstGeom prst="rect">
+            <a:avLst/>
+          </a:prstGeom>
+        </p:spPr>
+        <p:txBody>
+          <a:bodyPr/>
+          <a:lstStyle/>
+          <a:p>
+            <a:r>
+              <a:rPr lang="en-US" altLang="en-US">
+                <a:solidFill>
+                  <a:schemeClr val="bg1"/>
+                </a:solidFill>
+                <a:latin typeface="Trebuchet MS" panose="020B0603020202020204" pitchFamily="34" charset="0"/>
+              </a:rPr>
+              <a:t>Tugas Akhir – IF184802</a:t>
+            </a:r>
+          </a:p>
+        </p:txBody>
+      </p:sp>
+      <p:pic>
+        <p:nvPicPr>
+          <p:cNvPr id="22" name="Picture 21">
+            <a:extLst>
+              <a:ext uri="{FF2B5EF4-FFF2-40B4-BE49-F238E27FC236}">
+                <a16:creationId xmlns:a16="http://schemas.microsoft.com/office/drawing/2014/main" id="{455C1BDD-A17D-4A71-B9C6-186BBA293B10}"/>
+              </a:ext>
+            </a:extLst>
+          </p:cNvPr>
+          <p:cNvPicPr/>
+          <p:nvPr/>
+        </p:nvPicPr>
+        <p:blipFill>
+          <a:blip r:embed="rId4">
+            <a:extLst>
+              <a:ext uri="{28A0092B-C50C-407E-A947-70E740481C1C}">
+                <a14:useLocalDpi xmlns:a14="http://schemas.microsoft.com/office/drawing/2010/main" val="0"/>
+              </a:ext>
+            </a:extLst>
+          </a:blip>
+          <a:srcRect/>
+          <a:stretch>
+            <a:fillRect/>
+          </a:stretch>
+        </p:blipFill>
+        <p:spPr bwMode="auto">
+          <a:xfrm>
+            <a:off x="1677364" y="1365783"/>
+            <a:ext cx="5863123" cy="4854040"/>
+          </a:xfrm>
+          <a:prstGeom prst="rect">
+            <a:avLst/>
+          </a:prstGeom>
+          <a:noFill/>
+          <a:ln>
+            <a:noFill/>
+          </a:ln>
+        </p:spPr>
+      </p:pic>
+      <p:sp>
+        <p:nvSpPr>
+          <p:cNvPr id="2" name="TextBox 1">
+            <a:extLst>
+              <a:ext uri="{FF2B5EF4-FFF2-40B4-BE49-F238E27FC236}">
+                <a16:creationId xmlns:a16="http://schemas.microsoft.com/office/drawing/2014/main" id="{0EBCFE01-8C28-41B3-80CB-6D773E7F81FE}"/>
+              </a:ext>
+            </a:extLst>
+          </p:cNvPr>
+          <p:cNvSpPr txBox="1"/>
+          <p:nvPr/>
+        </p:nvSpPr>
+        <p:spPr>
+          <a:xfrm>
+            <a:off x="8354099" y="1950879"/>
+            <a:ext cx="1783381" cy="461665"/>
+          </a:xfrm>
+          <a:prstGeom prst="rect">
+            <a:avLst/>
+          </a:prstGeom>
+          <a:noFill/>
+        </p:spPr>
+        <p:txBody>
+          <a:bodyPr wrap="square" rtlCol="0">
+            <a:spAutoFit/>
+          </a:bodyPr>
+          <a:lstStyle/>
+          <a:p>
+            <a:pPr algn="ctr"/>
+            <a:r>
+              <a:rPr lang="en-US" sz="1200" dirty="0"/>
+              <a:t>Verifikator File</a:t>
+            </a:r>
+          </a:p>
+          <a:p>
+            <a:pPr algn="ctr"/>
+            <a:r>
+              <a:rPr lang="en-US" sz="1200" dirty="0"/>
+              <a:t>Server Basis Data</a:t>
+            </a:r>
+          </a:p>
+        </p:txBody>
+      </p:sp>
+      <p:sp>
+        <p:nvSpPr>
+          <p:cNvPr id="3" name="Rectangle 2">
+            <a:extLst>
+              <a:ext uri="{FF2B5EF4-FFF2-40B4-BE49-F238E27FC236}">
+                <a16:creationId xmlns:a16="http://schemas.microsoft.com/office/drawing/2014/main" id="{E17951FD-ABDE-45F0-A234-53B73D329814}"/>
+              </a:ext>
+            </a:extLst>
+          </p:cNvPr>
+          <p:cNvSpPr/>
+          <p:nvPr/>
+        </p:nvSpPr>
+        <p:spPr>
+          <a:xfrm>
+            <a:off x="4468353" y="3048001"/>
+            <a:ext cx="2193706" cy="270776"/>
+          </a:xfrm>
+          <a:prstGeom prst="rect">
+            <a:avLst/>
+          </a:prstGeom>
+          <a:ln>
+            <a:solidFill>
+              <a:schemeClr val="bg1"/>
+            </a:solidFill>
+          </a:ln>
+        </p:spPr>
+        <p:style>
+          <a:lnRef idx="2">
+            <a:schemeClr val="accent6"/>
+          </a:lnRef>
+          <a:fillRef idx="1">
+            <a:schemeClr val="lt1"/>
+          </a:fillRef>
+          <a:effectRef idx="0">
+            <a:schemeClr val="accent6"/>
+          </a:effectRef>
+          <a:fontRef idx="minor">
+            <a:schemeClr val="dk1"/>
+          </a:fontRef>
+        </p:style>
+        <p:txBody>
+          <a:bodyPr rtlCol="0" anchor="ctr"/>
+          <a:lstStyle/>
+          <a:p>
+            <a:pPr algn="ctr"/>
+            <a:endParaRPr lang="en-US"/>
+          </a:p>
+        </p:txBody>
+      </p:sp>
+      <p:sp>
+        <p:nvSpPr>
+          <p:cNvPr id="23" name="Rectangle 22">
+            <a:extLst>
+              <a:ext uri="{FF2B5EF4-FFF2-40B4-BE49-F238E27FC236}">
+                <a16:creationId xmlns:a16="http://schemas.microsoft.com/office/drawing/2014/main" id="{4CEA82EB-042C-49C3-A8B9-43C84B0028EB}"/>
+              </a:ext>
+            </a:extLst>
+          </p:cNvPr>
+          <p:cNvSpPr/>
+          <p:nvPr/>
+        </p:nvSpPr>
+        <p:spPr>
+          <a:xfrm>
+            <a:off x="2569054" y="5973229"/>
+            <a:ext cx="2193706" cy="270776"/>
+          </a:xfrm>
+          <a:prstGeom prst="rect">
+            <a:avLst/>
+          </a:prstGeom>
+          <a:ln>
+            <a:solidFill>
+              <a:schemeClr val="bg1"/>
+            </a:solidFill>
+          </a:ln>
+        </p:spPr>
+        <p:style>
+          <a:lnRef idx="2">
+            <a:schemeClr val="accent6"/>
+          </a:lnRef>
+          <a:fillRef idx="1">
+            <a:schemeClr val="lt1"/>
+          </a:fillRef>
+          <a:effectRef idx="0">
+            <a:schemeClr val="accent6"/>
+          </a:effectRef>
+          <a:fontRef idx="minor">
+            <a:schemeClr val="dk1"/>
+          </a:fontRef>
+        </p:style>
+        <p:txBody>
+          <a:bodyPr rtlCol="0" anchor="ctr"/>
+          <a:lstStyle/>
+          <a:p>
+            <a:pPr algn="ctr"/>
+            <a:endParaRPr lang="en-US"/>
+          </a:p>
+        </p:txBody>
+      </p:sp>
+      <p:sp>
+        <p:nvSpPr>
+          <p:cNvPr id="24" name="Rectangle 23">
+            <a:extLst>
+              <a:ext uri="{FF2B5EF4-FFF2-40B4-BE49-F238E27FC236}">
+                <a16:creationId xmlns:a16="http://schemas.microsoft.com/office/drawing/2014/main" id="{90A4E147-1B3B-414D-B9DA-B8FFE3476312}"/>
+              </a:ext>
+            </a:extLst>
+          </p:cNvPr>
+          <p:cNvSpPr/>
+          <p:nvPr/>
+        </p:nvSpPr>
+        <p:spPr>
+          <a:xfrm>
+            <a:off x="6160393" y="6025248"/>
+            <a:ext cx="2193706" cy="270776"/>
+          </a:xfrm>
+          <a:prstGeom prst="rect">
+            <a:avLst/>
+          </a:prstGeom>
+          <a:ln>
+            <a:solidFill>
+              <a:schemeClr val="bg1"/>
+            </a:solidFill>
+          </a:ln>
+        </p:spPr>
+        <p:style>
+          <a:lnRef idx="2">
+            <a:schemeClr val="accent6"/>
+          </a:lnRef>
+          <a:fillRef idx="1">
+            <a:schemeClr val="lt1"/>
+          </a:fillRef>
+          <a:effectRef idx="0">
+            <a:schemeClr val="accent6"/>
+          </a:effectRef>
+          <a:fontRef idx="minor">
+            <a:schemeClr val="dk1"/>
+          </a:fontRef>
+        </p:style>
+        <p:txBody>
+          <a:bodyPr rtlCol="0" anchor="ctr"/>
+          <a:lstStyle/>
+          <a:p>
+            <a:pPr algn="ctr"/>
+            <a:endParaRPr lang="en-US"/>
+          </a:p>
+        </p:txBody>
+      </p:sp>
+    </p:spTree>
+    <p:extLst>
+      <p:ext uri="{BB962C8B-B14F-4D97-AF65-F5344CB8AC3E}">
+        <p14:creationId xmlns:p14="http://schemas.microsoft.com/office/powerpoint/2010/main" val="3405940574"/>
+      </p:ext>
+    </p:extLst>
+  </p:cSld>
+  <p:clrMapOvr>
+    <a:masterClrMapping/>
+  </p:clrMapOvr>
+  <mc:AlternateContent xmlns:mc="http://schemas.openxmlformats.org/markup-compatibility/2006" xmlns:p14="http://schemas.microsoft.com/office/powerpoint/2010/main">
+    <mc:Choice Requires="p14">
+      <p:transition spd="med" p14:dur="700">
+        <p:fade/>
+      </p:transition>
+    </mc:Choice>
+    <mc:Fallback xmlns="">
+      <p:transition spd="med">
+        <p:fade/>
+      </p:transition>
+    </mc:Fallback>
+  </mc:AlternateContent>
+</p:sld>
+</file>
+
+<file path=ppt/slides/slide12.xml><?xml version="1.0" encoding="utf-8"?>
+<p:sld xmlns:a="http://schemas.openxmlformats.org/drawingml/2006/main" xmlns:r="http://schemas.openxmlformats.org/officeDocument/2006/relationships" xmlns:p="http://schemas.openxmlformats.org/presentationml/2006/main">
+  <p:cSld>
+    <p:spTree>
+      <p:nvGrpSpPr>
+        <p:cNvPr id="1" name=""/>
+        <p:cNvGrpSpPr/>
+        <p:nvPr/>
+      </p:nvGrpSpPr>
+      <p:grpSpPr>
+        <a:xfrm>
+          <a:off x="0" y="0"/>
+          <a:ext cx="0" cy="0"/>
+          <a:chOff x="0" y="0"/>
+          <a:chExt cx="0" cy="0"/>
+        </a:xfrm>
+      </p:grpSpPr>
+      <p:pic>
+        <p:nvPicPr>
+          <p:cNvPr id="49" name="Picture 48">
+            <a:extLst>
+              <a:ext uri="{FF2B5EF4-FFF2-40B4-BE49-F238E27FC236}">
+                <a16:creationId xmlns:a16="http://schemas.microsoft.com/office/drawing/2014/main" id="{3DB88EB2-4959-4384-B606-6EC9735683D6}"/>
+              </a:ext>
+            </a:extLst>
+          </p:cNvPr>
+          <p:cNvPicPr>
+            <a:picLocks noChangeAspect="1"/>
+          </p:cNvPicPr>
+          <p:nvPr/>
+        </p:nvPicPr>
+        <p:blipFill>
+          <a:blip r:embed="rId3" cstate="print">
+            <a:extLst>
+              <a:ext uri="{28A0092B-C50C-407E-A947-70E740481C1C}">
+                <a14:useLocalDpi xmlns:a14="http://schemas.microsoft.com/office/drawing/2010/main" val="0"/>
+              </a:ext>
+            </a:extLst>
+          </a:blip>
+          <a:stretch>
+            <a:fillRect/>
+          </a:stretch>
+        </p:blipFill>
+        <p:spPr>
+          <a:xfrm>
+            <a:off x="84311" y="0"/>
+            <a:ext cx="1788262" cy="1152152"/>
+          </a:xfrm>
+          <a:prstGeom prst="rect">
+            <a:avLst/>
+          </a:prstGeom>
+        </p:spPr>
+      </p:pic>
+      <p:cxnSp>
+        <p:nvCxnSpPr>
+          <p:cNvPr id="51" name="Straight Connector 50">
+            <a:extLst>
+              <a:ext uri="{FF2B5EF4-FFF2-40B4-BE49-F238E27FC236}">
+                <a16:creationId xmlns:a16="http://schemas.microsoft.com/office/drawing/2014/main" id="{29B44FC3-C737-4B92-B1D0-AD232099FBDF}"/>
+              </a:ext>
+            </a:extLst>
+          </p:cNvPr>
+          <p:cNvCxnSpPr/>
+          <p:nvPr/>
+        </p:nvCxnSpPr>
+        <p:spPr>
+          <a:xfrm>
+            <a:off x="0" y="1228352"/>
+            <a:ext cx="12192000" cy="0"/>
+          </a:xfrm>
+          <a:prstGeom prst="line">
+            <a:avLst/>
+          </a:prstGeom>
+          <a:ln w="76200">
+            <a:solidFill>
+              <a:srgbClr val="0067AC"/>
+            </a:solidFill>
+          </a:ln>
+        </p:spPr>
+        <p:style>
+          <a:lnRef idx="1">
+            <a:schemeClr val="accent1"/>
+          </a:lnRef>
+          <a:fillRef idx="0">
+            <a:schemeClr val="accent1"/>
+          </a:fillRef>
+          <a:effectRef idx="0">
+            <a:schemeClr val="accent1"/>
+          </a:effectRef>
+          <a:fontRef idx="minor">
+            <a:schemeClr val="tx1"/>
+          </a:fontRef>
+        </p:style>
+      </p:cxnSp>
+      <p:sp>
+        <p:nvSpPr>
+          <p:cNvPr id="52" name="Title 1">
+            <a:extLst>
+              <a:ext uri="{FF2B5EF4-FFF2-40B4-BE49-F238E27FC236}">
+                <a16:creationId xmlns:a16="http://schemas.microsoft.com/office/drawing/2014/main" id="{2B8CDEBA-452A-4190-964B-37DF9F5C0EF5}"/>
+              </a:ext>
+            </a:extLst>
+          </p:cNvPr>
+          <p:cNvSpPr>
+            <a:spLocks noGrp="1"/>
+          </p:cNvSpPr>
+          <p:nvPr>
+            <p:ph type="title"/>
+          </p:nvPr>
+        </p:nvSpPr>
+        <p:spPr>
+          <a:xfrm>
+            <a:off x="1404259" y="213631"/>
+            <a:ext cx="10515600" cy="766989"/>
+          </a:xfrm>
+        </p:spPr>
+        <p:txBody>
+          <a:bodyPr>
+            <a:normAutofit fontScale="90000"/>
+          </a:bodyPr>
+          <a:lstStyle/>
+          <a:p>
+            <a:pPr algn="r">
+              <a:lnSpc>
+                <a:spcPct val="150000"/>
+              </a:lnSpc>
+              <a:buClr>
+                <a:srgbClr val="0067AC"/>
+              </a:buClr>
+            </a:pPr>
+            <a:endParaRPr lang="en-US" dirty="0">
+              <a:latin typeface="Tw Cen MT" panose="020B0602020104020603" pitchFamily="34" charset="0"/>
+              <a:cs typeface="Arial" panose="020B0604020202020204" pitchFamily="34" charset="0"/>
+            </a:endParaRPr>
+          </a:p>
+        </p:txBody>
+      </p:sp>
+      <p:sp>
+        <p:nvSpPr>
+          <p:cNvPr id="53" name="Rectangle 52">
+            <a:extLst>
+              <a:ext uri="{FF2B5EF4-FFF2-40B4-BE49-F238E27FC236}">
+                <a16:creationId xmlns:a16="http://schemas.microsoft.com/office/drawing/2014/main" id="{A0FB1C80-C067-49CE-95A9-A233AADF262C}"/>
+              </a:ext>
+            </a:extLst>
+          </p:cNvPr>
+          <p:cNvSpPr/>
+          <p:nvPr/>
+        </p:nvSpPr>
+        <p:spPr>
+          <a:xfrm>
+            <a:off x="0" y="6372225"/>
+            <a:ext cx="12192000" cy="485775"/>
+          </a:xfrm>
+          <a:prstGeom prst="rect">
+            <a:avLst/>
+          </a:prstGeom>
+          <a:ln>
+            <a:solidFill>
+              <a:srgbClr val="0067AC"/>
+            </a:solidFill>
+          </a:ln>
+        </p:spPr>
+        <p:style>
+          <a:lnRef idx="2">
+            <a:schemeClr val="accent1">
+              <a:shade val="50000"/>
+            </a:schemeClr>
+          </a:lnRef>
+          <a:fillRef idx="1">
+            <a:schemeClr val="accent1"/>
+          </a:fillRef>
+          <a:effectRef idx="0">
+            <a:schemeClr val="accent1"/>
+          </a:effectRef>
+          <a:fontRef idx="minor">
+            <a:schemeClr val="lt1"/>
+          </a:fontRef>
+        </p:style>
+        <p:txBody>
+          <a:bodyPr rtlCol="0" anchor="ctr"/>
+          <a:lstStyle/>
+          <a:p>
+            <a:pPr algn="ctr"/>
+            <a:endParaRPr lang="en-US"/>
+          </a:p>
+        </p:txBody>
+      </p:sp>
+      <p:sp>
+        <p:nvSpPr>
+          <p:cNvPr id="54" name="Slide Number Placeholder 5">
+            <a:extLst>
+              <a:ext uri="{FF2B5EF4-FFF2-40B4-BE49-F238E27FC236}">
+                <a16:creationId xmlns:a16="http://schemas.microsoft.com/office/drawing/2014/main" id="{9AD941AF-6002-455E-B6E0-BA52F0663035}"/>
+              </a:ext>
+            </a:extLst>
+          </p:cNvPr>
+          <p:cNvSpPr>
+            <a:spLocks noGrp="1"/>
+          </p:cNvSpPr>
+          <p:nvPr>
+            <p:ph type="sldNum" sz="quarter" idx="12"/>
+          </p:nvPr>
+        </p:nvSpPr>
+        <p:spPr>
+          <a:xfrm>
             <a:off x="9062417" y="6407675"/>
             <a:ext cx="2743200" cy="365125"/>
           </a:xfrm>
@@ -20694,7 +21406,7 @@
                 <a:latin typeface="Tw Cen MT" panose="020B0602020104020603" pitchFamily="34" charset="0"/>
               </a:rPr>
               <a:pPr/>
-              <a:t>10</a:t>
+              <a:t>12</a:t>
             </a:fld>
             <a:endParaRPr lang="en-US" sz="2000">
               <a:solidFill>
@@ -21234,7 +21946,7 @@
 </p:sld>
 </file>
 
-<file path=ppt/slides/slide11.xml><?xml version="1.0" encoding="utf-8"?>
+<file path=ppt/slides/slide13.xml><?xml version="1.0" encoding="utf-8"?>
 <p:sld xmlns:a="http://schemas.openxmlformats.org/drawingml/2006/main" xmlns:r="http://schemas.openxmlformats.org/officeDocument/2006/relationships" xmlns:p="http://schemas.openxmlformats.org/presentationml/2006/main">
   <p:cSld>
     <p:spTree>
@@ -21463,7 +22175,7 @@
                 <a:latin typeface="Tw Cen MT" panose="020B0602020104020603" pitchFamily="34" charset="0"/>
               </a:rPr>
               <a:pPr/>
-              <a:t>11</a:t>
+              <a:t>13</a:t>
             </a:fld>
             <a:endParaRPr lang="en-US" sz="2000">
               <a:solidFill>
@@ -22032,7 +22744,7 @@
 </p:sld>
 </file>
 
-<file path=ppt/slides/slide12.xml><?xml version="1.0" encoding="utf-8"?>
+<file path=ppt/slides/slide14.xml><?xml version="1.0" encoding="utf-8"?>
 <p:sld xmlns:a="http://schemas.openxmlformats.org/drawingml/2006/main" xmlns:r="http://schemas.openxmlformats.org/officeDocument/2006/relationships" xmlns:p="http://schemas.openxmlformats.org/presentationml/2006/main">
   <p:cSld>
     <p:spTree>
@@ -22257,7 +22969,7 @@
                 <a:latin typeface="Tw Cen MT" panose="020B0602020104020603" pitchFamily="34" charset="0"/>
               </a:rPr>
               <a:pPr/>
-              <a:t>12</a:t>
+              <a:t>14</a:t>
             </a:fld>
             <a:endParaRPr lang="en-US" sz="2000">
               <a:solidFill>
@@ -22826,7 +23538,7 @@
 </p:sld>
 </file>
 
-<file path=ppt/slides/slide13.xml><?xml version="1.0" encoding="utf-8"?>
+<file path=ppt/slides/slide15.xml><?xml version="1.0" encoding="utf-8"?>
 <p:sld xmlns:a="http://schemas.openxmlformats.org/drawingml/2006/main" xmlns:r="http://schemas.openxmlformats.org/officeDocument/2006/relationships" xmlns:p="http://schemas.openxmlformats.org/presentationml/2006/main">
   <p:cSld>
     <p:spTree>
@@ -23051,7 +23763,7 @@
                 <a:latin typeface="Tw Cen MT" panose="020B0602020104020603" pitchFamily="34" charset="0"/>
               </a:rPr>
               <a:pPr/>
-              <a:t>13</a:t>
+              <a:t>15</a:t>
             </a:fld>
             <a:endParaRPr lang="en-US" sz="2000">
               <a:solidFill>
@@ -23358,7 +24070,7 @@
 </p:sld>
 </file>
 
-<file path=ppt/slides/slide14.xml><?xml version="1.0" encoding="utf-8"?>
+<file path=ppt/slides/slide16.xml><?xml version="1.0" encoding="utf-8"?>
 <p:sld xmlns:a="http://schemas.openxmlformats.org/drawingml/2006/main" xmlns:r="http://schemas.openxmlformats.org/officeDocument/2006/relationships" xmlns:p="http://schemas.openxmlformats.org/presentationml/2006/main">
   <p:cSld>
     <p:spTree>
@@ -23583,7 +24295,7 @@
                 <a:latin typeface="Tw Cen MT" panose="020B0602020104020603" pitchFamily="34" charset="0"/>
               </a:rPr>
               <a:pPr/>
-              <a:t>14</a:t>
+              <a:t>16</a:t>
             </a:fld>
             <a:endParaRPr lang="en-US" sz="2000">
               <a:solidFill>
@@ -23699,7 +24411,7 @@
 </p:sld>
 </file>
 
-<file path=ppt/slides/slide15.xml><?xml version="1.0" encoding="utf-8"?>
+<file path=ppt/slides/slide17.xml><?xml version="1.0" encoding="utf-8"?>
 <p:sld xmlns:a="http://schemas.openxmlformats.org/drawingml/2006/main" xmlns:r="http://schemas.openxmlformats.org/officeDocument/2006/relationships" xmlns:p="http://schemas.openxmlformats.org/presentationml/2006/main">
   <p:cSld>
     <p:spTree>
@@ -23924,7 +24636,7 @@
                 <a:latin typeface="Tw Cen MT" panose="020B0602020104020603" pitchFamily="34" charset="0"/>
               </a:rPr>
               <a:pPr/>
-              <a:t>15</a:t>
+              <a:t>17</a:t>
             </a:fld>
             <a:endParaRPr lang="en-US" sz="2000">
               <a:solidFill>
@@ -24636,11 +25348,7 @@
           <a:p>
             <a:r>
               <a:rPr lang="en-US" sz="1600" dirty="0"/>
-              <a:t>Server </a:t>
-            </a:r>
-            <a:r>
-              <a:rPr lang="en-US" sz="1600" dirty="0" err="1"/>
-              <a:t>Aplikasi</a:t>
+              <a:t>Server Aplikasi</a:t>
             </a:r>
             <a:endParaRPr lang="en-US" dirty="0"/>
           </a:p>
@@ -24956,7 +25664,7 @@
 </p:sld>
 </file>
 
-<file path=ppt/slides/slide16.xml><?xml version="1.0" encoding="utf-8"?>
+<file path=ppt/slides/slide18.xml><?xml version="1.0" encoding="utf-8"?>
 <p:sld xmlns:a="http://schemas.openxmlformats.org/drawingml/2006/main" xmlns:r="http://schemas.openxmlformats.org/officeDocument/2006/relationships" xmlns:p="http://schemas.openxmlformats.org/presentationml/2006/main">
   <p:cSld>
     <p:spTree>
@@ -25181,7 +25889,7 @@
                 <a:latin typeface="Tw Cen MT" panose="020B0602020104020603" pitchFamily="34" charset="0"/>
               </a:rPr>
               <a:pPr/>
-              <a:t>16</a:t>
+              <a:t>18</a:t>
             </a:fld>
             <a:endParaRPr lang="en-US" sz="2000">
               <a:solidFill>
@@ -25710,11 +26418,7 @@
           <a:p>
             <a:r>
               <a:rPr lang="en-US" sz="1600" dirty="0"/>
-              <a:t>Server </a:t>
-            </a:r>
-            <a:r>
-              <a:rPr lang="en-US" sz="1600" dirty="0" err="1"/>
-              <a:t>Aplikasi</a:t>
+              <a:t>Server Aplikasi</a:t>
             </a:r>
             <a:endParaRPr lang="en-US" dirty="0"/>
           </a:p>
@@ -25899,7 +26603,7 @@
 </p:sld>
 </file>
 
-<file path=ppt/slides/slide17.xml><?xml version="1.0" encoding="utf-8"?>
+<file path=ppt/slides/slide19.xml><?xml version="1.0" encoding="utf-8"?>
 <p:sld xmlns:a="http://schemas.openxmlformats.org/drawingml/2006/main" xmlns:r="http://schemas.openxmlformats.org/officeDocument/2006/relationships" xmlns:p="http://schemas.openxmlformats.org/presentationml/2006/main">
   <p:cSld>
     <p:spTree>
@@ -26124,7 +26828,7 @@
                 <a:latin typeface="Tw Cen MT" panose="020B0602020104020603" pitchFamily="34" charset="0"/>
               </a:rPr>
               <a:pPr/>
-              <a:t>17</a:t>
+              <a:t>19</a:t>
             </a:fld>
             <a:endParaRPr lang="en-US" sz="2000">
               <a:solidFill>
@@ -26482,11 +27186,7 @@
           <a:p>
             <a:r>
               <a:rPr lang="en-US" sz="1600" dirty="0"/>
-              <a:t>Server </a:t>
-            </a:r>
-            <a:r>
-              <a:rPr lang="en-US" sz="1600" dirty="0" err="1"/>
-              <a:t>Aplikasi</a:t>
+              <a:t>Server Aplikasi</a:t>
             </a:r>
             <a:endParaRPr lang="en-US" dirty="0"/>
           </a:p>
@@ -26775,1818 +27475,6 @@
     <p:extLst>
       <p:ext uri="{BB962C8B-B14F-4D97-AF65-F5344CB8AC3E}">
         <p14:creationId xmlns:p14="http://schemas.microsoft.com/office/powerpoint/2010/main" val="3111989909"/>
-      </p:ext>
-    </p:extLst>
-  </p:cSld>
-  <p:clrMapOvr>
-    <a:masterClrMapping/>
-  </p:clrMapOvr>
-  <mc:AlternateContent xmlns:mc="http://schemas.openxmlformats.org/markup-compatibility/2006" xmlns:p14="http://schemas.microsoft.com/office/powerpoint/2010/main">
-    <mc:Choice Requires="p14">
-      <p:transition spd="med" p14:dur="700">
-        <p:fade/>
-      </p:transition>
-    </mc:Choice>
-    <mc:Fallback xmlns="">
-      <p:transition spd="med">
-        <p:fade/>
-      </p:transition>
-    </mc:Fallback>
-  </mc:AlternateContent>
-</p:sld>
-</file>
-
-<file path=ppt/slides/slide18.xml><?xml version="1.0" encoding="utf-8"?>
-<p:sld xmlns:a="http://schemas.openxmlformats.org/drawingml/2006/main" xmlns:r="http://schemas.openxmlformats.org/officeDocument/2006/relationships" xmlns:p="http://schemas.openxmlformats.org/presentationml/2006/main">
-  <p:cSld>
-    <p:spTree>
-      <p:nvGrpSpPr>
-        <p:cNvPr id="1" name=""/>
-        <p:cNvGrpSpPr/>
-        <p:nvPr/>
-      </p:nvGrpSpPr>
-      <p:grpSpPr>
-        <a:xfrm>
-          <a:off x="0" y="0"/>
-          <a:ext cx="0" cy="0"/>
-          <a:chOff x="0" y="0"/>
-          <a:chExt cx="0" cy="0"/>
-        </a:xfrm>
-      </p:grpSpPr>
-      <p:pic>
-        <p:nvPicPr>
-          <p:cNvPr id="49" name="Picture 48">
-            <a:extLst>
-              <a:ext uri="{FF2B5EF4-FFF2-40B4-BE49-F238E27FC236}">
-                <a16:creationId xmlns:a16="http://schemas.microsoft.com/office/drawing/2014/main" id="{3DB88EB2-4959-4384-B606-6EC9735683D6}"/>
-              </a:ext>
-            </a:extLst>
-          </p:cNvPr>
-          <p:cNvPicPr>
-            <a:picLocks noChangeAspect="1"/>
-          </p:cNvPicPr>
-          <p:nvPr/>
-        </p:nvPicPr>
-        <p:blipFill>
-          <a:blip r:embed="rId3" cstate="print">
-            <a:extLst>
-              <a:ext uri="{28A0092B-C50C-407E-A947-70E740481C1C}">
-                <a14:useLocalDpi xmlns:a14="http://schemas.microsoft.com/office/drawing/2010/main" val="0"/>
-              </a:ext>
-            </a:extLst>
-          </a:blip>
-          <a:stretch>
-            <a:fillRect/>
-          </a:stretch>
-        </p:blipFill>
-        <p:spPr>
-          <a:xfrm>
-            <a:off x="84311" y="0"/>
-            <a:ext cx="1788262" cy="1152152"/>
-          </a:xfrm>
-          <a:prstGeom prst="rect">
-            <a:avLst/>
-          </a:prstGeom>
-        </p:spPr>
-      </p:pic>
-      <p:cxnSp>
-        <p:nvCxnSpPr>
-          <p:cNvPr id="51" name="Straight Connector 50">
-            <a:extLst>
-              <a:ext uri="{FF2B5EF4-FFF2-40B4-BE49-F238E27FC236}">
-                <a16:creationId xmlns:a16="http://schemas.microsoft.com/office/drawing/2014/main" id="{29B44FC3-C737-4B92-B1D0-AD232099FBDF}"/>
-              </a:ext>
-            </a:extLst>
-          </p:cNvPr>
-          <p:cNvCxnSpPr/>
-          <p:nvPr/>
-        </p:nvCxnSpPr>
-        <p:spPr>
-          <a:xfrm>
-            <a:off x="0" y="1228352"/>
-            <a:ext cx="12192000" cy="0"/>
-          </a:xfrm>
-          <a:prstGeom prst="line">
-            <a:avLst/>
-          </a:prstGeom>
-          <a:ln w="76200">
-            <a:solidFill>
-              <a:srgbClr val="0067AC"/>
-            </a:solidFill>
-          </a:ln>
-        </p:spPr>
-        <p:style>
-          <a:lnRef idx="1">
-            <a:schemeClr val="accent1"/>
-          </a:lnRef>
-          <a:fillRef idx="0">
-            <a:schemeClr val="accent1"/>
-          </a:fillRef>
-          <a:effectRef idx="0">
-            <a:schemeClr val="accent1"/>
-          </a:effectRef>
-          <a:fontRef idx="minor">
-            <a:schemeClr val="tx1"/>
-          </a:fontRef>
-        </p:style>
-      </p:cxnSp>
-      <p:sp>
-        <p:nvSpPr>
-          <p:cNvPr id="52" name="Title 1">
-            <a:extLst>
-              <a:ext uri="{FF2B5EF4-FFF2-40B4-BE49-F238E27FC236}">
-                <a16:creationId xmlns:a16="http://schemas.microsoft.com/office/drawing/2014/main" id="{2B8CDEBA-452A-4190-964B-37DF9F5C0EF5}"/>
-              </a:ext>
-            </a:extLst>
-          </p:cNvPr>
-          <p:cNvSpPr>
-            <a:spLocks noGrp="1"/>
-          </p:cNvSpPr>
-          <p:nvPr>
-            <p:ph type="title"/>
-          </p:nvPr>
-        </p:nvSpPr>
-        <p:spPr>
-          <a:xfrm>
-            <a:off x="1404259" y="213631"/>
-            <a:ext cx="10515600" cy="766989"/>
-          </a:xfrm>
-        </p:spPr>
-        <p:txBody>
-          <a:bodyPr>
-            <a:normAutofit fontScale="90000"/>
-          </a:bodyPr>
-          <a:lstStyle/>
-          <a:p>
-            <a:pPr algn="r">
-              <a:lnSpc>
-                <a:spcPct val="150000"/>
-              </a:lnSpc>
-              <a:buClr>
-                <a:srgbClr val="0067AC"/>
-              </a:buClr>
-            </a:pPr>
-            <a:r>
-              <a:rPr lang="en-US" dirty="0">
-                <a:latin typeface="Tw Cen MT" panose="020B0602020104020603" pitchFamily="34" charset="0"/>
-                <a:cs typeface="Arial" panose="020B0604020202020204" pitchFamily="34" charset="0"/>
-              </a:rPr>
-              <a:t>RANCANGAN PROSES RECOVERY FILE</a:t>
-            </a:r>
-          </a:p>
-        </p:txBody>
-      </p:sp>
-      <p:sp>
-        <p:nvSpPr>
-          <p:cNvPr id="53" name="Rectangle 52">
-            <a:extLst>
-              <a:ext uri="{FF2B5EF4-FFF2-40B4-BE49-F238E27FC236}">
-                <a16:creationId xmlns:a16="http://schemas.microsoft.com/office/drawing/2014/main" id="{A0FB1C80-C067-49CE-95A9-A233AADF262C}"/>
-              </a:ext>
-            </a:extLst>
-          </p:cNvPr>
-          <p:cNvSpPr/>
-          <p:nvPr/>
-        </p:nvSpPr>
-        <p:spPr>
-          <a:xfrm>
-            <a:off x="0" y="6372225"/>
-            <a:ext cx="12192000" cy="485775"/>
-          </a:xfrm>
-          <a:prstGeom prst="rect">
-            <a:avLst/>
-          </a:prstGeom>
-          <a:ln>
-            <a:solidFill>
-              <a:srgbClr val="0067AC"/>
-            </a:solidFill>
-          </a:ln>
-        </p:spPr>
-        <p:style>
-          <a:lnRef idx="2">
-            <a:schemeClr val="accent1">
-              <a:shade val="50000"/>
-            </a:schemeClr>
-          </a:lnRef>
-          <a:fillRef idx="1">
-            <a:schemeClr val="accent1"/>
-          </a:fillRef>
-          <a:effectRef idx="0">
-            <a:schemeClr val="accent1"/>
-          </a:effectRef>
-          <a:fontRef idx="minor">
-            <a:schemeClr val="lt1"/>
-          </a:fontRef>
-        </p:style>
-        <p:txBody>
-          <a:bodyPr rtlCol="0" anchor="ctr"/>
-          <a:lstStyle/>
-          <a:p>
-            <a:pPr algn="ctr"/>
-            <a:endParaRPr lang="en-US"/>
-          </a:p>
-        </p:txBody>
-      </p:sp>
-      <p:sp>
-        <p:nvSpPr>
-          <p:cNvPr id="54" name="Slide Number Placeholder 5">
-            <a:extLst>
-              <a:ext uri="{FF2B5EF4-FFF2-40B4-BE49-F238E27FC236}">
-                <a16:creationId xmlns:a16="http://schemas.microsoft.com/office/drawing/2014/main" id="{9AD941AF-6002-455E-B6E0-BA52F0663035}"/>
-              </a:ext>
-            </a:extLst>
-          </p:cNvPr>
-          <p:cNvSpPr>
-            <a:spLocks noGrp="1"/>
-          </p:cNvSpPr>
-          <p:nvPr>
-            <p:ph type="sldNum" sz="quarter" idx="12"/>
-          </p:nvPr>
-        </p:nvSpPr>
-        <p:spPr>
-          <a:xfrm>
-            <a:off x="9176659" y="6432549"/>
-            <a:ext cx="2743200" cy="365125"/>
-          </a:xfrm>
-        </p:spPr>
-        <p:txBody>
-          <a:bodyPr/>
-          <a:lstStyle/>
-          <a:p>
-            <a:fld id="{F98B6361-BA1B-450B-B962-29ABDD099519}" type="slidenum">
-              <a:rPr lang="en-US" sz="2000" smtClean="0">
-                <a:solidFill>
-                  <a:schemeClr val="bg1"/>
-                </a:solidFill>
-                <a:latin typeface="Tw Cen MT" panose="020B0602020104020603" pitchFamily="34" charset="0"/>
-              </a:rPr>
-              <a:pPr/>
-              <a:t>18</a:t>
-            </a:fld>
-            <a:endParaRPr lang="en-US" sz="2000">
-              <a:solidFill>
-                <a:schemeClr val="bg1"/>
-              </a:solidFill>
-              <a:latin typeface="Tw Cen MT" panose="020B0602020104020603" pitchFamily="34" charset="0"/>
-            </a:endParaRPr>
-          </a:p>
-        </p:txBody>
-      </p:sp>
-      <p:sp>
-        <p:nvSpPr>
-          <p:cNvPr id="10" name="Footer Placeholder 4">
-            <a:extLst>
-              <a:ext uri="{FF2B5EF4-FFF2-40B4-BE49-F238E27FC236}">
-                <a16:creationId xmlns:a16="http://schemas.microsoft.com/office/drawing/2014/main" id="{619E15D3-AD04-4D9C-95A1-903ECEAF1A7F}"/>
-              </a:ext>
-            </a:extLst>
-          </p:cNvPr>
-          <p:cNvSpPr>
-            <a:spLocks noGrp="1"/>
-          </p:cNvSpPr>
-          <p:nvPr>
-            <p:ph type="ftr" sz="quarter" idx="11"/>
-          </p:nvPr>
-        </p:nvSpPr>
-        <p:spPr>
-          <a:xfrm>
-            <a:off x="4038600" y="6356350"/>
-            <a:ext cx="4114800" cy="365125"/>
-          </a:xfrm>
-          <a:prstGeom prst="rect">
-            <a:avLst/>
-          </a:prstGeom>
-        </p:spPr>
-        <p:txBody>
-          <a:bodyPr/>
-          <a:lstStyle/>
-          <a:p>
-            <a:r>
-              <a:rPr lang="en-US" altLang="en-US">
-                <a:solidFill>
-                  <a:schemeClr val="bg1"/>
-                </a:solidFill>
-                <a:latin typeface="Trebuchet MS" panose="020B0603020202020204" pitchFamily="34" charset="0"/>
-              </a:rPr>
-              <a:t>Tugas Akhir – IF184802</a:t>
-            </a:r>
-          </a:p>
-        </p:txBody>
-      </p:sp>
-      <p:pic>
-        <p:nvPicPr>
-          <p:cNvPr id="1026" name="Picture 2" descr="Image result for server png">
-            <a:extLst>
-              <a:ext uri="{FF2B5EF4-FFF2-40B4-BE49-F238E27FC236}">
-                <a16:creationId xmlns:a16="http://schemas.microsoft.com/office/drawing/2014/main" id="{2C179FCA-7233-465B-AF53-61FE1A73F39D}"/>
-              </a:ext>
-            </a:extLst>
-          </p:cNvPr>
-          <p:cNvPicPr>
-            <a:picLocks noChangeAspect="1" noChangeArrowheads="1"/>
-          </p:cNvPicPr>
-          <p:nvPr/>
-        </p:nvPicPr>
-        <p:blipFill>
-          <a:blip r:embed="rId4">
-            <a:extLst>
-              <a:ext uri="{28A0092B-C50C-407E-A947-70E740481C1C}">
-                <a14:useLocalDpi xmlns:a14="http://schemas.microsoft.com/office/drawing/2010/main" val="0"/>
-              </a:ext>
-            </a:extLst>
-          </a:blip>
-          <a:srcRect/>
-          <a:stretch>
-            <a:fillRect/>
-          </a:stretch>
-        </p:blipFill>
-        <p:spPr bwMode="auto">
-          <a:xfrm>
-            <a:off x="6265851" y="1979945"/>
-            <a:ext cx="976148" cy="1508751"/>
-          </a:xfrm>
-          <a:prstGeom prst="rect">
-            <a:avLst/>
-          </a:prstGeom>
-          <a:noFill/>
-          <a:extLst>
-            <a:ext uri="{909E8E84-426E-40DD-AFC4-6F175D3DCCD1}">
-              <a14:hiddenFill xmlns:a14="http://schemas.microsoft.com/office/drawing/2010/main">
-                <a:solidFill>
-                  <a:srgbClr val="FFFFFF"/>
-                </a:solidFill>
-              </a14:hiddenFill>
-            </a:ext>
-          </a:extLst>
-        </p:spPr>
-      </p:pic>
-      <p:pic>
-        <p:nvPicPr>
-          <p:cNvPr id="1030" name="Picture 6" descr="Image result for server png">
-            <a:extLst>
-              <a:ext uri="{FF2B5EF4-FFF2-40B4-BE49-F238E27FC236}">
-                <a16:creationId xmlns:a16="http://schemas.microsoft.com/office/drawing/2014/main" id="{1577EA19-F06F-4C24-AEC0-08D77A776553}"/>
-              </a:ext>
-            </a:extLst>
-          </p:cNvPr>
-          <p:cNvPicPr>
-            <a:picLocks noChangeAspect="1" noChangeArrowheads="1"/>
-          </p:cNvPicPr>
-          <p:nvPr/>
-        </p:nvPicPr>
-        <p:blipFill>
-          <a:blip r:embed="rId5">
-            <a:extLst>
-              <a:ext uri="{28A0092B-C50C-407E-A947-70E740481C1C}">
-                <a14:useLocalDpi xmlns:a14="http://schemas.microsoft.com/office/drawing/2010/main" val="0"/>
-              </a:ext>
-            </a:extLst>
-          </a:blip>
-          <a:srcRect/>
-          <a:stretch>
-            <a:fillRect/>
-          </a:stretch>
-        </p:blipFill>
-        <p:spPr bwMode="auto">
-          <a:xfrm>
-            <a:off x="996055" y="2045371"/>
-            <a:ext cx="1508751" cy="1508751"/>
-          </a:xfrm>
-          <a:prstGeom prst="rect">
-            <a:avLst/>
-          </a:prstGeom>
-          <a:noFill/>
-          <a:extLst>
-            <a:ext uri="{909E8E84-426E-40DD-AFC4-6F175D3DCCD1}">
-              <a14:hiddenFill xmlns:a14="http://schemas.microsoft.com/office/drawing/2010/main">
-                <a:solidFill>
-                  <a:srgbClr val="FFFFFF"/>
-                </a:solidFill>
-              </a14:hiddenFill>
-            </a:ext>
-          </a:extLst>
-        </p:spPr>
-      </p:pic>
-      <p:pic>
-        <p:nvPicPr>
-          <p:cNvPr id="17" name="Picture 8" descr="Image result for file png">
-            <a:extLst>
-              <a:ext uri="{FF2B5EF4-FFF2-40B4-BE49-F238E27FC236}">
-                <a16:creationId xmlns:a16="http://schemas.microsoft.com/office/drawing/2014/main" id="{D3667ED4-1133-4D3E-8FC4-1A30117163B1}"/>
-              </a:ext>
-            </a:extLst>
-          </p:cNvPr>
-          <p:cNvPicPr>
-            <a:picLocks noChangeAspect="1" noChangeArrowheads="1"/>
-          </p:cNvPicPr>
-          <p:nvPr/>
-        </p:nvPicPr>
-        <p:blipFill>
-          <a:blip r:embed="rId6">
-            <a:extLst>
-              <a:ext uri="{28A0092B-C50C-407E-A947-70E740481C1C}">
-                <a14:useLocalDpi xmlns:a14="http://schemas.microsoft.com/office/drawing/2010/main" val="0"/>
-              </a:ext>
-            </a:extLst>
-          </a:blip>
-          <a:srcRect/>
-          <a:stretch>
-            <a:fillRect/>
-          </a:stretch>
-        </p:blipFill>
-        <p:spPr bwMode="auto">
-          <a:xfrm>
-            <a:off x="6774877" y="2835314"/>
-            <a:ext cx="516906" cy="516906"/>
-          </a:xfrm>
-          <a:prstGeom prst="rect">
-            <a:avLst/>
-          </a:prstGeom>
-          <a:noFill/>
-          <a:extLst>
-            <a:ext uri="{909E8E84-426E-40DD-AFC4-6F175D3DCCD1}">
-              <a14:hiddenFill xmlns:a14="http://schemas.microsoft.com/office/drawing/2010/main">
-                <a:solidFill>
-                  <a:srgbClr val="FFFFFF"/>
-                </a:solidFill>
-              </a14:hiddenFill>
-            </a:ext>
-          </a:extLst>
-        </p:spPr>
-      </p:pic>
-      <p:cxnSp>
-        <p:nvCxnSpPr>
-          <p:cNvPr id="23" name="Straight Arrow Connector 22">
-            <a:extLst>
-              <a:ext uri="{FF2B5EF4-FFF2-40B4-BE49-F238E27FC236}">
-                <a16:creationId xmlns:a16="http://schemas.microsoft.com/office/drawing/2014/main" id="{7362C080-262E-4948-B68F-060E60B285E0}"/>
-              </a:ext>
-            </a:extLst>
-          </p:cNvPr>
-          <p:cNvCxnSpPr>
-            <a:cxnSpLocks/>
-          </p:cNvCxnSpPr>
-          <p:nvPr/>
-        </p:nvCxnSpPr>
-        <p:spPr>
-          <a:xfrm>
-            <a:off x="2504806" y="2642110"/>
-            <a:ext cx="3328252" cy="0"/>
-          </a:xfrm>
-          <a:prstGeom prst="straightConnector1">
-            <a:avLst/>
-          </a:prstGeom>
-          <a:ln>
-            <a:tailEnd type="triangle"/>
-          </a:ln>
-        </p:spPr>
-        <p:style>
-          <a:lnRef idx="1">
-            <a:schemeClr val="accent1"/>
-          </a:lnRef>
-          <a:fillRef idx="0">
-            <a:schemeClr val="accent1"/>
-          </a:fillRef>
-          <a:effectRef idx="0">
-            <a:schemeClr val="accent1"/>
-          </a:effectRef>
-          <a:fontRef idx="minor">
-            <a:schemeClr val="tx1"/>
-          </a:fontRef>
-        </p:style>
-      </p:cxnSp>
-      <p:pic>
-        <p:nvPicPr>
-          <p:cNvPr id="1038" name="Picture 14" descr="Image result for padlock png">
-            <a:extLst>
-              <a:ext uri="{FF2B5EF4-FFF2-40B4-BE49-F238E27FC236}">
-                <a16:creationId xmlns:a16="http://schemas.microsoft.com/office/drawing/2014/main" id="{F63DDBFA-B964-4854-8607-9E0ED410C028}"/>
-              </a:ext>
-            </a:extLst>
-          </p:cNvPr>
-          <p:cNvPicPr>
-            <a:picLocks noChangeAspect="1" noChangeArrowheads="1"/>
-          </p:cNvPicPr>
-          <p:nvPr/>
-        </p:nvPicPr>
-        <p:blipFill>
-          <a:blip r:embed="rId7">
-            <a:extLst>
-              <a:ext uri="{28A0092B-C50C-407E-A947-70E740481C1C}">
-                <a14:useLocalDpi xmlns:a14="http://schemas.microsoft.com/office/drawing/2010/main" val="0"/>
-              </a:ext>
-            </a:extLst>
-          </a:blip>
-          <a:srcRect/>
-          <a:stretch>
-            <a:fillRect/>
-          </a:stretch>
-        </p:blipFill>
-        <p:spPr bwMode="auto">
-          <a:xfrm>
-            <a:off x="7033330" y="3085391"/>
-            <a:ext cx="302311" cy="302311"/>
-          </a:xfrm>
-          <a:prstGeom prst="rect">
-            <a:avLst/>
-          </a:prstGeom>
-          <a:noFill/>
-          <a:extLst>
-            <a:ext uri="{909E8E84-426E-40DD-AFC4-6F175D3DCCD1}">
-              <a14:hiddenFill xmlns:a14="http://schemas.microsoft.com/office/drawing/2010/main">
-                <a:solidFill>
-                  <a:srgbClr val="FFFFFF"/>
-                </a:solidFill>
-              </a14:hiddenFill>
-            </a:ext>
-          </a:extLst>
-        </p:spPr>
-      </p:pic>
-      <p:sp>
-        <p:nvSpPr>
-          <p:cNvPr id="40" name="TextBox 39">
-            <a:extLst>
-              <a:ext uri="{FF2B5EF4-FFF2-40B4-BE49-F238E27FC236}">
-                <a16:creationId xmlns:a16="http://schemas.microsoft.com/office/drawing/2014/main" id="{508D8C14-0949-4938-9C65-3297480C22A6}"/>
-              </a:ext>
-            </a:extLst>
-          </p:cNvPr>
-          <p:cNvSpPr txBox="1"/>
-          <p:nvPr/>
-        </p:nvSpPr>
-        <p:spPr>
-          <a:xfrm>
-            <a:off x="6096000" y="3488696"/>
-            <a:ext cx="1563135" cy="338554"/>
-          </a:xfrm>
-          <a:prstGeom prst="rect">
-            <a:avLst/>
-          </a:prstGeom>
-          <a:noFill/>
-        </p:spPr>
-        <p:txBody>
-          <a:bodyPr wrap="square" rtlCol="0">
-            <a:spAutoFit/>
-          </a:bodyPr>
-          <a:lstStyle/>
-          <a:p>
-            <a:r>
-              <a:rPr lang="en-US" sz="1600" dirty="0"/>
-              <a:t>Server Backup</a:t>
-            </a:r>
-            <a:endParaRPr lang="en-US" dirty="0"/>
-          </a:p>
-        </p:txBody>
-      </p:sp>
-      <p:sp>
-        <p:nvSpPr>
-          <p:cNvPr id="42" name="TextBox 41">
-            <a:extLst>
-              <a:ext uri="{FF2B5EF4-FFF2-40B4-BE49-F238E27FC236}">
-                <a16:creationId xmlns:a16="http://schemas.microsoft.com/office/drawing/2014/main" id="{2F552319-D139-4329-B929-9AC2BF41BBB1}"/>
-              </a:ext>
-            </a:extLst>
-          </p:cNvPr>
-          <p:cNvSpPr txBox="1"/>
-          <p:nvPr/>
-        </p:nvSpPr>
-        <p:spPr>
-          <a:xfrm>
-            <a:off x="949677" y="3525595"/>
-            <a:ext cx="1563135" cy="338554"/>
-          </a:xfrm>
-          <a:prstGeom prst="rect">
-            <a:avLst/>
-          </a:prstGeom>
-          <a:noFill/>
-        </p:spPr>
-        <p:txBody>
-          <a:bodyPr wrap="square" rtlCol="0">
-            <a:spAutoFit/>
-          </a:bodyPr>
-          <a:lstStyle/>
-          <a:p>
-            <a:r>
-              <a:rPr lang="en-US" sz="1600" dirty="0"/>
-              <a:t>Server Database</a:t>
-            </a:r>
-            <a:endParaRPr lang="en-US" dirty="0"/>
-          </a:p>
-        </p:txBody>
-      </p:sp>
-      <p:cxnSp>
-        <p:nvCxnSpPr>
-          <p:cNvPr id="33" name="Straight Arrow Connector 32">
-            <a:extLst>
-              <a:ext uri="{FF2B5EF4-FFF2-40B4-BE49-F238E27FC236}">
-                <a16:creationId xmlns:a16="http://schemas.microsoft.com/office/drawing/2014/main" id="{C312C849-6301-4E29-A34E-67939EEDE398}"/>
-              </a:ext>
-            </a:extLst>
-          </p:cNvPr>
-          <p:cNvCxnSpPr>
-            <a:cxnSpLocks/>
-          </p:cNvCxnSpPr>
-          <p:nvPr/>
-        </p:nvCxnSpPr>
-        <p:spPr>
-          <a:xfrm flipH="1">
-            <a:off x="2504808" y="3184981"/>
-            <a:ext cx="3328250" cy="0"/>
-          </a:xfrm>
-          <a:prstGeom prst="straightConnector1">
-            <a:avLst/>
-          </a:prstGeom>
-          <a:ln>
-            <a:tailEnd type="triangle"/>
-          </a:ln>
-        </p:spPr>
-        <p:style>
-          <a:lnRef idx="1">
-            <a:schemeClr val="accent1"/>
-          </a:lnRef>
-          <a:fillRef idx="0">
-            <a:schemeClr val="accent1"/>
-          </a:fillRef>
-          <a:effectRef idx="0">
-            <a:schemeClr val="accent1"/>
-          </a:effectRef>
-          <a:fontRef idx="minor">
-            <a:schemeClr val="tx1"/>
-          </a:fontRef>
-        </p:style>
-      </p:cxnSp>
-      <p:pic>
-        <p:nvPicPr>
-          <p:cNvPr id="2050" name="Picture 2" descr="Image result for data png">
-            <a:extLst>
-              <a:ext uri="{FF2B5EF4-FFF2-40B4-BE49-F238E27FC236}">
-                <a16:creationId xmlns:a16="http://schemas.microsoft.com/office/drawing/2014/main" id="{1A5DE900-DC02-458D-B231-113EDEEE40FF}"/>
-              </a:ext>
-            </a:extLst>
-          </p:cNvPr>
-          <p:cNvPicPr>
-            <a:picLocks noChangeAspect="1" noChangeArrowheads="1"/>
-          </p:cNvPicPr>
-          <p:nvPr/>
-        </p:nvPicPr>
-        <p:blipFill>
-          <a:blip r:embed="rId8">
-            <a:extLst>
-              <a:ext uri="{28A0092B-C50C-407E-A947-70E740481C1C}">
-                <a14:useLocalDpi xmlns:a14="http://schemas.microsoft.com/office/drawing/2010/main" val="0"/>
-              </a:ext>
-            </a:extLst>
-          </a:blip>
-          <a:srcRect/>
-          <a:stretch>
-            <a:fillRect/>
-          </a:stretch>
-        </p:blipFill>
-        <p:spPr bwMode="auto">
-          <a:xfrm>
-            <a:off x="3913747" y="2171427"/>
-            <a:ext cx="466377" cy="466377"/>
-          </a:xfrm>
-          <a:prstGeom prst="rect">
-            <a:avLst/>
-          </a:prstGeom>
-          <a:noFill/>
-          <a:extLst>
-            <a:ext uri="{909E8E84-426E-40DD-AFC4-6F175D3DCCD1}">
-              <a14:hiddenFill xmlns:a14="http://schemas.microsoft.com/office/drawing/2010/main">
-                <a:solidFill>
-                  <a:srgbClr val="FFFFFF"/>
-                </a:solidFill>
-              </a14:hiddenFill>
-            </a:ext>
-          </a:extLst>
-        </p:spPr>
-      </p:pic>
-      <p:sp>
-        <p:nvSpPr>
-          <p:cNvPr id="27" name="TextBox 26">
-            <a:extLst>
-              <a:ext uri="{FF2B5EF4-FFF2-40B4-BE49-F238E27FC236}">
-                <a16:creationId xmlns:a16="http://schemas.microsoft.com/office/drawing/2014/main" id="{CF7B84B6-94F7-416D-ACFD-E4F8C5655163}"/>
-              </a:ext>
-            </a:extLst>
-          </p:cNvPr>
-          <p:cNvSpPr txBox="1"/>
-          <p:nvPr/>
-        </p:nvSpPr>
-        <p:spPr>
-          <a:xfrm>
-            <a:off x="3680248" y="2570808"/>
-            <a:ext cx="948786" cy="338554"/>
-          </a:xfrm>
-          <a:prstGeom prst="rect">
-            <a:avLst/>
-          </a:prstGeom>
-          <a:noFill/>
-        </p:spPr>
-        <p:txBody>
-          <a:bodyPr wrap="square" rtlCol="0">
-            <a:spAutoFit/>
-          </a:bodyPr>
-          <a:lstStyle/>
-          <a:p>
-            <a:r>
-              <a:rPr lang="en-US" sz="1600" dirty="0"/>
-              <a:t>Data File</a:t>
-            </a:r>
-            <a:endParaRPr lang="en-US" dirty="0"/>
-          </a:p>
-        </p:txBody>
-      </p:sp>
-      <p:pic>
-        <p:nvPicPr>
-          <p:cNvPr id="24" name="Picture 2" descr="Image result for server png">
-            <a:extLst>
-              <a:ext uri="{FF2B5EF4-FFF2-40B4-BE49-F238E27FC236}">
-                <a16:creationId xmlns:a16="http://schemas.microsoft.com/office/drawing/2014/main" id="{EF38FF5F-47D4-4E08-BE61-FA6EBC03341C}"/>
-              </a:ext>
-            </a:extLst>
-          </p:cNvPr>
-          <p:cNvPicPr>
-            <a:picLocks noChangeAspect="1" noChangeArrowheads="1"/>
-          </p:cNvPicPr>
-          <p:nvPr/>
-        </p:nvPicPr>
-        <p:blipFill>
-          <a:blip r:embed="rId4">
-            <a:extLst>
-              <a:ext uri="{28A0092B-C50C-407E-A947-70E740481C1C}">
-                <a14:useLocalDpi xmlns:a14="http://schemas.microsoft.com/office/drawing/2010/main" val="0"/>
-              </a:ext>
-            </a:extLst>
-          </a:blip>
-          <a:srcRect/>
-          <a:stretch>
-            <a:fillRect/>
-          </a:stretch>
-        </p:blipFill>
-        <p:spPr bwMode="auto">
-          <a:xfrm>
-            <a:off x="9572931" y="3864149"/>
-            <a:ext cx="976148" cy="1508751"/>
-          </a:xfrm>
-          <a:prstGeom prst="rect">
-            <a:avLst/>
-          </a:prstGeom>
-          <a:noFill/>
-          <a:extLst>
-            <a:ext uri="{909E8E84-426E-40DD-AFC4-6F175D3DCCD1}">
-              <a14:hiddenFill xmlns:a14="http://schemas.microsoft.com/office/drawing/2010/main">
-                <a:solidFill>
-                  <a:srgbClr val="FFFFFF"/>
-                </a:solidFill>
-              </a14:hiddenFill>
-            </a:ext>
-          </a:extLst>
-        </p:spPr>
-      </p:pic>
-      <p:pic>
-        <p:nvPicPr>
-          <p:cNvPr id="25" name="Picture 8" descr="Image result for file png">
-            <a:extLst>
-              <a:ext uri="{FF2B5EF4-FFF2-40B4-BE49-F238E27FC236}">
-                <a16:creationId xmlns:a16="http://schemas.microsoft.com/office/drawing/2014/main" id="{D013231A-E676-41C0-A9D5-28D0F7F538CA}"/>
-              </a:ext>
-            </a:extLst>
-          </p:cNvPr>
-          <p:cNvPicPr>
-            <a:picLocks noChangeAspect="1" noChangeArrowheads="1"/>
-          </p:cNvPicPr>
-          <p:nvPr/>
-        </p:nvPicPr>
-        <p:blipFill>
-          <a:blip r:embed="rId6">
-            <a:extLst>
-              <a:ext uri="{28A0092B-C50C-407E-A947-70E740481C1C}">
-                <a14:useLocalDpi xmlns:a14="http://schemas.microsoft.com/office/drawing/2010/main" val="0"/>
-              </a:ext>
-            </a:extLst>
-          </a:blip>
-          <a:srcRect/>
-          <a:stretch>
-            <a:fillRect/>
-          </a:stretch>
-        </p:blipFill>
-        <p:spPr bwMode="auto">
-          <a:xfrm>
-            <a:off x="10081957" y="4719518"/>
-            <a:ext cx="516906" cy="516906"/>
-          </a:xfrm>
-          <a:prstGeom prst="rect">
-            <a:avLst/>
-          </a:prstGeom>
-          <a:noFill/>
-          <a:extLst>
-            <a:ext uri="{909E8E84-426E-40DD-AFC4-6F175D3DCCD1}">
-              <a14:hiddenFill xmlns:a14="http://schemas.microsoft.com/office/drawing/2010/main">
-                <a:solidFill>
-                  <a:srgbClr val="FFFFFF"/>
-                </a:solidFill>
-              </a14:hiddenFill>
-            </a:ext>
-          </a:extLst>
-        </p:spPr>
-      </p:pic>
-      <p:pic>
-        <p:nvPicPr>
-          <p:cNvPr id="26" name="Picture 14" descr="Image result for padlock png">
-            <a:extLst>
-              <a:ext uri="{FF2B5EF4-FFF2-40B4-BE49-F238E27FC236}">
-                <a16:creationId xmlns:a16="http://schemas.microsoft.com/office/drawing/2014/main" id="{1A89846A-50B0-4F69-9D84-E972177F0B0F}"/>
-              </a:ext>
-            </a:extLst>
-          </p:cNvPr>
-          <p:cNvPicPr>
-            <a:picLocks noChangeAspect="1" noChangeArrowheads="1"/>
-          </p:cNvPicPr>
-          <p:nvPr/>
-        </p:nvPicPr>
-        <p:blipFill>
-          <a:blip r:embed="rId7">
-            <a:extLst>
-              <a:ext uri="{28A0092B-C50C-407E-A947-70E740481C1C}">
-                <a14:useLocalDpi xmlns:a14="http://schemas.microsoft.com/office/drawing/2010/main" val="0"/>
-              </a:ext>
-            </a:extLst>
-          </a:blip>
-          <a:srcRect/>
-          <a:stretch>
-            <a:fillRect/>
-          </a:stretch>
-        </p:blipFill>
-        <p:spPr bwMode="auto">
-          <a:xfrm>
-            <a:off x="10340410" y="4969595"/>
-            <a:ext cx="302311" cy="302311"/>
-          </a:xfrm>
-          <a:prstGeom prst="rect">
-            <a:avLst/>
-          </a:prstGeom>
-          <a:noFill/>
-          <a:extLst>
-            <a:ext uri="{909E8E84-426E-40DD-AFC4-6F175D3DCCD1}">
-              <a14:hiddenFill xmlns:a14="http://schemas.microsoft.com/office/drawing/2010/main">
-                <a:solidFill>
-                  <a:srgbClr val="FFFFFF"/>
-                </a:solidFill>
-              </a14:hiddenFill>
-            </a:ext>
-          </a:extLst>
-        </p:spPr>
-      </p:pic>
-      <p:sp>
-        <p:nvSpPr>
-          <p:cNvPr id="28" name="TextBox 27">
-            <a:extLst>
-              <a:ext uri="{FF2B5EF4-FFF2-40B4-BE49-F238E27FC236}">
-                <a16:creationId xmlns:a16="http://schemas.microsoft.com/office/drawing/2014/main" id="{71A9AC43-EA09-4810-AEA0-D32058551FF4}"/>
-              </a:ext>
-            </a:extLst>
-          </p:cNvPr>
-          <p:cNvSpPr txBox="1"/>
-          <p:nvPr/>
-        </p:nvSpPr>
-        <p:spPr>
-          <a:xfrm>
-            <a:off x="9247477" y="5374277"/>
-            <a:ext cx="1563135" cy="338554"/>
-          </a:xfrm>
-          <a:prstGeom prst="rect">
-            <a:avLst/>
-          </a:prstGeom>
-          <a:noFill/>
-        </p:spPr>
-        <p:txBody>
-          <a:bodyPr wrap="square" rtlCol="0">
-            <a:spAutoFit/>
-          </a:bodyPr>
-          <a:lstStyle/>
-          <a:p>
-            <a:r>
-              <a:rPr lang="en-US" sz="1600" dirty="0"/>
-              <a:t>Server </a:t>
-            </a:r>
-            <a:r>
-              <a:rPr lang="en-US" sz="1600" dirty="0" err="1"/>
-              <a:t>Aplikasi</a:t>
-            </a:r>
-            <a:endParaRPr lang="en-US" dirty="0"/>
-          </a:p>
-        </p:txBody>
-      </p:sp>
-      <p:cxnSp>
-        <p:nvCxnSpPr>
-          <p:cNvPr id="29" name="Straight Arrow Connector 28">
-            <a:extLst>
-              <a:ext uri="{FF2B5EF4-FFF2-40B4-BE49-F238E27FC236}">
-                <a16:creationId xmlns:a16="http://schemas.microsoft.com/office/drawing/2014/main" id="{FC352A1A-9F27-4594-98D3-DD37A1091269}"/>
-              </a:ext>
-            </a:extLst>
-          </p:cNvPr>
-          <p:cNvCxnSpPr>
-            <a:cxnSpLocks/>
-          </p:cNvCxnSpPr>
-          <p:nvPr/>
-        </p:nvCxnSpPr>
-        <p:spPr>
-          <a:xfrm>
-            <a:off x="7335641" y="3085391"/>
-            <a:ext cx="2052199" cy="1212289"/>
-          </a:xfrm>
-          <a:prstGeom prst="straightConnector1">
-            <a:avLst/>
-          </a:prstGeom>
-          <a:ln>
-            <a:tailEnd type="triangle"/>
-          </a:ln>
-        </p:spPr>
-        <p:style>
-          <a:lnRef idx="1">
-            <a:schemeClr val="accent1"/>
-          </a:lnRef>
-          <a:fillRef idx="0">
-            <a:schemeClr val="accent1"/>
-          </a:fillRef>
-          <a:effectRef idx="0">
-            <a:schemeClr val="accent1"/>
-          </a:effectRef>
-          <a:fontRef idx="minor">
-            <a:schemeClr val="tx1"/>
-          </a:fontRef>
-        </p:style>
-      </p:cxnSp>
-      <p:pic>
-        <p:nvPicPr>
-          <p:cNvPr id="30" name="Picture 8" descr="Image result for file png">
-            <a:extLst>
-              <a:ext uri="{FF2B5EF4-FFF2-40B4-BE49-F238E27FC236}">
-                <a16:creationId xmlns:a16="http://schemas.microsoft.com/office/drawing/2014/main" id="{CF10B567-AD43-4F41-91F2-150F230F72A5}"/>
-              </a:ext>
-            </a:extLst>
-          </p:cNvPr>
-          <p:cNvPicPr>
-            <a:picLocks noChangeAspect="1" noChangeArrowheads="1"/>
-          </p:cNvPicPr>
-          <p:nvPr/>
-        </p:nvPicPr>
-        <p:blipFill>
-          <a:blip r:embed="rId6">
-            <a:extLst>
-              <a:ext uri="{28A0092B-C50C-407E-A947-70E740481C1C}">
-                <a14:useLocalDpi xmlns:a14="http://schemas.microsoft.com/office/drawing/2010/main" val="0"/>
-              </a:ext>
-            </a:extLst>
-          </a:blip>
-          <a:srcRect/>
-          <a:stretch>
-            <a:fillRect/>
-          </a:stretch>
-        </p:blipFill>
-        <p:spPr bwMode="auto">
-          <a:xfrm>
-            <a:off x="8168161" y="3184981"/>
-            <a:ext cx="516906" cy="516906"/>
-          </a:xfrm>
-          <a:prstGeom prst="rect">
-            <a:avLst/>
-          </a:prstGeom>
-          <a:noFill/>
-          <a:extLst>
-            <a:ext uri="{909E8E84-426E-40DD-AFC4-6F175D3DCCD1}">
-              <a14:hiddenFill xmlns:a14="http://schemas.microsoft.com/office/drawing/2010/main">
-                <a:solidFill>
-                  <a:srgbClr val="FFFFFF"/>
-                </a:solidFill>
-              </a14:hiddenFill>
-            </a:ext>
-          </a:extLst>
-        </p:spPr>
-      </p:pic>
-      <p:pic>
-        <p:nvPicPr>
-          <p:cNvPr id="31" name="Picture 14" descr="Image result for padlock png">
-            <a:extLst>
-              <a:ext uri="{FF2B5EF4-FFF2-40B4-BE49-F238E27FC236}">
-                <a16:creationId xmlns:a16="http://schemas.microsoft.com/office/drawing/2014/main" id="{608938B3-E86F-4DE1-B9CC-B35E7B234B85}"/>
-              </a:ext>
-            </a:extLst>
-          </p:cNvPr>
-          <p:cNvPicPr>
-            <a:picLocks noChangeAspect="1" noChangeArrowheads="1"/>
-          </p:cNvPicPr>
-          <p:nvPr/>
-        </p:nvPicPr>
-        <p:blipFill>
-          <a:blip r:embed="rId7">
-            <a:extLst>
-              <a:ext uri="{28A0092B-C50C-407E-A947-70E740481C1C}">
-                <a14:useLocalDpi xmlns:a14="http://schemas.microsoft.com/office/drawing/2010/main" val="0"/>
-              </a:ext>
-            </a:extLst>
-          </a:blip>
-          <a:srcRect/>
-          <a:stretch>
-            <a:fillRect/>
-          </a:stretch>
-        </p:blipFill>
-        <p:spPr bwMode="auto">
-          <a:xfrm>
-            <a:off x="8426614" y="3435058"/>
-            <a:ext cx="302311" cy="302311"/>
-          </a:xfrm>
-          <a:prstGeom prst="rect">
-            <a:avLst/>
-          </a:prstGeom>
-          <a:noFill/>
-          <a:extLst>
-            <a:ext uri="{909E8E84-426E-40DD-AFC4-6F175D3DCCD1}">
-              <a14:hiddenFill xmlns:a14="http://schemas.microsoft.com/office/drawing/2010/main">
-                <a:solidFill>
-                  <a:srgbClr val="FFFFFF"/>
-                </a:solidFill>
-              </a14:hiddenFill>
-            </a:ext>
-          </a:extLst>
-        </p:spPr>
-      </p:pic>
-      <p:pic>
-        <p:nvPicPr>
-          <p:cNvPr id="32" name="Picture 8" descr="Image result for new file png">
-            <a:extLst>
-              <a:ext uri="{FF2B5EF4-FFF2-40B4-BE49-F238E27FC236}">
-                <a16:creationId xmlns:a16="http://schemas.microsoft.com/office/drawing/2014/main" id="{0B6ADD62-CABB-423B-A229-C2A75CE9528C}"/>
-              </a:ext>
-            </a:extLst>
-          </p:cNvPr>
-          <p:cNvPicPr>
-            <a:picLocks noChangeAspect="1" noChangeArrowheads="1"/>
-          </p:cNvPicPr>
-          <p:nvPr/>
-        </p:nvPicPr>
-        <p:blipFill>
-          <a:blip r:embed="rId9">
-            <a:extLst>
-              <a:ext uri="{28A0092B-C50C-407E-A947-70E740481C1C}">
-                <a14:useLocalDpi xmlns:a14="http://schemas.microsoft.com/office/drawing/2010/main" val="0"/>
-              </a:ext>
-            </a:extLst>
-          </a:blip>
-          <a:srcRect/>
-          <a:stretch>
-            <a:fillRect/>
-          </a:stretch>
-        </p:blipFill>
-        <p:spPr bwMode="auto">
-          <a:xfrm>
-            <a:off x="3943103" y="2957263"/>
-            <a:ext cx="455436" cy="455436"/>
-          </a:xfrm>
-          <a:prstGeom prst="rect">
-            <a:avLst/>
-          </a:prstGeom>
-          <a:noFill/>
-          <a:extLst>
-            <a:ext uri="{909E8E84-426E-40DD-AFC4-6F175D3DCCD1}">
-              <a14:hiddenFill xmlns:a14="http://schemas.microsoft.com/office/drawing/2010/main">
-                <a:solidFill>
-                  <a:srgbClr val="FFFFFF"/>
-                </a:solidFill>
-              </a14:hiddenFill>
-            </a:ext>
-          </a:extLst>
-        </p:spPr>
-      </p:pic>
-      <p:sp>
-        <p:nvSpPr>
-          <p:cNvPr id="34" name="TextBox 33">
-            <a:extLst>
-              <a:ext uri="{FF2B5EF4-FFF2-40B4-BE49-F238E27FC236}">
-                <a16:creationId xmlns:a16="http://schemas.microsoft.com/office/drawing/2014/main" id="{6C09C4DE-BB9D-4C3B-A504-15EE0C9CE87F}"/>
-              </a:ext>
-            </a:extLst>
-          </p:cNvPr>
-          <p:cNvSpPr txBox="1"/>
-          <p:nvPr/>
-        </p:nvSpPr>
-        <p:spPr>
-          <a:xfrm>
-            <a:off x="3696428" y="3428567"/>
-            <a:ext cx="948786" cy="523220"/>
-          </a:xfrm>
-          <a:prstGeom prst="rect">
-            <a:avLst/>
-          </a:prstGeom>
-          <a:noFill/>
-        </p:spPr>
-        <p:txBody>
-          <a:bodyPr wrap="square" rtlCol="0">
-            <a:spAutoFit/>
-          </a:bodyPr>
-          <a:lstStyle/>
-          <a:p>
-            <a:pPr algn="ctr"/>
-            <a:r>
-              <a:rPr lang="en-US" sz="1400" dirty="0"/>
-              <a:t>Update Data File</a:t>
-            </a:r>
-          </a:p>
-        </p:txBody>
-      </p:sp>
-    </p:spTree>
-    <p:extLst>
-      <p:ext uri="{BB962C8B-B14F-4D97-AF65-F5344CB8AC3E}">
-        <p14:creationId xmlns:p14="http://schemas.microsoft.com/office/powerpoint/2010/main" val="3503712642"/>
-      </p:ext>
-    </p:extLst>
-  </p:cSld>
-  <p:clrMapOvr>
-    <a:masterClrMapping/>
-  </p:clrMapOvr>
-  <mc:AlternateContent xmlns:mc="http://schemas.openxmlformats.org/markup-compatibility/2006" xmlns:p14="http://schemas.microsoft.com/office/powerpoint/2010/main">
-    <mc:Choice Requires="p14">
-      <p:transition spd="med" p14:dur="700">
-        <p:fade/>
-      </p:transition>
-    </mc:Choice>
-    <mc:Fallback xmlns="">
-      <p:transition spd="med">
-        <p:fade/>
-      </p:transition>
-    </mc:Fallback>
-  </mc:AlternateContent>
-</p:sld>
-</file>
-
-<file path=ppt/slides/slide19.xml><?xml version="1.0" encoding="utf-8"?>
-<p:sld xmlns:a="http://schemas.openxmlformats.org/drawingml/2006/main" xmlns:r="http://schemas.openxmlformats.org/officeDocument/2006/relationships" xmlns:p="http://schemas.openxmlformats.org/presentationml/2006/main">
-  <p:cSld>
-    <p:spTree>
-      <p:nvGrpSpPr>
-        <p:cNvPr id="1" name=""/>
-        <p:cNvGrpSpPr/>
-        <p:nvPr/>
-      </p:nvGrpSpPr>
-      <p:grpSpPr>
-        <a:xfrm>
-          <a:off x="0" y="0"/>
-          <a:ext cx="0" cy="0"/>
-          <a:chOff x="0" y="0"/>
-          <a:chExt cx="0" cy="0"/>
-        </a:xfrm>
-      </p:grpSpPr>
-      <p:pic>
-        <p:nvPicPr>
-          <p:cNvPr id="49" name="Picture 48">
-            <a:extLst>
-              <a:ext uri="{FF2B5EF4-FFF2-40B4-BE49-F238E27FC236}">
-                <a16:creationId xmlns:a16="http://schemas.microsoft.com/office/drawing/2014/main" id="{3DB88EB2-4959-4384-B606-6EC9735683D6}"/>
-              </a:ext>
-            </a:extLst>
-          </p:cNvPr>
-          <p:cNvPicPr>
-            <a:picLocks noChangeAspect="1"/>
-          </p:cNvPicPr>
-          <p:nvPr/>
-        </p:nvPicPr>
-        <p:blipFill>
-          <a:blip r:embed="rId3" cstate="print">
-            <a:extLst>
-              <a:ext uri="{28A0092B-C50C-407E-A947-70E740481C1C}">
-                <a14:useLocalDpi xmlns:a14="http://schemas.microsoft.com/office/drawing/2010/main" val="0"/>
-              </a:ext>
-            </a:extLst>
-          </a:blip>
-          <a:stretch>
-            <a:fillRect/>
-          </a:stretch>
-        </p:blipFill>
-        <p:spPr>
-          <a:xfrm>
-            <a:off x="84311" y="0"/>
-            <a:ext cx="1788262" cy="1152152"/>
-          </a:xfrm>
-          <a:prstGeom prst="rect">
-            <a:avLst/>
-          </a:prstGeom>
-        </p:spPr>
-      </p:pic>
-      <p:cxnSp>
-        <p:nvCxnSpPr>
-          <p:cNvPr id="51" name="Straight Connector 50">
-            <a:extLst>
-              <a:ext uri="{FF2B5EF4-FFF2-40B4-BE49-F238E27FC236}">
-                <a16:creationId xmlns:a16="http://schemas.microsoft.com/office/drawing/2014/main" id="{29B44FC3-C737-4B92-B1D0-AD232099FBDF}"/>
-              </a:ext>
-            </a:extLst>
-          </p:cNvPr>
-          <p:cNvCxnSpPr/>
-          <p:nvPr/>
-        </p:nvCxnSpPr>
-        <p:spPr>
-          <a:xfrm>
-            <a:off x="0" y="1228352"/>
-            <a:ext cx="12192000" cy="0"/>
-          </a:xfrm>
-          <a:prstGeom prst="line">
-            <a:avLst/>
-          </a:prstGeom>
-          <a:ln w="76200">
-            <a:solidFill>
-              <a:srgbClr val="0067AC"/>
-            </a:solidFill>
-          </a:ln>
-        </p:spPr>
-        <p:style>
-          <a:lnRef idx="1">
-            <a:schemeClr val="accent1"/>
-          </a:lnRef>
-          <a:fillRef idx="0">
-            <a:schemeClr val="accent1"/>
-          </a:fillRef>
-          <a:effectRef idx="0">
-            <a:schemeClr val="accent1"/>
-          </a:effectRef>
-          <a:fontRef idx="minor">
-            <a:schemeClr val="tx1"/>
-          </a:fontRef>
-        </p:style>
-      </p:cxnSp>
-      <p:sp>
-        <p:nvSpPr>
-          <p:cNvPr id="52" name="Title 1">
-            <a:extLst>
-              <a:ext uri="{FF2B5EF4-FFF2-40B4-BE49-F238E27FC236}">
-                <a16:creationId xmlns:a16="http://schemas.microsoft.com/office/drawing/2014/main" id="{2B8CDEBA-452A-4190-964B-37DF9F5C0EF5}"/>
-              </a:ext>
-            </a:extLst>
-          </p:cNvPr>
-          <p:cNvSpPr>
-            <a:spLocks noGrp="1"/>
-          </p:cNvSpPr>
-          <p:nvPr>
-            <p:ph type="title"/>
-          </p:nvPr>
-        </p:nvSpPr>
-        <p:spPr>
-          <a:xfrm>
-            <a:off x="1404259" y="213631"/>
-            <a:ext cx="10515600" cy="766989"/>
-          </a:xfrm>
-        </p:spPr>
-        <p:txBody>
-          <a:bodyPr>
-            <a:normAutofit fontScale="90000"/>
-          </a:bodyPr>
-          <a:lstStyle/>
-          <a:p>
-            <a:pPr algn="r">
-              <a:lnSpc>
-                <a:spcPct val="150000"/>
-              </a:lnSpc>
-              <a:buClr>
-                <a:srgbClr val="0067AC"/>
-              </a:buClr>
-            </a:pPr>
-            <a:r>
-              <a:rPr lang="en-US" dirty="0">
-                <a:latin typeface="Tw Cen MT" panose="020B0602020104020603" pitchFamily="34" charset="0"/>
-                <a:cs typeface="Arial" panose="020B0604020202020204" pitchFamily="34" charset="0"/>
-              </a:rPr>
-              <a:t>RANCANGAN PROSES BACKUP DATABASE</a:t>
-            </a:r>
-          </a:p>
-        </p:txBody>
-      </p:sp>
-      <p:sp>
-        <p:nvSpPr>
-          <p:cNvPr id="53" name="Rectangle 52">
-            <a:extLst>
-              <a:ext uri="{FF2B5EF4-FFF2-40B4-BE49-F238E27FC236}">
-                <a16:creationId xmlns:a16="http://schemas.microsoft.com/office/drawing/2014/main" id="{A0FB1C80-C067-49CE-95A9-A233AADF262C}"/>
-              </a:ext>
-            </a:extLst>
-          </p:cNvPr>
-          <p:cNvSpPr/>
-          <p:nvPr/>
-        </p:nvSpPr>
-        <p:spPr>
-          <a:xfrm>
-            <a:off x="0" y="6372225"/>
-            <a:ext cx="12192000" cy="485775"/>
-          </a:xfrm>
-          <a:prstGeom prst="rect">
-            <a:avLst/>
-          </a:prstGeom>
-          <a:ln>
-            <a:solidFill>
-              <a:srgbClr val="0067AC"/>
-            </a:solidFill>
-          </a:ln>
-        </p:spPr>
-        <p:style>
-          <a:lnRef idx="2">
-            <a:schemeClr val="accent1">
-              <a:shade val="50000"/>
-            </a:schemeClr>
-          </a:lnRef>
-          <a:fillRef idx="1">
-            <a:schemeClr val="accent1"/>
-          </a:fillRef>
-          <a:effectRef idx="0">
-            <a:schemeClr val="accent1"/>
-          </a:effectRef>
-          <a:fontRef idx="minor">
-            <a:schemeClr val="lt1"/>
-          </a:fontRef>
-        </p:style>
-        <p:txBody>
-          <a:bodyPr rtlCol="0" anchor="ctr"/>
-          <a:lstStyle/>
-          <a:p>
-            <a:pPr algn="ctr"/>
-            <a:endParaRPr lang="en-US"/>
-          </a:p>
-        </p:txBody>
-      </p:sp>
-      <p:sp>
-        <p:nvSpPr>
-          <p:cNvPr id="54" name="Slide Number Placeholder 5">
-            <a:extLst>
-              <a:ext uri="{FF2B5EF4-FFF2-40B4-BE49-F238E27FC236}">
-                <a16:creationId xmlns:a16="http://schemas.microsoft.com/office/drawing/2014/main" id="{9AD941AF-6002-455E-B6E0-BA52F0663035}"/>
-              </a:ext>
-            </a:extLst>
-          </p:cNvPr>
-          <p:cNvSpPr>
-            <a:spLocks noGrp="1"/>
-          </p:cNvSpPr>
-          <p:nvPr>
-            <p:ph type="sldNum" sz="quarter" idx="12"/>
-          </p:nvPr>
-        </p:nvSpPr>
-        <p:spPr>
-          <a:xfrm>
-            <a:off x="9176659" y="6432549"/>
-            <a:ext cx="2743200" cy="365125"/>
-          </a:xfrm>
-        </p:spPr>
-        <p:txBody>
-          <a:bodyPr/>
-          <a:lstStyle/>
-          <a:p>
-            <a:fld id="{F98B6361-BA1B-450B-B962-29ABDD099519}" type="slidenum">
-              <a:rPr lang="en-US" sz="2000" smtClean="0">
-                <a:solidFill>
-                  <a:schemeClr val="bg1"/>
-                </a:solidFill>
-                <a:latin typeface="Tw Cen MT" panose="020B0602020104020603" pitchFamily="34" charset="0"/>
-              </a:rPr>
-              <a:pPr/>
-              <a:t>19</a:t>
-            </a:fld>
-            <a:endParaRPr lang="en-US" sz="2000">
-              <a:solidFill>
-                <a:schemeClr val="bg1"/>
-              </a:solidFill>
-              <a:latin typeface="Tw Cen MT" panose="020B0602020104020603" pitchFamily="34" charset="0"/>
-            </a:endParaRPr>
-          </a:p>
-        </p:txBody>
-      </p:sp>
-      <p:sp>
-        <p:nvSpPr>
-          <p:cNvPr id="10" name="Footer Placeholder 4">
-            <a:extLst>
-              <a:ext uri="{FF2B5EF4-FFF2-40B4-BE49-F238E27FC236}">
-                <a16:creationId xmlns:a16="http://schemas.microsoft.com/office/drawing/2014/main" id="{619E15D3-AD04-4D9C-95A1-903ECEAF1A7F}"/>
-              </a:ext>
-            </a:extLst>
-          </p:cNvPr>
-          <p:cNvSpPr>
-            <a:spLocks noGrp="1"/>
-          </p:cNvSpPr>
-          <p:nvPr>
-            <p:ph type="ftr" sz="quarter" idx="11"/>
-          </p:nvPr>
-        </p:nvSpPr>
-        <p:spPr>
-          <a:xfrm>
-            <a:off x="4038600" y="6356350"/>
-            <a:ext cx="4114800" cy="365125"/>
-          </a:xfrm>
-          <a:prstGeom prst="rect">
-            <a:avLst/>
-          </a:prstGeom>
-        </p:spPr>
-        <p:txBody>
-          <a:bodyPr/>
-          <a:lstStyle/>
-          <a:p>
-            <a:r>
-              <a:rPr lang="en-US" altLang="en-US">
-                <a:solidFill>
-                  <a:schemeClr val="bg1"/>
-                </a:solidFill>
-                <a:latin typeface="Trebuchet MS" panose="020B0603020202020204" pitchFamily="34" charset="0"/>
-              </a:rPr>
-              <a:t>Tugas Akhir – IF184802</a:t>
-            </a:r>
-          </a:p>
-        </p:txBody>
-      </p:sp>
-      <p:pic>
-        <p:nvPicPr>
-          <p:cNvPr id="1026" name="Picture 2" descr="Image result for server png">
-            <a:extLst>
-              <a:ext uri="{FF2B5EF4-FFF2-40B4-BE49-F238E27FC236}">
-                <a16:creationId xmlns:a16="http://schemas.microsoft.com/office/drawing/2014/main" id="{2C179FCA-7233-465B-AF53-61FE1A73F39D}"/>
-              </a:ext>
-            </a:extLst>
-          </p:cNvPr>
-          <p:cNvPicPr>
-            <a:picLocks noChangeAspect="1" noChangeArrowheads="1"/>
-          </p:cNvPicPr>
-          <p:nvPr/>
-        </p:nvPicPr>
-        <p:blipFill>
-          <a:blip r:embed="rId4">
-            <a:extLst>
-              <a:ext uri="{28A0092B-C50C-407E-A947-70E740481C1C}">
-                <a14:useLocalDpi xmlns:a14="http://schemas.microsoft.com/office/drawing/2010/main" val="0"/>
-              </a:ext>
-            </a:extLst>
-          </a:blip>
-          <a:srcRect/>
-          <a:stretch>
-            <a:fillRect/>
-          </a:stretch>
-        </p:blipFill>
-        <p:spPr bwMode="auto">
-          <a:xfrm>
-            <a:off x="9845741" y="2744262"/>
-            <a:ext cx="976148" cy="1508751"/>
-          </a:xfrm>
-          <a:prstGeom prst="rect">
-            <a:avLst/>
-          </a:prstGeom>
-          <a:noFill/>
-          <a:extLst>
-            <a:ext uri="{909E8E84-426E-40DD-AFC4-6F175D3DCCD1}">
-              <a14:hiddenFill xmlns:a14="http://schemas.microsoft.com/office/drawing/2010/main">
-                <a:solidFill>
-                  <a:srgbClr val="FFFFFF"/>
-                </a:solidFill>
-              </a14:hiddenFill>
-            </a:ext>
-          </a:extLst>
-        </p:spPr>
-      </p:pic>
-      <p:pic>
-        <p:nvPicPr>
-          <p:cNvPr id="1030" name="Picture 6" descr="Image result for server png">
-            <a:extLst>
-              <a:ext uri="{FF2B5EF4-FFF2-40B4-BE49-F238E27FC236}">
-                <a16:creationId xmlns:a16="http://schemas.microsoft.com/office/drawing/2014/main" id="{1577EA19-F06F-4C24-AEC0-08D77A776553}"/>
-              </a:ext>
-            </a:extLst>
-          </p:cNvPr>
-          <p:cNvPicPr>
-            <a:picLocks noChangeAspect="1" noChangeArrowheads="1"/>
-          </p:cNvPicPr>
-          <p:nvPr/>
-        </p:nvPicPr>
-        <p:blipFill>
-          <a:blip r:embed="rId5">
-            <a:extLst>
-              <a:ext uri="{28A0092B-C50C-407E-A947-70E740481C1C}">
-                <a14:useLocalDpi xmlns:a14="http://schemas.microsoft.com/office/drawing/2010/main" val="0"/>
-              </a:ext>
-            </a:extLst>
-          </a:blip>
-          <a:srcRect/>
-          <a:stretch>
-            <a:fillRect/>
-          </a:stretch>
-        </p:blipFill>
-        <p:spPr bwMode="auto">
-          <a:xfrm>
-            <a:off x="1325825" y="2744262"/>
-            <a:ext cx="1508751" cy="1508751"/>
-          </a:xfrm>
-          <a:prstGeom prst="rect">
-            <a:avLst/>
-          </a:prstGeom>
-          <a:noFill/>
-          <a:extLst>
-            <a:ext uri="{909E8E84-426E-40DD-AFC4-6F175D3DCCD1}">
-              <a14:hiddenFill xmlns:a14="http://schemas.microsoft.com/office/drawing/2010/main">
-                <a:solidFill>
-                  <a:srgbClr val="FFFFFF"/>
-                </a:solidFill>
-              </a14:hiddenFill>
-            </a:ext>
-          </a:extLst>
-        </p:spPr>
-      </p:pic>
-      <p:cxnSp>
-        <p:nvCxnSpPr>
-          <p:cNvPr id="23" name="Straight Arrow Connector 22">
-            <a:extLst>
-              <a:ext uri="{FF2B5EF4-FFF2-40B4-BE49-F238E27FC236}">
-                <a16:creationId xmlns:a16="http://schemas.microsoft.com/office/drawing/2014/main" id="{7362C080-262E-4948-B68F-060E60B285E0}"/>
-              </a:ext>
-            </a:extLst>
-          </p:cNvPr>
-          <p:cNvCxnSpPr>
-            <a:cxnSpLocks/>
-          </p:cNvCxnSpPr>
-          <p:nvPr/>
-        </p:nvCxnSpPr>
-        <p:spPr>
-          <a:xfrm>
-            <a:off x="3333807" y="3429000"/>
-            <a:ext cx="5842852" cy="0"/>
-          </a:xfrm>
-          <a:prstGeom prst="straightConnector1">
-            <a:avLst/>
-          </a:prstGeom>
-          <a:ln>
-            <a:tailEnd type="triangle"/>
-          </a:ln>
-        </p:spPr>
-        <p:style>
-          <a:lnRef idx="1">
-            <a:schemeClr val="accent1"/>
-          </a:lnRef>
-          <a:fillRef idx="0">
-            <a:schemeClr val="accent1"/>
-          </a:fillRef>
-          <a:effectRef idx="0">
-            <a:schemeClr val="accent1"/>
-          </a:effectRef>
-          <a:fontRef idx="minor">
-            <a:schemeClr val="tx1"/>
-          </a:fontRef>
-        </p:style>
-      </p:cxnSp>
-      <p:sp>
-        <p:nvSpPr>
-          <p:cNvPr id="40" name="TextBox 39">
-            <a:extLst>
-              <a:ext uri="{FF2B5EF4-FFF2-40B4-BE49-F238E27FC236}">
-                <a16:creationId xmlns:a16="http://schemas.microsoft.com/office/drawing/2014/main" id="{508D8C14-0949-4938-9C65-3297480C22A6}"/>
-              </a:ext>
-            </a:extLst>
-          </p:cNvPr>
-          <p:cNvSpPr txBox="1"/>
-          <p:nvPr/>
-        </p:nvSpPr>
-        <p:spPr>
-          <a:xfrm>
-            <a:off x="9675890" y="4253013"/>
-            <a:ext cx="1563135" cy="338554"/>
-          </a:xfrm>
-          <a:prstGeom prst="rect">
-            <a:avLst/>
-          </a:prstGeom>
-          <a:noFill/>
-        </p:spPr>
-        <p:txBody>
-          <a:bodyPr wrap="square" rtlCol="0">
-            <a:spAutoFit/>
-          </a:bodyPr>
-          <a:lstStyle/>
-          <a:p>
-            <a:r>
-              <a:rPr lang="en-US" sz="1600" dirty="0"/>
-              <a:t>Server Backup</a:t>
-            </a:r>
-            <a:endParaRPr lang="en-US" dirty="0"/>
-          </a:p>
-        </p:txBody>
-      </p:sp>
-      <p:sp>
-        <p:nvSpPr>
-          <p:cNvPr id="42" name="TextBox 41">
-            <a:extLst>
-              <a:ext uri="{FF2B5EF4-FFF2-40B4-BE49-F238E27FC236}">
-                <a16:creationId xmlns:a16="http://schemas.microsoft.com/office/drawing/2014/main" id="{2F552319-D139-4329-B929-9AC2BF41BBB1}"/>
-              </a:ext>
-            </a:extLst>
-          </p:cNvPr>
-          <p:cNvSpPr txBox="1"/>
-          <p:nvPr/>
-        </p:nvSpPr>
-        <p:spPr>
-          <a:xfrm>
-            <a:off x="1298634" y="4224486"/>
-            <a:ext cx="1563135" cy="338554"/>
-          </a:xfrm>
-          <a:prstGeom prst="rect">
-            <a:avLst/>
-          </a:prstGeom>
-          <a:noFill/>
-        </p:spPr>
-        <p:txBody>
-          <a:bodyPr wrap="square" rtlCol="0">
-            <a:spAutoFit/>
-          </a:bodyPr>
-          <a:lstStyle/>
-          <a:p>
-            <a:r>
-              <a:rPr lang="en-US" sz="1600" dirty="0"/>
-              <a:t>Server Database</a:t>
-            </a:r>
-            <a:endParaRPr lang="en-US" dirty="0"/>
-          </a:p>
-        </p:txBody>
-      </p:sp>
-      <p:pic>
-        <p:nvPicPr>
-          <p:cNvPr id="5124" name="Picture 4" descr="Image result for backup  png">
-            <a:extLst>
-              <a:ext uri="{FF2B5EF4-FFF2-40B4-BE49-F238E27FC236}">
-                <a16:creationId xmlns:a16="http://schemas.microsoft.com/office/drawing/2014/main" id="{BFB00972-C5FA-4017-82B6-6791BC44BB6E}"/>
-              </a:ext>
-            </a:extLst>
-          </p:cNvPr>
-          <p:cNvPicPr>
-            <a:picLocks noChangeAspect="1" noChangeArrowheads="1"/>
-          </p:cNvPicPr>
-          <p:nvPr/>
-        </p:nvPicPr>
-        <p:blipFill>
-          <a:blip r:embed="rId6">
-            <a:extLst>
-              <a:ext uri="{28A0092B-C50C-407E-A947-70E740481C1C}">
-                <a14:useLocalDpi xmlns:a14="http://schemas.microsoft.com/office/drawing/2010/main" val="0"/>
-              </a:ext>
-            </a:extLst>
-          </a:blip>
-          <a:srcRect/>
-          <a:stretch>
-            <a:fillRect/>
-          </a:stretch>
-        </p:blipFill>
-        <p:spPr bwMode="auto">
-          <a:xfrm>
-            <a:off x="2717655" y="3854389"/>
-            <a:ext cx="317188" cy="317188"/>
-          </a:xfrm>
-          <a:prstGeom prst="rect">
-            <a:avLst/>
-          </a:prstGeom>
-          <a:noFill/>
-          <a:extLst>
-            <a:ext uri="{909E8E84-426E-40DD-AFC4-6F175D3DCCD1}">
-              <a14:hiddenFill xmlns:a14="http://schemas.microsoft.com/office/drawing/2010/main">
-                <a:solidFill>
-                  <a:srgbClr val="FFFFFF"/>
-                </a:solidFill>
-              </a14:hiddenFill>
-            </a:ext>
-          </a:extLst>
-        </p:spPr>
-      </p:pic>
-      <p:pic>
-        <p:nvPicPr>
-          <p:cNvPr id="35" name="Picture 4" descr="Image result for backup  png">
-            <a:extLst>
-              <a:ext uri="{FF2B5EF4-FFF2-40B4-BE49-F238E27FC236}">
-                <a16:creationId xmlns:a16="http://schemas.microsoft.com/office/drawing/2014/main" id="{28E489F9-D856-411B-92C6-66CA5E4142BB}"/>
-              </a:ext>
-            </a:extLst>
-          </p:cNvPr>
-          <p:cNvPicPr>
-            <a:picLocks noChangeAspect="1" noChangeArrowheads="1"/>
-          </p:cNvPicPr>
-          <p:nvPr/>
-        </p:nvPicPr>
-        <p:blipFill>
-          <a:blip r:embed="rId6">
-            <a:extLst>
-              <a:ext uri="{28A0092B-C50C-407E-A947-70E740481C1C}">
-                <a14:useLocalDpi xmlns:a14="http://schemas.microsoft.com/office/drawing/2010/main" val="0"/>
-              </a:ext>
-            </a:extLst>
-          </a:blip>
-          <a:srcRect/>
-          <a:stretch>
-            <a:fillRect/>
-          </a:stretch>
-        </p:blipFill>
-        <p:spPr bwMode="auto">
-          <a:xfrm>
-            <a:off x="5778812" y="3103875"/>
-            <a:ext cx="317188" cy="317188"/>
-          </a:xfrm>
-          <a:prstGeom prst="rect">
-            <a:avLst/>
-          </a:prstGeom>
-          <a:noFill/>
-          <a:extLst>
-            <a:ext uri="{909E8E84-426E-40DD-AFC4-6F175D3DCCD1}">
-              <a14:hiddenFill xmlns:a14="http://schemas.microsoft.com/office/drawing/2010/main">
-                <a:solidFill>
-                  <a:srgbClr val="FFFFFF"/>
-                </a:solidFill>
-              </a14:hiddenFill>
-            </a:ext>
-          </a:extLst>
-        </p:spPr>
-      </p:pic>
-      <p:pic>
-        <p:nvPicPr>
-          <p:cNvPr id="36" name="Picture 4" descr="Image result for backup  png">
-            <a:extLst>
-              <a:ext uri="{FF2B5EF4-FFF2-40B4-BE49-F238E27FC236}">
-                <a16:creationId xmlns:a16="http://schemas.microsoft.com/office/drawing/2014/main" id="{6B5DB671-4324-41B5-960C-9B6AAB9D6735}"/>
-              </a:ext>
-            </a:extLst>
-          </p:cNvPr>
-          <p:cNvPicPr>
-            <a:picLocks noChangeAspect="1" noChangeArrowheads="1"/>
-          </p:cNvPicPr>
-          <p:nvPr/>
-        </p:nvPicPr>
-        <p:blipFill>
-          <a:blip r:embed="rId6">
-            <a:extLst>
-              <a:ext uri="{28A0092B-C50C-407E-A947-70E740481C1C}">
-                <a14:useLocalDpi xmlns:a14="http://schemas.microsoft.com/office/drawing/2010/main" val="0"/>
-              </a:ext>
-            </a:extLst>
-          </a:blip>
-          <a:srcRect/>
-          <a:stretch>
-            <a:fillRect/>
-          </a:stretch>
-        </p:blipFill>
-        <p:spPr bwMode="auto">
-          <a:xfrm>
-            <a:off x="10553177" y="3875499"/>
-            <a:ext cx="317188" cy="317188"/>
-          </a:xfrm>
-          <a:prstGeom prst="rect">
-            <a:avLst/>
-          </a:prstGeom>
-          <a:noFill/>
-          <a:extLst>
-            <a:ext uri="{909E8E84-426E-40DD-AFC4-6F175D3DCCD1}">
-              <a14:hiddenFill xmlns:a14="http://schemas.microsoft.com/office/drawing/2010/main">
-                <a:solidFill>
-                  <a:srgbClr val="FFFFFF"/>
-                </a:solidFill>
-              </a14:hiddenFill>
-            </a:ext>
-          </a:extLst>
-        </p:spPr>
-      </p:pic>
-      <p:sp>
-        <p:nvSpPr>
-          <p:cNvPr id="37" name="TextBox 36">
-            <a:extLst>
-              <a:ext uri="{FF2B5EF4-FFF2-40B4-BE49-F238E27FC236}">
-                <a16:creationId xmlns:a16="http://schemas.microsoft.com/office/drawing/2014/main" id="{656256DA-E7D7-4525-9385-9617C857F389}"/>
-              </a:ext>
-            </a:extLst>
-          </p:cNvPr>
-          <p:cNvSpPr txBox="1"/>
-          <p:nvPr/>
-        </p:nvSpPr>
-        <p:spPr>
-          <a:xfrm>
-            <a:off x="5032931" y="3429000"/>
-            <a:ext cx="2126138" cy="338554"/>
-          </a:xfrm>
-          <a:prstGeom prst="rect">
-            <a:avLst/>
-          </a:prstGeom>
-          <a:noFill/>
-        </p:spPr>
-        <p:txBody>
-          <a:bodyPr wrap="square" rtlCol="0">
-            <a:spAutoFit/>
-          </a:bodyPr>
-          <a:lstStyle/>
-          <a:p>
-            <a:r>
-              <a:rPr lang="en-US" sz="1600" dirty="0"/>
-              <a:t>File Backup Database</a:t>
-            </a:r>
-            <a:endParaRPr lang="en-US" dirty="0"/>
-          </a:p>
-        </p:txBody>
-      </p:sp>
-    </p:spTree>
-    <p:extLst>
-      <p:ext uri="{BB962C8B-B14F-4D97-AF65-F5344CB8AC3E}">
-        <p14:creationId xmlns:p14="http://schemas.microsoft.com/office/powerpoint/2010/main" val="3962146150"/>
       </p:ext>
     </p:extLst>
   </p:cSld>
@@ -29506,179 +28394,27 @@
           </a:prstGeom>
         </p:spPr>
       </p:pic>
-      <p:sp>
-        <p:nvSpPr>
-          <p:cNvPr id="54" name="Slide Number Placeholder 5">
-            <a:extLst>
-              <a:ext uri="{FF2B5EF4-FFF2-40B4-BE49-F238E27FC236}">
-                <a16:creationId xmlns:a16="http://schemas.microsoft.com/office/drawing/2014/main" id="{9AD941AF-6002-455E-B6E0-BA52F0663035}"/>
-              </a:ext>
-            </a:extLst>
-          </p:cNvPr>
-          <p:cNvSpPr>
-            <a:spLocks noGrp="1"/>
-          </p:cNvSpPr>
-          <p:nvPr>
-            <p:ph type="sldNum" sz="quarter" idx="12"/>
-          </p:nvPr>
-        </p:nvSpPr>
-        <p:spPr>
-          <a:xfrm>
-            <a:off x="9176659" y="6432549"/>
-            <a:ext cx="2743200" cy="365125"/>
-          </a:xfrm>
-        </p:spPr>
-        <p:txBody>
-          <a:bodyPr/>
-          <a:lstStyle/>
-          <a:p>
-            <a:fld id="{F98B6361-BA1B-450B-B962-29ABDD099519}" type="slidenum">
-              <a:rPr lang="en-US" sz="2000" smtClean="0">
-                <a:solidFill>
-                  <a:schemeClr val="tx1"/>
-                </a:solidFill>
-                <a:latin typeface="Tw Cen MT" panose="020B0602020104020603" pitchFamily="34" charset="0"/>
-              </a:rPr>
-              <a:pPr/>
-              <a:t>20</a:t>
-            </a:fld>
-            <a:endParaRPr lang="en-US" sz="2000">
-              <a:solidFill>
-                <a:schemeClr val="tx1"/>
-              </a:solidFill>
-              <a:latin typeface="Tw Cen MT" panose="020B0602020104020603" pitchFamily="34" charset="0"/>
-            </a:endParaRPr>
-          </a:p>
-        </p:txBody>
-      </p:sp>
-      <p:sp>
-        <p:nvSpPr>
-          <p:cNvPr id="19" name="Title 1">
-            <a:extLst>
-              <a:ext uri="{FF2B5EF4-FFF2-40B4-BE49-F238E27FC236}">
-                <a16:creationId xmlns:a16="http://schemas.microsoft.com/office/drawing/2014/main" id="{45DE30A8-2F8A-4013-AF22-27C0A7388B2F}"/>
-              </a:ext>
-            </a:extLst>
-          </p:cNvPr>
-          <p:cNvSpPr txBox="1">
-            <a:spLocks/>
-          </p:cNvSpPr>
-          <p:nvPr/>
-        </p:nvSpPr>
-        <p:spPr>
-          <a:xfrm>
-            <a:off x="1524000" y="2565555"/>
-            <a:ext cx="9144000" cy="1219524"/>
-          </a:xfrm>
-          <a:prstGeom prst="rect">
-            <a:avLst/>
-          </a:prstGeom>
-        </p:spPr>
-        <p:txBody>
-          <a:bodyPr vert="horz" lIns="91440" tIns="45720" rIns="91440" bIns="45720" rtlCol="0" anchor="ctr">
-            <a:noAutofit/>
-          </a:bodyPr>
-          <a:lstStyle>
-            <a:lvl1pPr algn="l" defTabSz="914400" rtl="0" eaLnBrk="1" latinLnBrk="0" hangingPunct="1">
-              <a:lnSpc>
-                <a:spcPct val="90000"/>
-              </a:lnSpc>
-              <a:spcBef>
-                <a:spcPct val="0"/>
-              </a:spcBef>
-              <a:buNone/>
-              <a:defRPr sz="4400" kern="1200">
-                <a:solidFill>
-                  <a:schemeClr val="tx1"/>
-                </a:solidFill>
-                <a:latin typeface="+mj-lt"/>
-                <a:ea typeface="+mj-ea"/>
-                <a:cs typeface="+mj-cs"/>
-              </a:defRPr>
-            </a:lvl1pPr>
-          </a:lstStyle>
-          <a:p>
-            <a:pPr algn="ctr"/>
-            <a:r>
-              <a:rPr lang="en-US" sz="4000" b="1" dirty="0">
-                <a:latin typeface="Tw Cen MT" panose="020B0602020104020603" pitchFamily="34" charset="0"/>
-                <a:cs typeface="Arial" panose="020B0604020202020204" pitchFamily="34" charset="0"/>
-              </a:rPr>
-              <a:t>IMPLEMENTASI DAN PENGUJIAN</a:t>
-            </a:r>
-            <a:endParaRPr lang="en-US" sz="4000" dirty="0">
-              <a:latin typeface="Tw Cen MT" panose="020B0602020104020603" pitchFamily="34" charset="0"/>
-              <a:cs typeface="Arial" panose="020B0604020202020204" pitchFamily="34" charset="0"/>
-            </a:endParaRPr>
-          </a:p>
-        </p:txBody>
-      </p:sp>
       <p:cxnSp>
         <p:nvCxnSpPr>
-          <p:cNvPr id="22" name="Straight Connector 21">
+          <p:cNvPr id="51" name="Straight Connector 50">
             <a:extLst>
               <a:ext uri="{FF2B5EF4-FFF2-40B4-BE49-F238E27FC236}">
-                <a16:creationId xmlns:a16="http://schemas.microsoft.com/office/drawing/2014/main" id="{A3C3DF79-CF3A-4E66-A575-D5A7953A6CEB}"/>
+                <a16:creationId xmlns:a16="http://schemas.microsoft.com/office/drawing/2014/main" id="{29B44FC3-C737-4B92-B1D0-AD232099FBDF}"/>
               </a:ext>
             </a:extLst>
           </p:cNvPr>
-          <p:cNvCxnSpPr>
-            <a:cxnSpLocks/>
-          </p:cNvCxnSpPr>
+          <p:cNvCxnSpPr/>
           <p:nvPr/>
         </p:nvCxnSpPr>
         <p:spPr>
           <a:xfrm>
-            <a:off x="4038600" y="2685677"/>
-            <a:ext cx="4124325" cy="0"/>
+            <a:off x="0" y="1228352"/>
+            <a:ext cx="12192000" cy="0"/>
           </a:xfrm>
           <a:prstGeom prst="line">
             <a:avLst/>
           </a:prstGeom>
-          <a:ln w="19050">
-            <a:solidFill>
-              <a:srgbClr val="0067AC"/>
-            </a:solidFill>
-          </a:ln>
-        </p:spPr>
-        <p:style>
-          <a:lnRef idx="1">
-            <a:schemeClr val="accent1"/>
-          </a:lnRef>
-          <a:fillRef idx="0">
-            <a:schemeClr val="accent1"/>
-          </a:fillRef>
-          <a:effectRef idx="0">
-            <a:schemeClr val="accent1"/>
-          </a:effectRef>
-          <a:fontRef idx="minor">
-            <a:schemeClr val="tx1"/>
-          </a:fontRef>
-        </p:style>
-      </p:cxnSp>
-      <p:cxnSp>
-        <p:nvCxnSpPr>
-          <p:cNvPr id="25" name="Straight Connector 24">
-            <a:extLst>
-              <a:ext uri="{FF2B5EF4-FFF2-40B4-BE49-F238E27FC236}">
-                <a16:creationId xmlns:a16="http://schemas.microsoft.com/office/drawing/2014/main" id="{1AC35EEC-E10F-4CC7-B5D7-44E576C5CC6C}"/>
-              </a:ext>
-            </a:extLst>
-          </p:cNvPr>
-          <p:cNvCxnSpPr>
-            <a:cxnSpLocks/>
-          </p:cNvCxnSpPr>
-          <p:nvPr/>
-        </p:nvCxnSpPr>
-        <p:spPr>
-          <a:xfrm>
-            <a:off x="4033837" y="3590552"/>
-            <a:ext cx="4124325" cy="0"/>
-          </a:xfrm>
-          <a:prstGeom prst="line">
-            <a:avLst/>
-          </a:prstGeom>
-          <a:ln w="19050">
+          <a:ln w="76200">
             <a:solidFill>
               <a:srgbClr val="0067AC"/>
             </a:solidFill>
@@ -29701,10 +28437,152 @@
       </p:cxnSp>
       <p:sp>
         <p:nvSpPr>
-          <p:cNvPr id="8" name="Footer Placeholder 4">
+          <p:cNvPr id="52" name="Title 1">
             <a:extLst>
               <a:ext uri="{FF2B5EF4-FFF2-40B4-BE49-F238E27FC236}">
-                <a16:creationId xmlns:a16="http://schemas.microsoft.com/office/drawing/2014/main" id="{DFEFA7AD-5B88-47F2-9729-DCA826FF3573}"/>
+                <a16:creationId xmlns:a16="http://schemas.microsoft.com/office/drawing/2014/main" id="{2B8CDEBA-452A-4190-964B-37DF9F5C0EF5}"/>
+              </a:ext>
+            </a:extLst>
+          </p:cNvPr>
+          <p:cNvSpPr>
+            <a:spLocks noGrp="1"/>
+          </p:cNvSpPr>
+          <p:nvPr>
+            <p:ph type="title"/>
+          </p:nvPr>
+        </p:nvSpPr>
+        <p:spPr>
+          <a:xfrm>
+            <a:off x="1404259" y="213631"/>
+            <a:ext cx="10515600" cy="766989"/>
+          </a:xfrm>
+        </p:spPr>
+        <p:txBody>
+          <a:bodyPr>
+            <a:normAutofit fontScale="90000"/>
+          </a:bodyPr>
+          <a:lstStyle/>
+          <a:p>
+            <a:pPr algn="r">
+              <a:lnSpc>
+                <a:spcPct val="150000"/>
+              </a:lnSpc>
+              <a:buClr>
+                <a:srgbClr val="0067AC"/>
+              </a:buClr>
+            </a:pPr>
+            <a:r>
+              <a:rPr lang="en-US" dirty="0">
+                <a:latin typeface="Tw Cen MT" panose="020B0602020104020603" pitchFamily="34" charset="0"/>
+                <a:cs typeface="Arial" panose="020B0604020202020204" pitchFamily="34" charset="0"/>
+              </a:rPr>
+              <a:t>RANCANGAN PROSES RECOVERY FILE</a:t>
+            </a:r>
+          </a:p>
+        </p:txBody>
+      </p:sp>
+      <p:sp>
+        <p:nvSpPr>
+          <p:cNvPr id="53" name="Rectangle 52">
+            <a:extLst>
+              <a:ext uri="{FF2B5EF4-FFF2-40B4-BE49-F238E27FC236}">
+                <a16:creationId xmlns:a16="http://schemas.microsoft.com/office/drawing/2014/main" id="{A0FB1C80-C067-49CE-95A9-A233AADF262C}"/>
+              </a:ext>
+            </a:extLst>
+          </p:cNvPr>
+          <p:cNvSpPr/>
+          <p:nvPr/>
+        </p:nvSpPr>
+        <p:spPr>
+          <a:xfrm>
+            <a:off x="0" y="6372225"/>
+            <a:ext cx="12192000" cy="485775"/>
+          </a:xfrm>
+          <a:prstGeom prst="rect">
+            <a:avLst/>
+          </a:prstGeom>
+          <a:ln>
+            <a:solidFill>
+              <a:srgbClr val="0067AC"/>
+            </a:solidFill>
+          </a:ln>
+        </p:spPr>
+        <p:style>
+          <a:lnRef idx="2">
+            <a:schemeClr val="accent1">
+              <a:shade val="50000"/>
+            </a:schemeClr>
+          </a:lnRef>
+          <a:fillRef idx="1">
+            <a:schemeClr val="accent1"/>
+          </a:fillRef>
+          <a:effectRef idx="0">
+            <a:schemeClr val="accent1"/>
+          </a:effectRef>
+          <a:fontRef idx="minor">
+            <a:schemeClr val="lt1"/>
+          </a:fontRef>
+        </p:style>
+        <p:txBody>
+          <a:bodyPr rtlCol="0" anchor="ctr"/>
+          <a:lstStyle/>
+          <a:p>
+            <a:pPr algn="ctr"/>
+            <a:endParaRPr lang="en-US"/>
+          </a:p>
+        </p:txBody>
+      </p:sp>
+      <p:sp>
+        <p:nvSpPr>
+          <p:cNvPr id="54" name="Slide Number Placeholder 5">
+            <a:extLst>
+              <a:ext uri="{FF2B5EF4-FFF2-40B4-BE49-F238E27FC236}">
+                <a16:creationId xmlns:a16="http://schemas.microsoft.com/office/drawing/2014/main" id="{9AD941AF-6002-455E-B6E0-BA52F0663035}"/>
+              </a:ext>
+            </a:extLst>
+          </p:cNvPr>
+          <p:cNvSpPr>
+            <a:spLocks noGrp="1"/>
+          </p:cNvSpPr>
+          <p:nvPr>
+            <p:ph type="sldNum" sz="quarter" idx="12"/>
+          </p:nvPr>
+        </p:nvSpPr>
+        <p:spPr>
+          <a:xfrm>
+            <a:off x="9176659" y="6432549"/>
+            <a:ext cx="2743200" cy="365125"/>
+          </a:xfrm>
+        </p:spPr>
+        <p:txBody>
+          <a:bodyPr/>
+          <a:lstStyle/>
+          <a:p>
+            <a:fld id="{F98B6361-BA1B-450B-B962-29ABDD099519}" type="slidenum">
+              <a:rPr lang="en-US" sz="2000" smtClean="0">
+                <a:solidFill>
+                  <a:schemeClr val="bg1"/>
+                </a:solidFill>
+                <a:latin typeface="Tw Cen MT" panose="020B0602020104020603" pitchFamily="34" charset="0"/>
+              </a:rPr>
+              <a:pPr/>
+              <a:t>20</a:t>
+            </a:fld>
+            <a:endParaRPr lang="en-US" sz="2000">
+              <a:solidFill>
+                <a:schemeClr val="bg1"/>
+              </a:solidFill>
+              <a:latin typeface="Tw Cen MT" panose="020B0602020104020603" pitchFamily="34" charset="0"/>
+            </a:endParaRPr>
+          </a:p>
+        </p:txBody>
+      </p:sp>
+      <p:sp>
+        <p:nvSpPr>
+          <p:cNvPr id="10" name="Footer Placeholder 4">
+            <a:extLst>
+              <a:ext uri="{FF2B5EF4-FFF2-40B4-BE49-F238E27FC236}">
+                <a16:creationId xmlns:a16="http://schemas.microsoft.com/office/drawing/2014/main" id="{619E15D3-AD04-4D9C-95A1-903ECEAF1A7F}"/>
               </a:ext>
             </a:extLst>
           </p:cNvPr>
@@ -29731,11 +28609,831 @@
             <a:r>
               <a:rPr lang="en-US" altLang="en-US">
                 <a:solidFill>
-                  <a:srgbClr val="002060"/>
+                  <a:schemeClr val="bg1"/>
                 </a:solidFill>
                 <a:latin typeface="Trebuchet MS" panose="020B0603020202020204" pitchFamily="34" charset="0"/>
               </a:rPr>
               <a:t>Tugas Akhir – IF184802</a:t>
+            </a:r>
+          </a:p>
+        </p:txBody>
+      </p:sp>
+      <p:pic>
+        <p:nvPicPr>
+          <p:cNvPr id="1026" name="Picture 2" descr="Image result for server png">
+            <a:extLst>
+              <a:ext uri="{FF2B5EF4-FFF2-40B4-BE49-F238E27FC236}">
+                <a16:creationId xmlns:a16="http://schemas.microsoft.com/office/drawing/2014/main" id="{2C179FCA-7233-465B-AF53-61FE1A73F39D}"/>
+              </a:ext>
+            </a:extLst>
+          </p:cNvPr>
+          <p:cNvPicPr>
+            <a:picLocks noChangeAspect="1" noChangeArrowheads="1"/>
+          </p:cNvPicPr>
+          <p:nvPr/>
+        </p:nvPicPr>
+        <p:blipFill>
+          <a:blip r:embed="rId4">
+            <a:extLst>
+              <a:ext uri="{28A0092B-C50C-407E-A947-70E740481C1C}">
+                <a14:useLocalDpi xmlns:a14="http://schemas.microsoft.com/office/drawing/2010/main" val="0"/>
+              </a:ext>
+            </a:extLst>
+          </a:blip>
+          <a:srcRect/>
+          <a:stretch>
+            <a:fillRect/>
+          </a:stretch>
+        </p:blipFill>
+        <p:spPr bwMode="auto">
+          <a:xfrm>
+            <a:off x="6265851" y="1979945"/>
+            <a:ext cx="976148" cy="1508751"/>
+          </a:xfrm>
+          <a:prstGeom prst="rect">
+            <a:avLst/>
+          </a:prstGeom>
+          <a:noFill/>
+          <a:extLst>
+            <a:ext uri="{909E8E84-426E-40DD-AFC4-6F175D3DCCD1}">
+              <a14:hiddenFill xmlns:a14="http://schemas.microsoft.com/office/drawing/2010/main">
+                <a:solidFill>
+                  <a:srgbClr val="FFFFFF"/>
+                </a:solidFill>
+              </a14:hiddenFill>
+            </a:ext>
+          </a:extLst>
+        </p:spPr>
+      </p:pic>
+      <p:pic>
+        <p:nvPicPr>
+          <p:cNvPr id="1030" name="Picture 6" descr="Image result for server png">
+            <a:extLst>
+              <a:ext uri="{FF2B5EF4-FFF2-40B4-BE49-F238E27FC236}">
+                <a16:creationId xmlns:a16="http://schemas.microsoft.com/office/drawing/2014/main" id="{1577EA19-F06F-4C24-AEC0-08D77A776553}"/>
+              </a:ext>
+            </a:extLst>
+          </p:cNvPr>
+          <p:cNvPicPr>
+            <a:picLocks noChangeAspect="1" noChangeArrowheads="1"/>
+          </p:cNvPicPr>
+          <p:nvPr/>
+        </p:nvPicPr>
+        <p:blipFill>
+          <a:blip r:embed="rId5">
+            <a:extLst>
+              <a:ext uri="{28A0092B-C50C-407E-A947-70E740481C1C}">
+                <a14:useLocalDpi xmlns:a14="http://schemas.microsoft.com/office/drawing/2010/main" val="0"/>
+              </a:ext>
+            </a:extLst>
+          </a:blip>
+          <a:srcRect/>
+          <a:stretch>
+            <a:fillRect/>
+          </a:stretch>
+        </p:blipFill>
+        <p:spPr bwMode="auto">
+          <a:xfrm>
+            <a:off x="996055" y="2045371"/>
+            <a:ext cx="1508751" cy="1508751"/>
+          </a:xfrm>
+          <a:prstGeom prst="rect">
+            <a:avLst/>
+          </a:prstGeom>
+          <a:noFill/>
+          <a:extLst>
+            <a:ext uri="{909E8E84-426E-40DD-AFC4-6F175D3DCCD1}">
+              <a14:hiddenFill xmlns:a14="http://schemas.microsoft.com/office/drawing/2010/main">
+                <a:solidFill>
+                  <a:srgbClr val="FFFFFF"/>
+                </a:solidFill>
+              </a14:hiddenFill>
+            </a:ext>
+          </a:extLst>
+        </p:spPr>
+      </p:pic>
+      <p:pic>
+        <p:nvPicPr>
+          <p:cNvPr id="17" name="Picture 8" descr="Image result for file png">
+            <a:extLst>
+              <a:ext uri="{FF2B5EF4-FFF2-40B4-BE49-F238E27FC236}">
+                <a16:creationId xmlns:a16="http://schemas.microsoft.com/office/drawing/2014/main" id="{D3667ED4-1133-4D3E-8FC4-1A30117163B1}"/>
+              </a:ext>
+            </a:extLst>
+          </p:cNvPr>
+          <p:cNvPicPr>
+            <a:picLocks noChangeAspect="1" noChangeArrowheads="1"/>
+          </p:cNvPicPr>
+          <p:nvPr/>
+        </p:nvPicPr>
+        <p:blipFill>
+          <a:blip r:embed="rId6">
+            <a:extLst>
+              <a:ext uri="{28A0092B-C50C-407E-A947-70E740481C1C}">
+                <a14:useLocalDpi xmlns:a14="http://schemas.microsoft.com/office/drawing/2010/main" val="0"/>
+              </a:ext>
+            </a:extLst>
+          </a:blip>
+          <a:srcRect/>
+          <a:stretch>
+            <a:fillRect/>
+          </a:stretch>
+        </p:blipFill>
+        <p:spPr bwMode="auto">
+          <a:xfrm>
+            <a:off x="6774877" y="2835314"/>
+            <a:ext cx="516906" cy="516906"/>
+          </a:xfrm>
+          <a:prstGeom prst="rect">
+            <a:avLst/>
+          </a:prstGeom>
+          <a:noFill/>
+          <a:extLst>
+            <a:ext uri="{909E8E84-426E-40DD-AFC4-6F175D3DCCD1}">
+              <a14:hiddenFill xmlns:a14="http://schemas.microsoft.com/office/drawing/2010/main">
+                <a:solidFill>
+                  <a:srgbClr val="FFFFFF"/>
+                </a:solidFill>
+              </a14:hiddenFill>
+            </a:ext>
+          </a:extLst>
+        </p:spPr>
+      </p:pic>
+      <p:cxnSp>
+        <p:nvCxnSpPr>
+          <p:cNvPr id="23" name="Straight Arrow Connector 22">
+            <a:extLst>
+              <a:ext uri="{FF2B5EF4-FFF2-40B4-BE49-F238E27FC236}">
+                <a16:creationId xmlns:a16="http://schemas.microsoft.com/office/drawing/2014/main" id="{7362C080-262E-4948-B68F-060E60B285E0}"/>
+              </a:ext>
+            </a:extLst>
+          </p:cNvPr>
+          <p:cNvCxnSpPr>
+            <a:cxnSpLocks/>
+          </p:cNvCxnSpPr>
+          <p:nvPr/>
+        </p:nvCxnSpPr>
+        <p:spPr>
+          <a:xfrm>
+            <a:off x="2504806" y="2642110"/>
+            <a:ext cx="3328252" cy="0"/>
+          </a:xfrm>
+          <a:prstGeom prst="straightConnector1">
+            <a:avLst/>
+          </a:prstGeom>
+          <a:ln>
+            <a:tailEnd type="triangle"/>
+          </a:ln>
+        </p:spPr>
+        <p:style>
+          <a:lnRef idx="1">
+            <a:schemeClr val="accent1"/>
+          </a:lnRef>
+          <a:fillRef idx="0">
+            <a:schemeClr val="accent1"/>
+          </a:fillRef>
+          <a:effectRef idx="0">
+            <a:schemeClr val="accent1"/>
+          </a:effectRef>
+          <a:fontRef idx="minor">
+            <a:schemeClr val="tx1"/>
+          </a:fontRef>
+        </p:style>
+      </p:cxnSp>
+      <p:pic>
+        <p:nvPicPr>
+          <p:cNvPr id="1038" name="Picture 14" descr="Image result for padlock png">
+            <a:extLst>
+              <a:ext uri="{FF2B5EF4-FFF2-40B4-BE49-F238E27FC236}">
+                <a16:creationId xmlns:a16="http://schemas.microsoft.com/office/drawing/2014/main" id="{F63DDBFA-B964-4854-8607-9E0ED410C028}"/>
+              </a:ext>
+            </a:extLst>
+          </p:cNvPr>
+          <p:cNvPicPr>
+            <a:picLocks noChangeAspect="1" noChangeArrowheads="1"/>
+          </p:cNvPicPr>
+          <p:nvPr/>
+        </p:nvPicPr>
+        <p:blipFill>
+          <a:blip r:embed="rId7">
+            <a:extLst>
+              <a:ext uri="{28A0092B-C50C-407E-A947-70E740481C1C}">
+                <a14:useLocalDpi xmlns:a14="http://schemas.microsoft.com/office/drawing/2010/main" val="0"/>
+              </a:ext>
+            </a:extLst>
+          </a:blip>
+          <a:srcRect/>
+          <a:stretch>
+            <a:fillRect/>
+          </a:stretch>
+        </p:blipFill>
+        <p:spPr bwMode="auto">
+          <a:xfrm>
+            <a:off x="7033330" y="3085391"/>
+            <a:ext cx="302311" cy="302311"/>
+          </a:xfrm>
+          <a:prstGeom prst="rect">
+            <a:avLst/>
+          </a:prstGeom>
+          <a:noFill/>
+          <a:extLst>
+            <a:ext uri="{909E8E84-426E-40DD-AFC4-6F175D3DCCD1}">
+              <a14:hiddenFill xmlns:a14="http://schemas.microsoft.com/office/drawing/2010/main">
+                <a:solidFill>
+                  <a:srgbClr val="FFFFFF"/>
+                </a:solidFill>
+              </a14:hiddenFill>
+            </a:ext>
+          </a:extLst>
+        </p:spPr>
+      </p:pic>
+      <p:sp>
+        <p:nvSpPr>
+          <p:cNvPr id="40" name="TextBox 39">
+            <a:extLst>
+              <a:ext uri="{FF2B5EF4-FFF2-40B4-BE49-F238E27FC236}">
+                <a16:creationId xmlns:a16="http://schemas.microsoft.com/office/drawing/2014/main" id="{508D8C14-0949-4938-9C65-3297480C22A6}"/>
+              </a:ext>
+            </a:extLst>
+          </p:cNvPr>
+          <p:cNvSpPr txBox="1"/>
+          <p:nvPr/>
+        </p:nvSpPr>
+        <p:spPr>
+          <a:xfrm>
+            <a:off x="6096000" y="3488696"/>
+            <a:ext cx="1563135" cy="338554"/>
+          </a:xfrm>
+          <a:prstGeom prst="rect">
+            <a:avLst/>
+          </a:prstGeom>
+          <a:noFill/>
+        </p:spPr>
+        <p:txBody>
+          <a:bodyPr wrap="square" rtlCol="0">
+            <a:spAutoFit/>
+          </a:bodyPr>
+          <a:lstStyle/>
+          <a:p>
+            <a:r>
+              <a:rPr lang="en-US" sz="1600" dirty="0"/>
+              <a:t>Server Backup</a:t>
+            </a:r>
+            <a:endParaRPr lang="en-US" dirty="0"/>
+          </a:p>
+        </p:txBody>
+      </p:sp>
+      <p:sp>
+        <p:nvSpPr>
+          <p:cNvPr id="42" name="TextBox 41">
+            <a:extLst>
+              <a:ext uri="{FF2B5EF4-FFF2-40B4-BE49-F238E27FC236}">
+                <a16:creationId xmlns:a16="http://schemas.microsoft.com/office/drawing/2014/main" id="{2F552319-D139-4329-B929-9AC2BF41BBB1}"/>
+              </a:ext>
+            </a:extLst>
+          </p:cNvPr>
+          <p:cNvSpPr txBox="1"/>
+          <p:nvPr/>
+        </p:nvSpPr>
+        <p:spPr>
+          <a:xfrm>
+            <a:off x="949677" y="3525595"/>
+            <a:ext cx="1563135" cy="338554"/>
+          </a:xfrm>
+          <a:prstGeom prst="rect">
+            <a:avLst/>
+          </a:prstGeom>
+          <a:noFill/>
+        </p:spPr>
+        <p:txBody>
+          <a:bodyPr wrap="square" rtlCol="0">
+            <a:spAutoFit/>
+          </a:bodyPr>
+          <a:lstStyle/>
+          <a:p>
+            <a:r>
+              <a:rPr lang="en-US" sz="1600" dirty="0"/>
+              <a:t>Server Database</a:t>
+            </a:r>
+            <a:endParaRPr lang="en-US" dirty="0"/>
+          </a:p>
+        </p:txBody>
+      </p:sp>
+      <p:cxnSp>
+        <p:nvCxnSpPr>
+          <p:cNvPr id="33" name="Straight Arrow Connector 32">
+            <a:extLst>
+              <a:ext uri="{FF2B5EF4-FFF2-40B4-BE49-F238E27FC236}">
+                <a16:creationId xmlns:a16="http://schemas.microsoft.com/office/drawing/2014/main" id="{C312C849-6301-4E29-A34E-67939EEDE398}"/>
+              </a:ext>
+            </a:extLst>
+          </p:cNvPr>
+          <p:cNvCxnSpPr>
+            <a:cxnSpLocks/>
+          </p:cNvCxnSpPr>
+          <p:nvPr/>
+        </p:nvCxnSpPr>
+        <p:spPr>
+          <a:xfrm flipH="1">
+            <a:off x="2504808" y="3184981"/>
+            <a:ext cx="3328250" cy="0"/>
+          </a:xfrm>
+          <a:prstGeom prst="straightConnector1">
+            <a:avLst/>
+          </a:prstGeom>
+          <a:ln>
+            <a:tailEnd type="triangle"/>
+          </a:ln>
+        </p:spPr>
+        <p:style>
+          <a:lnRef idx="1">
+            <a:schemeClr val="accent1"/>
+          </a:lnRef>
+          <a:fillRef idx="0">
+            <a:schemeClr val="accent1"/>
+          </a:fillRef>
+          <a:effectRef idx="0">
+            <a:schemeClr val="accent1"/>
+          </a:effectRef>
+          <a:fontRef idx="minor">
+            <a:schemeClr val="tx1"/>
+          </a:fontRef>
+        </p:style>
+      </p:cxnSp>
+      <p:pic>
+        <p:nvPicPr>
+          <p:cNvPr id="2050" name="Picture 2" descr="Image result for data png">
+            <a:extLst>
+              <a:ext uri="{FF2B5EF4-FFF2-40B4-BE49-F238E27FC236}">
+                <a16:creationId xmlns:a16="http://schemas.microsoft.com/office/drawing/2014/main" id="{1A5DE900-DC02-458D-B231-113EDEEE40FF}"/>
+              </a:ext>
+            </a:extLst>
+          </p:cNvPr>
+          <p:cNvPicPr>
+            <a:picLocks noChangeAspect="1" noChangeArrowheads="1"/>
+          </p:cNvPicPr>
+          <p:nvPr/>
+        </p:nvPicPr>
+        <p:blipFill>
+          <a:blip r:embed="rId8">
+            <a:extLst>
+              <a:ext uri="{28A0092B-C50C-407E-A947-70E740481C1C}">
+                <a14:useLocalDpi xmlns:a14="http://schemas.microsoft.com/office/drawing/2010/main" val="0"/>
+              </a:ext>
+            </a:extLst>
+          </a:blip>
+          <a:srcRect/>
+          <a:stretch>
+            <a:fillRect/>
+          </a:stretch>
+        </p:blipFill>
+        <p:spPr bwMode="auto">
+          <a:xfrm>
+            <a:off x="3913747" y="2171427"/>
+            <a:ext cx="466377" cy="466377"/>
+          </a:xfrm>
+          <a:prstGeom prst="rect">
+            <a:avLst/>
+          </a:prstGeom>
+          <a:noFill/>
+          <a:extLst>
+            <a:ext uri="{909E8E84-426E-40DD-AFC4-6F175D3DCCD1}">
+              <a14:hiddenFill xmlns:a14="http://schemas.microsoft.com/office/drawing/2010/main">
+                <a:solidFill>
+                  <a:srgbClr val="FFFFFF"/>
+                </a:solidFill>
+              </a14:hiddenFill>
+            </a:ext>
+          </a:extLst>
+        </p:spPr>
+      </p:pic>
+      <p:sp>
+        <p:nvSpPr>
+          <p:cNvPr id="27" name="TextBox 26">
+            <a:extLst>
+              <a:ext uri="{FF2B5EF4-FFF2-40B4-BE49-F238E27FC236}">
+                <a16:creationId xmlns:a16="http://schemas.microsoft.com/office/drawing/2014/main" id="{CF7B84B6-94F7-416D-ACFD-E4F8C5655163}"/>
+              </a:ext>
+            </a:extLst>
+          </p:cNvPr>
+          <p:cNvSpPr txBox="1"/>
+          <p:nvPr/>
+        </p:nvSpPr>
+        <p:spPr>
+          <a:xfrm>
+            <a:off x="3680248" y="2570808"/>
+            <a:ext cx="948786" cy="338554"/>
+          </a:xfrm>
+          <a:prstGeom prst="rect">
+            <a:avLst/>
+          </a:prstGeom>
+          <a:noFill/>
+        </p:spPr>
+        <p:txBody>
+          <a:bodyPr wrap="square" rtlCol="0">
+            <a:spAutoFit/>
+          </a:bodyPr>
+          <a:lstStyle/>
+          <a:p>
+            <a:r>
+              <a:rPr lang="en-US" sz="1600" dirty="0"/>
+              <a:t>Data File</a:t>
+            </a:r>
+            <a:endParaRPr lang="en-US" dirty="0"/>
+          </a:p>
+        </p:txBody>
+      </p:sp>
+      <p:pic>
+        <p:nvPicPr>
+          <p:cNvPr id="24" name="Picture 2" descr="Image result for server png">
+            <a:extLst>
+              <a:ext uri="{FF2B5EF4-FFF2-40B4-BE49-F238E27FC236}">
+                <a16:creationId xmlns:a16="http://schemas.microsoft.com/office/drawing/2014/main" id="{EF38FF5F-47D4-4E08-BE61-FA6EBC03341C}"/>
+              </a:ext>
+            </a:extLst>
+          </p:cNvPr>
+          <p:cNvPicPr>
+            <a:picLocks noChangeAspect="1" noChangeArrowheads="1"/>
+          </p:cNvPicPr>
+          <p:nvPr/>
+        </p:nvPicPr>
+        <p:blipFill>
+          <a:blip r:embed="rId4">
+            <a:extLst>
+              <a:ext uri="{28A0092B-C50C-407E-A947-70E740481C1C}">
+                <a14:useLocalDpi xmlns:a14="http://schemas.microsoft.com/office/drawing/2010/main" val="0"/>
+              </a:ext>
+            </a:extLst>
+          </a:blip>
+          <a:srcRect/>
+          <a:stretch>
+            <a:fillRect/>
+          </a:stretch>
+        </p:blipFill>
+        <p:spPr bwMode="auto">
+          <a:xfrm>
+            <a:off x="9572931" y="3864149"/>
+            <a:ext cx="976148" cy="1508751"/>
+          </a:xfrm>
+          <a:prstGeom prst="rect">
+            <a:avLst/>
+          </a:prstGeom>
+          <a:noFill/>
+          <a:extLst>
+            <a:ext uri="{909E8E84-426E-40DD-AFC4-6F175D3DCCD1}">
+              <a14:hiddenFill xmlns:a14="http://schemas.microsoft.com/office/drawing/2010/main">
+                <a:solidFill>
+                  <a:srgbClr val="FFFFFF"/>
+                </a:solidFill>
+              </a14:hiddenFill>
+            </a:ext>
+          </a:extLst>
+        </p:spPr>
+      </p:pic>
+      <p:pic>
+        <p:nvPicPr>
+          <p:cNvPr id="25" name="Picture 8" descr="Image result for file png">
+            <a:extLst>
+              <a:ext uri="{FF2B5EF4-FFF2-40B4-BE49-F238E27FC236}">
+                <a16:creationId xmlns:a16="http://schemas.microsoft.com/office/drawing/2014/main" id="{D013231A-E676-41C0-A9D5-28D0F7F538CA}"/>
+              </a:ext>
+            </a:extLst>
+          </p:cNvPr>
+          <p:cNvPicPr>
+            <a:picLocks noChangeAspect="1" noChangeArrowheads="1"/>
+          </p:cNvPicPr>
+          <p:nvPr/>
+        </p:nvPicPr>
+        <p:blipFill>
+          <a:blip r:embed="rId6">
+            <a:extLst>
+              <a:ext uri="{28A0092B-C50C-407E-A947-70E740481C1C}">
+                <a14:useLocalDpi xmlns:a14="http://schemas.microsoft.com/office/drawing/2010/main" val="0"/>
+              </a:ext>
+            </a:extLst>
+          </a:blip>
+          <a:srcRect/>
+          <a:stretch>
+            <a:fillRect/>
+          </a:stretch>
+        </p:blipFill>
+        <p:spPr bwMode="auto">
+          <a:xfrm>
+            <a:off x="10081957" y="4719518"/>
+            <a:ext cx="516906" cy="516906"/>
+          </a:xfrm>
+          <a:prstGeom prst="rect">
+            <a:avLst/>
+          </a:prstGeom>
+          <a:noFill/>
+          <a:extLst>
+            <a:ext uri="{909E8E84-426E-40DD-AFC4-6F175D3DCCD1}">
+              <a14:hiddenFill xmlns:a14="http://schemas.microsoft.com/office/drawing/2010/main">
+                <a:solidFill>
+                  <a:srgbClr val="FFFFFF"/>
+                </a:solidFill>
+              </a14:hiddenFill>
+            </a:ext>
+          </a:extLst>
+        </p:spPr>
+      </p:pic>
+      <p:pic>
+        <p:nvPicPr>
+          <p:cNvPr id="26" name="Picture 14" descr="Image result for padlock png">
+            <a:extLst>
+              <a:ext uri="{FF2B5EF4-FFF2-40B4-BE49-F238E27FC236}">
+                <a16:creationId xmlns:a16="http://schemas.microsoft.com/office/drawing/2014/main" id="{1A89846A-50B0-4F69-9D84-E972177F0B0F}"/>
+              </a:ext>
+            </a:extLst>
+          </p:cNvPr>
+          <p:cNvPicPr>
+            <a:picLocks noChangeAspect="1" noChangeArrowheads="1"/>
+          </p:cNvPicPr>
+          <p:nvPr/>
+        </p:nvPicPr>
+        <p:blipFill>
+          <a:blip r:embed="rId7">
+            <a:extLst>
+              <a:ext uri="{28A0092B-C50C-407E-A947-70E740481C1C}">
+                <a14:useLocalDpi xmlns:a14="http://schemas.microsoft.com/office/drawing/2010/main" val="0"/>
+              </a:ext>
+            </a:extLst>
+          </a:blip>
+          <a:srcRect/>
+          <a:stretch>
+            <a:fillRect/>
+          </a:stretch>
+        </p:blipFill>
+        <p:spPr bwMode="auto">
+          <a:xfrm>
+            <a:off x="10340410" y="4969595"/>
+            <a:ext cx="302311" cy="302311"/>
+          </a:xfrm>
+          <a:prstGeom prst="rect">
+            <a:avLst/>
+          </a:prstGeom>
+          <a:noFill/>
+          <a:extLst>
+            <a:ext uri="{909E8E84-426E-40DD-AFC4-6F175D3DCCD1}">
+              <a14:hiddenFill xmlns:a14="http://schemas.microsoft.com/office/drawing/2010/main">
+                <a:solidFill>
+                  <a:srgbClr val="FFFFFF"/>
+                </a:solidFill>
+              </a14:hiddenFill>
+            </a:ext>
+          </a:extLst>
+        </p:spPr>
+      </p:pic>
+      <p:sp>
+        <p:nvSpPr>
+          <p:cNvPr id="28" name="TextBox 27">
+            <a:extLst>
+              <a:ext uri="{FF2B5EF4-FFF2-40B4-BE49-F238E27FC236}">
+                <a16:creationId xmlns:a16="http://schemas.microsoft.com/office/drawing/2014/main" id="{71A9AC43-EA09-4810-AEA0-D32058551FF4}"/>
+              </a:ext>
+            </a:extLst>
+          </p:cNvPr>
+          <p:cNvSpPr txBox="1"/>
+          <p:nvPr/>
+        </p:nvSpPr>
+        <p:spPr>
+          <a:xfrm>
+            <a:off x="9247477" y="5374277"/>
+            <a:ext cx="1563135" cy="338554"/>
+          </a:xfrm>
+          <a:prstGeom prst="rect">
+            <a:avLst/>
+          </a:prstGeom>
+          <a:noFill/>
+        </p:spPr>
+        <p:txBody>
+          <a:bodyPr wrap="square" rtlCol="0">
+            <a:spAutoFit/>
+          </a:bodyPr>
+          <a:lstStyle/>
+          <a:p>
+            <a:r>
+              <a:rPr lang="en-US" sz="1600" dirty="0"/>
+              <a:t>Server Aplikasi</a:t>
+            </a:r>
+            <a:endParaRPr lang="en-US" dirty="0"/>
+          </a:p>
+        </p:txBody>
+      </p:sp>
+      <p:cxnSp>
+        <p:nvCxnSpPr>
+          <p:cNvPr id="29" name="Straight Arrow Connector 28">
+            <a:extLst>
+              <a:ext uri="{FF2B5EF4-FFF2-40B4-BE49-F238E27FC236}">
+                <a16:creationId xmlns:a16="http://schemas.microsoft.com/office/drawing/2014/main" id="{FC352A1A-9F27-4594-98D3-DD37A1091269}"/>
+              </a:ext>
+            </a:extLst>
+          </p:cNvPr>
+          <p:cNvCxnSpPr>
+            <a:cxnSpLocks/>
+          </p:cNvCxnSpPr>
+          <p:nvPr/>
+        </p:nvCxnSpPr>
+        <p:spPr>
+          <a:xfrm>
+            <a:off x="7335641" y="3085391"/>
+            <a:ext cx="2052199" cy="1212289"/>
+          </a:xfrm>
+          <a:prstGeom prst="straightConnector1">
+            <a:avLst/>
+          </a:prstGeom>
+          <a:ln>
+            <a:tailEnd type="triangle"/>
+          </a:ln>
+        </p:spPr>
+        <p:style>
+          <a:lnRef idx="1">
+            <a:schemeClr val="accent1"/>
+          </a:lnRef>
+          <a:fillRef idx="0">
+            <a:schemeClr val="accent1"/>
+          </a:fillRef>
+          <a:effectRef idx="0">
+            <a:schemeClr val="accent1"/>
+          </a:effectRef>
+          <a:fontRef idx="minor">
+            <a:schemeClr val="tx1"/>
+          </a:fontRef>
+        </p:style>
+      </p:cxnSp>
+      <p:pic>
+        <p:nvPicPr>
+          <p:cNvPr id="30" name="Picture 8" descr="Image result for file png">
+            <a:extLst>
+              <a:ext uri="{FF2B5EF4-FFF2-40B4-BE49-F238E27FC236}">
+                <a16:creationId xmlns:a16="http://schemas.microsoft.com/office/drawing/2014/main" id="{CF10B567-AD43-4F41-91F2-150F230F72A5}"/>
+              </a:ext>
+            </a:extLst>
+          </p:cNvPr>
+          <p:cNvPicPr>
+            <a:picLocks noChangeAspect="1" noChangeArrowheads="1"/>
+          </p:cNvPicPr>
+          <p:nvPr/>
+        </p:nvPicPr>
+        <p:blipFill>
+          <a:blip r:embed="rId6">
+            <a:extLst>
+              <a:ext uri="{28A0092B-C50C-407E-A947-70E740481C1C}">
+                <a14:useLocalDpi xmlns:a14="http://schemas.microsoft.com/office/drawing/2010/main" val="0"/>
+              </a:ext>
+            </a:extLst>
+          </a:blip>
+          <a:srcRect/>
+          <a:stretch>
+            <a:fillRect/>
+          </a:stretch>
+        </p:blipFill>
+        <p:spPr bwMode="auto">
+          <a:xfrm>
+            <a:off x="8168161" y="3184981"/>
+            <a:ext cx="516906" cy="516906"/>
+          </a:xfrm>
+          <a:prstGeom prst="rect">
+            <a:avLst/>
+          </a:prstGeom>
+          <a:noFill/>
+          <a:extLst>
+            <a:ext uri="{909E8E84-426E-40DD-AFC4-6F175D3DCCD1}">
+              <a14:hiddenFill xmlns:a14="http://schemas.microsoft.com/office/drawing/2010/main">
+                <a:solidFill>
+                  <a:srgbClr val="FFFFFF"/>
+                </a:solidFill>
+              </a14:hiddenFill>
+            </a:ext>
+          </a:extLst>
+        </p:spPr>
+      </p:pic>
+      <p:pic>
+        <p:nvPicPr>
+          <p:cNvPr id="31" name="Picture 14" descr="Image result for padlock png">
+            <a:extLst>
+              <a:ext uri="{FF2B5EF4-FFF2-40B4-BE49-F238E27FC236}">
+                <a16:creationId xmlns:a16="http://schemas.microsoft.com/office/drawing/2014/main" id="{608938B3-E86F-4DE1-B9CC-B35E7B234B85}"/>
+              </a:ext>
+            </a:extLst>
+          </p:cNvPr>
+          <p:cNvPicPr>
+            <a:picLocks noChangeAspect="1" noChangeArrowheads="1"/>
+          </p:cNvPicPr>
+          <p:nvPr/>
+        </p:nvPicPr>
+        <p:blipFill>
+          <a:blip r:embed="rId7">
+            <a:extLst>
+              <a:ext uri="{28A0092B-C50C-407E-A947-70E740481C1C}">
+                <a14:useLocalDpi xmlns:a14="http://schemas.microsoft.com/office/drawing/2010/main" val="0"/>
+              </a:ext>
+            </a:extLst>
+          </a:blip>
+          <a:srcRect/>
+          <a:stretch>
+            <a:fillRect/>
+          </a:stretch>
+        </p:blipFill>
+        <p:spPr bwMode="auto">
+          <a:xfrm>
+            <a:off x="8426614" y="3435058"/>
+            <a:ext cx="302311" cy="302311"/>
+          </a:xfrm>
+          <a:prstGeom prst="rect">
+            <a:avLst/>
+          </a:prstGeom>
+          <a:noFill/>
+          <a:extLst>
+            <a:ext uri="{909E8E84-426E-40DD-AFC4-6F175D3DCCD1}">
+              <a14:hiddenFill xmlns:a14="http://schemas.microsoft.com/office/drawing/2010/main">
+                <a:solidFill>
+                  <a:srgbClr val="FFFFFF"/>
+                </a:solidFill>
+              </a14:hiddenFill>
+            </a:ext>
+          </a:extLst>
+        </p:spPr>
+      </p:pic>
+      <p:pic>
+        <p:nvPicPr>
+          <p:cNvPr id="32" name="Picture 8" descr="Image result for new file png">
+            <a:extLst>
+              <a:ext uri="{FF2B5EF4-FFF2-40B4-BE49-F238E27FC236}">
+                <a16:creationId xmlns:a16="http://schemas.microsoft.com/office/drawing/2014/main" id="{0B6ADD62-CABB-423B-A229-C2A75CE9528C}"/>
+              </a:ext>
+            </a:extLst>
+          </p:cNvPr>
+          <p:cNvPicPr>
+            <a:picLocks noChangeAspect="1" noChangeArrowheads="1"/>
+          </p:cNvPicPr>
+          <p:nvPr/>
+        </p:nvPicPr>
+        <p:blipFill>
+          <a:blip r:embed="rId9">
+            <a:extLst>
+              <a:ext uri="{28A0092B-C50C-407E-A947-70E740481C1C}">
+                <a14:useLocalDpi xmlns:a14="http://schemas.microsoft.com/office/drawing/2010/main" val="0"/>
+              </a:ext>
+            </a:extLst>
+          </a:blip>
+          <a:srcRect/>
+          <a:stretch>
+            <a:fillRect/>
+          </a:stretch>
+        </p:blipFill>
+        <p:spPr bwMode="auto">
+          <a:xfrm>
+            <a:off x="3943103" y="2957263"/>
+            <a:ext cx="455436" cy="455436"/>
+          </a:xfrm>
+          <a:prstGeom prst="rect">
+            <a:avLst/>
+          </a:prstGeom>
+          <a:noFill/>
+          <a:extLst>
+            <a:ext uri="{909E8E84-426E-40DD-AFC4-6F175D3DCCD1}">
+              <a14:hiddenFill xmlns:a14="http://schemas.microsoft.com/office/drawing/2010/main">
+                <a:solidFill>
+                  <a:srgbClr val="FFFFFF"/>
+                </a:solidFill>
+              </a14:hiddenFill>
+            </a:ext>
+          </a:extLst>
+        </p:spPr>
+      </p:pic>
+      <p:sp>
+        <p:nvSpPr>
+          <p:cNvPr id="34" name="TextBox 33">
+            <a:extLst>
+              <a:ext uri="{FF2B5EF4-FFF2-40B4-BE49-F238E27FC236}">
+                <a16:creationId xmlns:a16="http://schemas.microsoft.com/office/drawing/2014/main" id="{6C09C4DE-BB9D-4C3B-A504-15EE0C9CE87F}"/>
+              </a:ext>
+            </a:extLst>
+          </p:cNvPr>
+          <p:cNvSpPr txBox="1"/>
+          <p:nvPr/>
+        </p:nvSpPr>
+        <p:spPr>
+          <a:xfrm>
+            <a:off x="3696428" y="3428567"/>
+            <a:ext cx="948786" cy="523220"/>
+          </a:xfrm>
+          <a:prstGeom prst="rect">
+            <a:avLst/>
+          </a:prstGeom>
+          <a:noFill/>
+        </p:spPr>
+        <p:txBody>
+          <a:bodyPr wrap="square" rtlCol="0">
+            <a:spAutoFit/>
+          </a:bodyPr>
+          <a:lstStyle/>
+          <a:p>
+            <a:pPr algn="ctr"/>
+            <a:r>
+              <a:rPr lang="en-US" sz="1400" dirty="0"/>
+              <a:t>Update Data File</a:t>
             </a:r>
           </a:p>
         </p:txBody>
@@ -29743,7 +29441,7 @@
     </p:spTree>
     <p:extLst>
       <p:ext uri="{BB962C8B-B14F-4D97-AF65-F5344CB8AC3E}">
-        <p14:creationId xmlns:p14="http://schemas.microsoft.com/office/powerpoint/2010/main" val="3628992264"/>
+        <p14:creationId xmlns:p14="http://schemas.microsoft.com/office/powerpoint/2010/main" val="3503712642"/>
       </p:ext>
     </p:extLst>
   </p:cSld>
@@ -29877,7 +29575,7 @@
         </p:nvSpPr>
         <p:spPr>
           <a:xfrm>
-            <a:off x="1592089" y="192581"/>
+            <a:off x="1404259" y="213631"/>
             <a:ext cx="10515600" cy="766989"/>
           </a:xfrm>
         </p:spPr>
@@ -29900,7 +29598,7 @@
                 <a:latin typeface="Tw Cen MT" panose="020B0602020104020603" pitchFamily="34" charset="0"/>
                 <a:cs typeface="Arial" panose="020B0604020202020204" pitchFamily="34" charset="0"/>
               </a:rPr>
-              <a:t>LINGKUNGAN IMPLEMENTASI DAN PENGUJIAN</a:t>
+              <a:t>RANCANGAN PROSES BACKUP DATABASE</a:t>
             </a:r>
           </a:p>
         </p:txBody>
@@ -29991,6 +29689,1004 @@
               </a:rPr>
               <a:pPr/>
               <a:t>21</a:t>
+            </a:fld>
+            <a:endParaRPr lang="en-US" sz="2000">
+              <a:solidFill>
+                <a:schemeClr val="bg1"/>
+              </a:solidFill>
+              <a:latin typeface="Tw Cen MT" panose="020B0602020104020603" pitchFamily="34" charset="0"/>
+            </a:endParaRPr>
+          </a:p>
+        </p:txBody>
+      </p:sp>
+      <p:sp>
+        <p:nvSpPr>
+          <p:cNvPr id="10" name="Footer Placeholder 4">
+            <a:extLst>
+              <a:ext uri="{FF2B5EF4-FFF2-40B4-BE49-F238E27FC236}">
+                <a16:creationId xmlns:a16="http://schemas.microsoft.com/office/drawing/2014/main" id="{619E15D3-AD04-4D9C-95A1-903ECEAF1A7F}"/>
+              </a:ext>
+            </a:extLst>
+          </p:cNvPr>
+          <p:cNvSpPr>
+            <a:spLocks noGrp="1"/>
+          </p:cNvSpPr>
+          <p:nvPr>
+            <p:ph type="ftr" sz="quarter" idx="11"/>
+          </p:nvPr>
+        </p:nvSpPr>
+        <p:spPr>
+          <a:xfrm>
+            <a:off x="4038600" y="6356350"/>
+            <a:ext cx="4114800" cy="365125"/>
+          </a:xfrm>
+          <a:prstGeom prst="rect">
+            <a:avLst/>
+          </a:prstGeom>
+        </p:spPr>
+        <p:txBody>
+          <a:bodyPr/>
+          <a:lstStyle/>
+          <a:p>
+            <a:r>
+              <a:rPr lang="en-US" altLang="en-US">
+                <a:solidFill>
+                  <a:schemeClr val="bg1"/>
+                </a:solidFill>
+                <a:latin typeface="Trebuchet MS" panose="020B0603020202020204" pitchFamily="34" charset="0"/>
+              </a:rPr>
+              <a:t>Tugas Akhir – IF184802</a:t>
+            </a:r>
+          </a:p>
+        </p:txBody>
+      </p:sp>
+      <p:pic>
+        <p:nvPicPr>
+          <p:cNvPr id="1026" name="Picture 2" descr="Image result for server png">
+            <a:extLst>
+              <a:ext uri="{FF2B5EF4-FFF2-40B4-BE49-F238E27FC236}">
+                <a16:creationId xmlns:a16="http://schemas.microsoft.com/office/drawing/2014/main" id="{2C179FCA-7233-465B-AF53-61FE1A73F39D}"/>
+              </a:ext>
+            </a:extLst>
+          </p:cNvPr>
+          <p:cNvPicPr>
+            <a:picLocks noChangeAspect="1" noChangeArrowheads="1"/>
+          </p:cNvPicPr>
+          <p:nvPr/>
+        </p:nvPicPr>
+        <p:blipFill>
+          <a:blip r:embed="rId4">
+            <a:extLst>
+              <a:ext uri="{28A0092B-C50C-407E-A947-70E740481C1C}">
+                <a14:useLocalDpi xmlns:a14="http://schemas.microsoft.com/office/drawing/2010/main" val="0"/>
+              </a:ext>
+            </a:extLst>
+          </a:blip>
+          <a:srcRect/>
+          <a:stretch>
+            <a:fillRect/>
+          </a:stretch>
+        </p:blipFill>
+        <p:spPr bwMode="auto">
+          <a:xfrm>
+            <a:off x="9845741" y="2744262"/>
+            <a:ext cx="976148" cy="1508751"/>
+          </a:xfrm>
+          <a:prstGeom prst="rect">
+            <a:avLst/>
+          </a:prstGeom>
+          <a:noFill/>
+          <a:extLst>
+            <a:ext uri="{909E8E84-426E-40DD-AFC4-6F175D3DCCD1}">
+              <a14:hiddenFill xmlns:a14="http://schemas.microsoft.com/office/drawing/2010/main">
+                <a:solidFill>
+                  <a:srgbClr val="FFFFFF"/>
+                </a:solidFill>
+              </a14:hiddenFill>
+            </a:ext>
+          </a:extLst>
+        </p:spPr>
+      </p:pic>
+      <p:pic>
+        <p:nvPicPr>
+          <p:cNvPr id="1030" name="Picture 6" descr="Image result for server png">
+            <a:extLst>
+              <a:ext uri="{FF2B5EF4-FFF2-40B4-BE49-F238E27FC236}">
+                <a16:creationId xmlns:a16="http://schemas.microsoft.com/office/drawing/2014/main" id="{1577EA19-F06F-4C24-AEC0-08D77A776553}"/>
+              </a:ext>
+            </a:extLst>
+          </p:cNvPr>
+          <p:cNvPicPr>
+            <a:picLocks noChangeAspect="1" noChangeArrowheads="1"/>
+          </p:cNvPicPr>
+          <p:nvPr/>
+        </p:nvPicPr>
+        <p:blipFill>
+          <a:blip r:embed="rId5">
+            <a:extLst>
+              <a:ext uri="{28A0092B-C50C-407E-A947-70E740481C1C}">
+                <a14:useLocalDpi xmlns:a14="http://schemas.microsoft.com/office/drawing/2010/main" val="0"/>
+              </a:ext>
+            </a:extLst>
+          </a:blip>
+          <a:srcRect/>
+          <a:stretch>
+            <a:fillRect/>
+          </a:stretch>
+        </p:blipFill>
+        <p:spPr bwMode="auto">
+          <a:xfrm>
+            <a:off x="1325825" y="2744262"/>
+            <a:ext cx="1508751" cy="1508751"/>
+          </a:xfrm>
+          <a:prstGeom prst="rect">
+            <a:avLst/>
+          </a:prstGeom>
+          <a:noFill/>
+          <a:extLst>
+            <a:ext uri="{909E8E84-426E-40DD-AFC4-6F175D3DCCD1}">
+              <a14:hiddenFill xmlns:a14="http://schemas.microsoft.com/office/drawing/2010/main">
+                <a:solidFill>
+                  <a:srgbClr val="FFFFFF"/>
+                </a:solidFill>
+              </a14:hiddenFill>
+            </a:ext>
+          </a:extLst>
+        </p:spPr>
+      </p:pic>
+      <p:cxnSp>
+        <p:nvCxnSpPr>
+          <p:cNvPr id="23" name="Straight Arrow Connector 22">
+            <a:extLst>
+              <a:ext uri="{FF2B5EF4-FFF2-40B4-BE49-F238E27FC236}">
+                <a16:creationId xmlns:a16="http://schemas.microsoft.com/office/drawing/2014/main" id="{7362C080-262E-4948-B68F-060E60B285E0}"/>
+              </a:ext>
+            </a:extLst>
+          </p:cNvPr>
+          <p:cNvCxnSpPr>
+            <a:cxnSpLocks/>
+          </p:cNvCxnSpPr>
+          <p:nvPr/>
+        </p:nvCxnSpPr>
+        <p:spPr>
+          <a:xfrm>
+            <a:off x="3333807" y="3429000"/>
+            <a:ext cx="5842852" cy="0"/>
+          </a:xfrm>
+          <a:prstGeom prst="straightConnector1">
+            <a:avLst/>
+          </a:prstGeom>
+          <a:ln>
+            <a:tailEnd type="triangle"/>
+          </a:ln>
+        </p:spPr>
+        <p:style>
+          <a:lnRef idx="1">
+            <a:schemeClr val="accent1"/>
+          </a:lnRef>
+          <a:fillRef idx="0">
+            <a:schemeClr val="accent1"/>
+          </a:fillRef>
+          <a:effectRef idx="0">
+            <a:schemeClr val="accent1"/>
+          </a:effectRef>
+          <a:fontRef idx="minor">
+            <a:schemeClr val="tx1"/>
+          </a:fontRef>
+        </p:style>
+      </p:cxnSp>
+      <p:sp>
+        <p:nvSpPr>
+          <p:cNvPr id="40" name="TextBox 39">
+            <a:extLst>
+              <a:ext uri="{FF2B5EF4-FFF2-40B4-BE49-F238E27FC236}">
+                <a16:creationId xmlns:a16="http://schemas.microsoft.com/office/drawing/2014/main" id="{508D8C14-0949-4938-9C65-3297480C22A6}"/>
+              </a:ext>
+            </a:extLst>
+          </p:cNvPr>
+          <p:cNvSpPr txBox="1"/>
+          <p:nvPr/>
+        </p:nvSpPr>
+        <p:spPr>
+          <a:xfrm>
+            <a:off x="9675890" y="4253013"/>
+            <a:ext cx="1563135" cy="338554"/>
+          </a:xfrm>
+          <a:prstGeom prst="rect">
+            <a:avLst/>
+          </a:prstGeom>
+          <a:noFill/>
+        </p:spPr>
+        <p:txBody>
+          <a:bodyPr wrap="square" rtlCol="0">
+            <a:spAutoFit/>
+          </a:bodyPr>
+          <a:lstStyle/>
+          <a:p>
+            <a:r>
+              <a:rPr lang="en-US" sz="1600" dirty="0"/>
+              <a:t>Server Backup</a:t>
+            </a:r>
+            <a:endParaRPr lang="en-US" dirty="0"/>
+          </a:p>
+        </p:txBody>
+      </p:sp>
+      <p:sp>
+        <p:nvSpPr>
+          <p:cNvPr id="42" name="TextBox 41">
+            <a:extLst>
+              <a:ext uri="{FF2B5EF4-FFF2-40B4-BE49-F238E27FC236}">
+                <a16:creationId xmlns:a16="http://schemas.microsoft.com/office/drawing/2014/main" id="{2F552319-D139-4329-B929-9AC2BF41BBB1}"/>
+              </a:ext>
+            </a:extLst>
+          </p:cNvPr>
+          <p:cNvSpPr txBox="1"/>
+          <p:nvPr/>
+        </p:nvSpPr>
+        <p:spPr>
+          <a:xfrm>
+            <a:off x="1298634" y="4224486"/>
+            <a:ext cx="1563135" cy="338554"/>
+          </a:xfrm>
+          <a:prstGeom prst="rect">
+            <a:avLst/>
+          </a:prstGeom>
+          <a:noFill/>
+        </p:spPr>
+        <p:txBody>
+          <a:bodyPr wrap="square" rtlCol="0">
+            <a:spAutoFit/>
+          </a:bodyPr>
+          <a:lstStyle/>
+          <a:p>
+            <a:r>
+              <a:rPr lang="en-US" sz="1600" dirty="0"/>
+              <a:t>Server Database</a:t>
+            </a:r>
+            <a:endParaRPr lang="en-US" dirty="0"/>
+          </a:p>
+        </p:txBody>
+      </p:sp>
+      <p:pic>
+        <p:nvPicPr>
+          <p:cNvPr id="5124" name="Picture 4" descr="Image result for backup  png">
+            <a:extLst>
+              <a:ext uri="{FF2B5EF4-FFF2-40B4-BE49-F238E27FC236}">
+                <a16:creationId xmlns:a16="http://schemas.microsoft.com/office/drawing/2014/main" id="{BFB00972-C5FA-4017-82B6-6791BC44BB6E}"/>
+              </a:ext>
+            </a:extLst>
+          </p:cNvPr>
+          <p:cNvPicPr>
+            <a:picLocks noChangeAspect="1" noChangeArrowheads="1"/>
+          </p:cNvPicPr>
+          <p:nvPr/>
+        </p:nvPicPr>
+        <p:blipFill>
+          <a:blip r:embed="rId6">
+            <a:extLst>
+              <a:ext uri="{28A0092B-C50C-407E-A947-70E740481C1C}">
+                <a14:useLocalDpi xmlns:a14="http://schemas.microsoft.com/office/drawing/2010/main" val="0"/>
+              </a:ext>
+            </a:extLst>
+          </a:blip>
+          <a:srcRect/>
+          <a:stretch>
+            <a:fillRect/>
+          </a:stretch>
+        </p:blipFill>
+        <p:spPr bwMode="auto">
+          <a:xfrm>
+            <a:off x="2717655" y="3854389"/>
+            <a:ext cx="317188" cy="317188"/>
+          </a:xfrm>
+          <a:prstGeom prst="rect">
+            <a:avLst/>
+          </a:prstGeom>
+          <a:noFill/>
+          <a:extLst>
+            <a:ext uri="{909E8E84-426E-40DD-AFC4-6F175D3DCCD1}">
+              <a14:hiddenFill xmlns:a14="http://schemas.microsoft.com/office/drawing/2010/main">
+                <a:solidFill>
+                  <a:srgbClr val="FFFFFF"/>
+                </a:solidFill>
+              </a14:hiddenFill>
+            </a:ext>
+          </a:extLst>
+        </p:spPr>
+      </p:pic>
+      <p:pic>
+        <p:nvPicPr>
+          <p:cNvPr id="35" name="Picture 4" descr="Image result for backup  png">
+            <a:extLst>
+              <a:ext uri="{FF2B5EF4-FFF2-40B4-BE49-F238E27FC236}">
+                <a16:creationId xmlns:a16="http://schemas.microsoft.com/office/drawing/2014/main" id="{28E489F9-D856-411B-92C6-66CA5E4142BB}"/>
+              </a:ext>
+            </a:extLst>
+          </p:cNvPr>
+          <p:cNvPicPr>
+            <a:picLocks noChangeAspect="1" noChangeArrowheads="1"/>
+          </p:cNvPicPr>
+          <p:nvPr/>
+        </p:nvPicPr>
+        <p:blipFill>
+          <a:blip r:embed="rId6">
+            <a:extLst>
+              <a:ext uri="{28A0092B-C50C-407E-A947-70E740481C1C}">
+                <a14:useLocalDpi xmlns:a14="http://schemas.microsoft.com/office/drawing/2010/main" val="0"/>
+              </a:ext>
+            </a:extLst>
+          </a:blip>
+          <a:srcRect/>
+          <a:stretch>
+            <a:fillRect/>
+          </a:stretch>
+        </p:blipFill>
+        <p:spPr bwMode="auto">
+          <a:xfrm>
+            <a:off x="5778812" y="3103875"/>
+            <a:ext cx="317188" cy="317188"/>
+          </a:xfrm>
+          <a:prstGeom prst="rect">
+            <a:avLst/>
+          </a:prstGeom>
+          <a:noFill/>
+          <a:extLst>
+            <a:ext uri="{909E8E84-426E-40DD-AFC4-6F175D3DCCD1}">
+              <a14:hiddenFill xmlns:a14="http://schemas.microsoft.com/office/drawing/2010/main">
+                <a:solidFill>
+                  <a:srgbClr val="FFFFFF"/>
+                </a:solidFill>
+              </a14:hiddenFill>
+            </a:ext>
+          </a:extLst>
+        </p:spPr>
+      </p:pic>
+      <p:pic>
+        <p:nvPicPr>
+          <p:cNvPr id="36" name="Picture 4" descr="Image result for backup  png">
+            <a:extLst>
+              <a:ext uri="{FF2B5EF4-FFF2-40B4-BE49-F238E27FC236}">
+                <a16:creationId xmlns:a16="http://schemas.microsoft.com/office/drawing/2014/main" id="{6B5DB671-4324-41B5-960C-9B6AAB9D6735}"/>
+              </a:ext>
+            </a:extLst>
+          </p:cNvPr>
+          <p:cNvPicPr>
+            <a:picLocks noChangeAspect="1" noChangeArrowheads="1"/>
+          </p:cNvPicPr>
+          <p:nvPr/>
+        </p:nvPicPr>
+        <p:blipFill>
+          <a:blip r:embed="rId6">
+            <a:extLst>
+              <a:ext uri="{28A0092B-C50C-407E-A947-70E740481C1C}">
+                <a14:useLocalDpi xmlns:a14="http://schemas.microsoft.com/office/drawing/2010/main" val="0"/>
+              </a:ext>
+            </a:extLst>
+          </a:blip>
+          <a:srcRect/>
+          <a:stretch>
+            <a:fillRect/>
+          </a:stretch>
+        </p:blipFill>
+        <p:spPr bwMode="auto">
+          <a:xfrm>
+            <a:off x="10553177" y="3875499"/>
+            <a:ext cx="317188" cy="317188"/>
+          </a:xfrm>
+          <a:prstGeom prst="rect">
+            <a:avLst/>
+          </a:prstGeom>
+          <a:noFill/>
+          <a:extLst>
+            <a:ext uri="{909E8E84-426E-40DD-AFC4-6F175D3DCCD1}">
+              <a14:hiddenFill xmlns:a14="http://schemas.microsoft.com/office/drawing/2010/main">
+                <a:solidFill>
+                  <a:srgbClr val="FFFFFF"/>
+                </a:solidFill>
+              </a14:hiddenFill>
+            </a:ext>
+          </a:extLst>
+        </p:spPr>
+      </p:pic>
+      <p:sp>
+        <p:nvSpPr>
+          <p:cNvPr id="37" name="TextBox 36">
+            <a:extLst>
+              <a:ext uri="{FF2B5EF4-FFF2-40B4-BE49-F238E27FC236}">
+                <a16:creationId xmlns:a16="http://schemas.microsoft.com/office/drawing/2014/main" id="{656256DA-E7D7-4525-9385-9617C857F389}"/>
+              </a:ext>
+            </a:extLst>
+          </p:cNvPr>
+          <p:cNvSpPr txBox="1"/>
+          <p:nvPr/>
+        </p:nvSpPr>
+        <p:spPr>
+          <a:xfrm>
+            <a:off x="5032931" y="3429000"/>
+            <a:ext cx="2126138" cy="338554"/>
+          </a:xfrm>
+          <a:prstGeom prst="rect">
+            <a:avLst/>
+          </a:prstGeom>
+          <a:noFill/>
+        </p:spPr>
+        <p:txBody>
+          <a:bodyPr wrap="square" rtlCol="0">
+            <a:spAutoFit/>
+          </a:bodyPr>
+          <a:lstStyle/>
+          <a:p>
+            <a:r>
+              <a:rPr lang="en-US" sz="1600" dirty="0"/>
+              <a:t>File Backup Database</a:t>
+            </a:r>
+            <a:endParaRPr lang="en-US" dirty="0"/>
+          </a:p>
+        </p:txBody>
+      </p:sp>
+    </p:spTree>
+    <p:extLst>
+      <p:ext uri="{BB962C8B-B14F-4D97-AF65-F5344CB8AC3E}">
+        <p14:creationId xmlns:p14="http://schemas.microsoft.com/office/powerpoint/2010/main" val="3962146150"/>
+      </p:ext>
+    </p:extLst>
+  </p:cSld>
+  <p:clrMapOvr>
+    <a:masterClrMapping/>
+  </p:clrMapOvr>
+  <mc:AlternateContent xmlns:mc="http://schemas.openxmlformats.org/markup-compatibility/2006" xmlns:p14="http://schemas.microsoft.com/office/powerpoint/2010/main">
+    <mc:Choice Requires="p14">
+      <p:transition spd="med" p14:dur="700">
+        <p:fade/>
+      </p:transition>
+    </mc:Choice>
+    <mc:Fallback xmlns="">
+      <p:transition spd="med">
+        <p:fade/>
+      </p:transition>
+    </mc:Fallback>
+  </mc:AlternateContent>
+</p:sld>
+</file>
+
+<file path=ppt/slides/slide22.xml><?xml version="1.0" encoding="utf-8"?>
+<p:sld xmlns:a="http://schemas.openxmlformats.org/drawingml/2006/main" xmlns:r="http://schemas.openxmlformats.org/officeDocument/2006/relationships" xmlns:p="http://schemas.openxmlformats.org/presentationml/2006/main">
+  <p:cSld>
+    <p:spTree>
+      <p:nvGrpSpPr>
+        <p:cNvPr id="1" name=""/>
+        <p:cNvGrpSpPr/>
+        <p:nvPr/>
+      </p:nvGrpSpPr>
+      <p:grpSpPr>
+        <a:xfrm>
+          <a:off x="0" y="0"/>
+          <a:ext cx="0" cy="0"/>
+          <a:chOff x="0" y="0"/>
+          <a:chExt cx="0" cy="0"/>
+        </a:xfrm>
+      </p:grpSpPr>
+      <p:pic>
+        <p:nvPicPr>
+          <p:cNvPr id="49" name="Picture 48">
+            <a:extLst>
+              <a:ext uri="{FF2B5EF4-FFF2-40B4-BE49-F238E27FC236}">
+                <a16:creationId xmlns:a16="http://schemas.microsoft.com/office/drawing/2014/main" id="{3DB88EB2-4959-4384-B606-6EC9735683D6}"/>
+              </a:ext>
+            </a:extLst>
+          </p:cNvPr>
+          <p:cNvPicPr>
+            <a:picLocks noChangeAspect="1"/>
+          </p:cNvPicPr>
+          <p:nvPr/>
+        </p:nvPicPr>
+        <p:blipFill>
+          <a:blip r:embed="rId3" cstate="print">
+            <a:extLst>
+              <a:ext uri="{28A0092B-C50C-407E-A947-70E740481C1C}">
+                <a14:useLocalDpi xmlns:a14="http://schemas.microsoft.com/office/drawing/2010/main" val="0"/>
+              </a:ext>
+            </a:extLst>
+          </a:blip>
+          <a:stretch>
+            <a:fillRect/>
+          </a:stretch>
+        </p:blipFill>
+        <p:spPr>
+          <a:xfrm>
+            <a:off x="84311" y="0"/>
+            <a:ext cx="1788262" cy="1152152"/>
+          </a:xfrm>
+          <a:prstGeom prst="rect">
+            <a:avLst/>
+          </a:prstGeom>
+        </p:spPr>
+      </p:pic>
+      <p:sp>
+        <p:nvSpPr>
+          <p:cNvPr id="54" name="Slide Number Placeholder 5">
+            <a:extLst>
+              <a:ext uri="{FF2B5EF4-FFF2-40B4-BE49-F238E27FC236}">
+                <a16:creationId xmlns:a16="http://schemas.microsoft.com/office/drawing/2014/main" id="{9AD941AF-6002-455E-B6E0-BA52F0663035}"/>
+              </a:ext>
+            </a:extLst>
+          </p:cNvPr>
+          <p:cNvSpPr>
+            <a:spLocks noGrp="1"/>
+          </p:cNvSpPr>
+          <p:nvPr>
+            <p:ph type="sldNum" sz="quarter" idx="12"/>
+          </p:nvPr>
+        </p:nvSpPr>
+        <p:spPr>
+          <a:xfrm>
+            <a:off x="9176659" y="6432549"/>
+            <a:ext cx="2743200" cy="365125"/>
+          </a:xfrm>
+        </p:spPr>
+        <p:txBody>
+          <a:bodyPr/>
+          <a:lstStyle/>
+          <a:p>
+            <a:fld id="{F98B6361-BA1B-450B-B962-29ABDD099519}" type="slidenum">
+              <a:rPr lang="en-US" sz="2000" smtClean="0">
+                <a:solidFill>
+                  <a:schemeClr val="tx1"/>
+                </a:solidFill>
+                <a:latin typeface="Tw Cen MT" panose="020B0602020104020603" pitchFamily="34" charset="0"/>
+              </a:rPr>
+              <a:pPr/>
+              <a:t>22</a:t>
+            </a:fld>
+            <a:endParaRPr lang="en-US" sz="2000">
+              <a:solidFill>
+                <a:schemeClr val="tx1"/>
+              </a:solidFill>
+              <a:latin typeface="Tw Cen MT" panose="020B0602020104020603" pitchFamily="34" charset="0"/>
+            </a:endParaRPr>
+          </a:p>
+        </p:txBody>
+      </p:sp>
+      <p:sp>
+        <p:nvSpPr>
+          <p:cNvPr id="19" name="Title 1">
+            <a:extLst>
+              <a:ext uri="{FF2B5EF4-FFF2-40B4-BE49-F238E27FC236}">
+                <a16:creationId xmlns:a16="http://schemas.microsoft.com/office/drawing/2014/main" id="{45DE30A8-2F8A-4013-AF22-27C0A7388B2F}"/>
+              </a:ext>
+            </a:extLst>
+          </p:cNvPr>
+          <p:cNvSpPr txBox="1">
+            <a:spLocks/>
+          </p:cNvSpPr>
+          <p:nvPr/>
+        </p:nvSpPr>
+        <p:spPr>
+          <a:xfrm>
+            <a:off x="1524000" y="2565555"/>
+            <a:ext cx="9144000" cy="1219524"/>
+          </a:xfrm>
+          <a:prstGeom prst="rect">
+            <a:avLst/>
+          </a:prstGeom>
+        </p:spPr>
+        <p:txBody>
+          <a:bodyPr vert="horz" lIns="91440" tIns="45720" rIns="91440" bIns="45720" rtlCol="0" anchor="ctr">
+            <a:noAutofit/>
+          </a:bodyPr>
+          <a:lstStyle>
+            <a:lvl1pPr algn="l" defTabSz="914400" rtl="0" eaLnBrk="1" latinLnBrk="0" hangingPunct="1">
+              <a:lnSpc>
+                <a:spcPct val="90000"/>
+              </a:lnSpc>
+              <a:spcBef>
+                <a:spcPct val="0"/>
+              </a:spcBef>
+              <a:buNone/>
+              <a:defRPr sz="4400" kern="1200">
+                <a:solidFill>
+                  <a:schemeClr val="tx1"/>
+                </a:solidFill>
+                <a:latin typeface="+mj-lt"/>
+                <a:ea typeface="+mj-ea"/>
+                <a:cs typeface="+mj-cs"/>
+              </a:defRPr>
+            </a:lvl1pPr>
+          </a:lstStyle>
+          <a:p>
+            <a:pPr algn="ctr"/>
+            <a:r>
+              <a:rPr lang="en-US" sz="4000" b="1" dirty="0">
+                <a:latin typeface="Tw Cen MT" panose="020B0602020104020603" pitchFamily="34" charset="0"/>
+                <a:cs typeface="Arial" panose="020B0604020202020204" pitchFamily="34" charset="0"/>
+              </a:rPr>
+              <a:t>IMPLEMENTASI DAN PENGUJIAN</a:t>
+            </a:r>
+            <a:endParaRPr lang="en-US" sz="4000" dirty="0">
+              <a:latin typeface="Tw Cen MT" panose="020B0602020104020603" pitchFamily="34" charset="0"/>
+              <a:cs typeface="Arial" panose="020B0604020202020204" pitchFamily="34" charset="0"/>
+            </a:endParaRPr>
+          </a:p>
+        </p:txBody>
+      </p:sp>
+      <p:cxnSp>
+        <p:nvCxnSpPr>
+          <p:cNvPr id="22" name="Straight Connector 21">
+            <a:extLst>
+              <a:ext uri="{FF2B5EF4-FFF2-40B4-BE49-F238E27FC236}">
+                <a16:creationId xmlns:a16="http://schemas.microsoft.com/office/drawing/2014/main" id="{A3C3DF79-CF3A-4E66-A575-D5A7953A6CEB}"/>
+              </a:ext>
+            </a:extLst>
+          </p:cNvPr>
+          <p:cNvCxnSpPr>
+            <a:cxnSpLocks/>
+          </p:cNvCxnSpPr>
+          <p:nvPr/>
+        </p:nvCxnSpPr>
+        <p:spPr>
+          <a:xfrm>
+            <a:off x="4038600" y="2685677"/>
+            <a:ext cx="4124325" cy="0"/>
+          </a:xfrm>
+          <a:prstGeom prst="line">
+            <a:avLst/>
+          </a:prstGeom>
+          <a:ln w="19050">
+            <a:solidFill>
+              <a:srgbClr val="0067AC"/>
+            </a:solidFill>
+          </a:ln>
+        </p:spPr>
+        <p:style>
+          <a:lnRef idx="1">
+            <a:schemeClr val="accent1"/>
+          </a:lnRef>
+          <a:fillRef idx="0">
+            <a:schemeClr val="accent1"/>
+          </a:fillRef>
+          <a:effectRef idx="0">
+            <a:schemeClr val="accent1"/>
+          </a:effectRef>
+          <a:fontRef idx="minor">
+            <a:schemeClr val="tx1"/>
+          </a:fontRef>
+        </p:style>
+      </p:cxnSp>
+      <p:cxnSp>
+        <p:nvCxnSpPr>
+          <p:cNvPr id="25" name="Straight Connector 24">
+            <a:extLst>
+              <a:ext uri="{FF2B5EF4-FFF2-40B4-BE49-F238E27FC236}">
+                <a16:creationId xmlns:a16="http://schemas.microsoft.com/office/drawing/2014/main" id="{1AC35EEC-E10F-4CC7-B5D7-44E576C5CC6C}"/>
+              </a:ext>
+            </a:extLst>
+          </p:cNvPr>
+          <p:cNvCxnSpPr>
+            <a:cxnSpLocks/>
+          </p:cNvCxnSpPr>
+          <p:nvPr/>
+        </p:nvCxnSpPr>
+        <p:spPr>
+          <a:xfrm>
+            <a:off x="4033837" y="3590552"/>
+            <a:ext cx="4124325" cy="0"/>
+          </a:xfrm>
+          <a:prstGeom prst="line">
+            <a:avLst/>
+          </a:prstGeom>
+          <a:ln w="19050">
+            <a:solidFill>
+              <a:srgbClr val="0067AC"/>
+            </a:solidFill>
+          </a:ln>
+        </p:spPr>
+        <p:style>
+          <a:lnRef idx="1">
+            <a:schemeClr val="accent1"/>
+          </a:lnRef>
+          <a:fillRef idx="0">
+            <a:schemeClr val="accent1"/>
+          </a:fillRef>
+          <a:effectRef idx="0">
+            <a:schemeClr val="accent1"/>
+          </a:effectRef>
+          <a:fontRef idx="minor">
+            <a:schemeClr val="tx1"/>
+          </a:fontRef>
+        </p:style>
+      </p:cxnSp>
+      <p:sp>
+        <p:nvSpPr>
+          <p:cNvPr id="8" name="Footer Placeholder 4">
+            <a:extLst>
+              <a:ext uri="{FF2B5EF4-FFF2-40B4-BE49-F238E27FC236}">
+                <a16:creationId xmlns:a16="http://schemas.microsoft.com/office/drawing/2014/main" id="{DFEFA7AD-5B88-47F2-9729-DCA826FF3573}"/>
+              </a:ext>
+            </a:extLst>
+          </p:cNvPr>
+          <p:cNvSpPr>
+            <a:spLocks noGrp="1"/>
+          </p:cNvSpPr>
+          <p:nvPr>
+            <p:ph type="ftr" sz="quarter" idx="11"/>
+          </p:nvPr>
+        </p:nvSpPr>
+        <p:spPr>
+          <a:xfrm>
+            <a:off x="4038600" y="6356350"/>
+            <a:ext cx="4114800" cy="365125"/>
+          </a:xfrm>
+          <a:prstGeom prst="rect">
+            <a:avLst/>
+          </a:prstGeom>
+        </p:spPr>
+        <p:txBody>
+          <a:bodyPr/>
+          <a:lstStyle/>
+          <a:p>
+            <a:r>
+              <a:rPr lang="en-US" altLang="en-US">
+                <a:solidFill>
+                  <a:srgbClr val="002060"/>
+                </a:solidFill>
+                <a:latin typeface="Trebuchet MS" panose="020B0603020202020204" pitchFamily="34" charset="0"/>
+              </a:rPr>
+              <a:t>Tugas Akhir – IF184802</a:t>
+            </a:r>
+          </a:p>
+        </p:txBody>
+      </p:sp>
+    </p:spTree>
+    <p:extLst>
+      <p:ext uri="{BB962C8B-B14F-4D97-AF65-F5344CB8AC3E}">
+        <p14:creationId xmlns:p14="http://schemas.microsoft.com/office/powerpoint/2010/main" val="3628992264"/>
+      </p:ext>
+    </p:extLst>
+  </p:cSld>
+  <p:clrMapOvr>
+    <a:masterClrMapping/>
+  </p:clrMapOvr>
+  <mc:AlternateContent xmlns:mc="http://schemas.openxmlformats.org/markup-compatibility/2006" xmlns:p14="http://schemas.microsoft.com/office/powerpoint/2010/main">
+    <mc:Choice Requires="p14">
+      <p:transition spd="med" p14:dur="700">
+        <p:fade/>
+      </p:transition>
+    </mc:Choice>
+    <mc:Fallback xmlns="">
+      <p:transition spd="med">
+        <p:fade/>
+      </p:transition>
+    </mc:Fallback>
+  </mc:AlternateContent>
+</p:sld>
+</file>
+
+<file path=ppt/slides/slide23.xml><?xml version="1.0" encoding="utf-8"?>
+<p:sld xmlns:a="http://schemas.openxmlformats.org/drawingml/2006/main" xmlns:r="http://schemas.openxmlformats.org/officeDocument/2006/relationships" xmlns:p="http://schemas.openxmlformats.org/presentationml/2006/main">
+  <p:cSld>
+    <p:spTree>
+      <p:nvGrpSpPr>
+        <p:cNvPr id="1" name=""/>
+        <p:cNvGrpSpPr/>
+        <p:nvPr/>
+      </p:nvGrpSpPr>
+      <p:grpSpPr>
+        <a:xfrm>
+          <a:off x="0" y="0"/>
+          <a:ext cx="0" cy="0"/>
+          <a:chOff x="0" y="0"/>
+          <a:chExt cx="0" cy="0"/>
+        </a:xfrm>
+      </p:grpSpPr>
+      <p:pic>
+        <p:nvPicPr>
+          <p:cNvPr id="49" name="Picture 48">
+            <a:extLst>
+              <a:ext uri="{FF2B5EF4-FFF2-40B4-BE49-F238E27FC236}">
+                <a16:creationId xmlns:a16="http://schemas.microsoft.com/office/drawing/2014/main" id="{3DB88EB2-4959-4384-B606-6EC9735683D6}"/>
+              </a:ext>
+            </a:extLst>
+          </p:cNvPr>
+          <p:cNvPicPr>
+            <a:picLocks noChangeAspect="1"/>
+          </p:cNvPicPr>
+          <p:nvPr/>
+        </p:nvPicPr>
+        <p:blipFill>
+          <a:blip r:embed="rId3" cstate="print">
+            <a:extLst>
+              <a:ext uri="{28A0092B-C50C-407E-A947-70E740481C1C}">
+                <a14:useLocalDpi xmlns:a14="http://schemas.microsoft.com/office/drawing/2010/main" val="0"/>
+              </a:ext>
+            </a:extLst>
+          </a:blip>
+          <a:stretch>
+            <a:fillRect/>
+          </a:stretch>
+        </p:blipFill>
+        <p:spPr>
+          <a:xfrm>
+            <a:off x="84311" y="0"/>
+            <a:ext cx="1788262" cy="1152152"/>
+          </a:xfrm>
+          <a:prstGeom prst="rect">
+            <a:avLst/>
+          </a:prstGeom>
+        </p:spPr>
+      </p:pic>
+      <p:cxnSp>
+        <p:nvCxnSpPr>
+          <p:cNvPr id="51" name="Straight Connector 50">
+            <a:extLst>
+              <a:ext uri="{FF2B5EF4-FFF2-40B4-BE49-F238E27FC236}">
+                <a16:creationId xmlns:a16="http://schemas.microsoft.com/office/drawing/2014/main" id="{29B44FC3-C737-4B92-B1D0-AD232099FBDF}"/>
+              </a:ext>
+            </a:extLst>
+          </p:cNvPr>
+          <p:cNvCxnSpPr/>
+          <p:nvPr/>
+        </p:nvCxnSpPr>
+        <p:spPr>
+          <a:xfrm>
+            <a:off x="0" y="1228352"/>
+            <a:ext cx="12192000" cy="0"/>
+          </a:xfrm>
+          <a:prstGeom prst="line">
+            <a:avLst/>
+          </a:prstGeom>
+          <a:ln w="76200">
+            <a:solidFill>
+              <a:srgbClr val="0067AC"/>
+            </a:solidFill>
+          </a:ln>
+        </p:spPr>
+        <p:style>
+          <a:lnRef idx="1">
+            <a:schemeClr val="accent1"/>
+          </a:lnRef>
+          <a:fillRef idx="0">
+            <a:schemeClr val="accent1"/>
+          </a:fillRef>
+          <a:effectRef idx="0">
+            <a:schemeClr val="accent1"/>
+          </a:effectRef>
+          <a:fontRef idx="minor">
+            <a:schemeClr val="tx1"/>
+          </a:fontRef>
+        </p:style>
+      </p:cxnSp>
+      <p:sp>
+        <p:nvSpPr>
+          <p:cNvPr id="52" name="Title 1">
+            <a:extLst>
+              <a:ext uri="{FF2B5EF4-FFF2-40B4-BE49-F238E27FC236}">
+                <a16:creationId xmlns:a16="http://schemas.microsoft.com/office/drawing/2014/main" id="{2B8CDEBA-452A-4190-964B-37DF9F5C0EF5}"/>
+              </a:ext>
+            </a:extLst>
+          </p:cNvPr>
+          <p:cNvSpPr>
+            <a:spLocks noGrp="1"/>
+          </p:cNvSpPr>
+          <p:nvPr>
+            <p:ph type="title"/>
+          </p:nvPr>
+        </p:nvSpPr>
+        <p:spPr>
+          <a:xfrm>
+            <a:off x="1592089" y="192581"/>
+            <a:ext cx="10515600" cy="766989"/>
+          </a:xfrm>
+        </p:spPr>
+        <p:txBody>
+          <a:bodyPr>
+            <a:normAutofit fontScale="90000"/>
+          </a:bodyPr>
+          <a:lstStyle/>
+          <a:p>
+            <a:pPr algn="r">
+              <a:lnSpc>
+                <a:spcPct val="150000"/>
+              </a:lnSpc>
+              <a:buClr>
+                <a:srgbClr val="0067AC"/>
+              </a:buClr>
+            </a:pPr>
+            <a:r>
+              <a:rPr lang="en-US" dirty="0">
+                <a:latin typeface="Tw Cen MT" panose="020B0602020104020603" pitchFamily="34" charset="0"/>
+                <a:cs typeface="Arial" panose="020B0604020202020204" pitchFamily="34" charset="0"/>
+              </a:rPr>
+              <a:t>LINGKUNGAN IMPLEMENTASI DAN PENGUJIAN</a:t>
+            </a:r>
+          </a:p>
+        </p:txBody>
+      </p:sp>
+      <p:sp>
+        <p:nvSpPr>
+          <p:cNvPr id="53" name="Rectangle 52">
+            <a:extLst>
+              <a:ext uri="{FF2B5EF4-FFF2-40B4-BE49-F238E27FC236}">
+                <a16:creationId xmlns:a16="http://schemas.microsoft.com/office/drawing/2014/main" id="{A0FB1C80-C067-49CE-95A9-A233AADF262C}"/>
+              </a:ext>
+            </a:extLst>
+          </p:cNvPr>
+          <p:cNvSpPr/>
+          <p:nvPr/>
+        </p:nvSpPr>
+        <p:spPr>
+          <a:xfrm>
+            <a:off x="0" y="6372225"/>
+            <a:ext cx="12192000" cy="485775"/>
+          </a:xfrm>
+          <a:prstGeom prst="rect">
+            <a:avLst/>
+          </a:prstGeom>
+          <a:ln>
+            <a:solidFill>
+              <a:srgbClr val="0067AC"/>
+            </a:solidFill>
+          </a:ln>
+        </p:spPr>
+        <p:style>
+          <a:lnRef idx="2">
+            <a:schemeClr val="accent1">
+              <a:shade val="50000"/>
+            </a:schemeClr>
+          </a:lnRef>
+          <a:fillRef idx="1">
+            <a:schemeClr val="accent1"/>
+          </a:fillRef>
+          <a:effectRef idx="0">
+            <a:schemeClr val="accent1"/>
+          </a:effectRef>
+          <a:fontRef idx="minor">
+            <a:schemeClr val="lt1"/>
+          </a:fontRef>
+        </p:style>
+        <p:txBody>
+          <a:bodyPr rtlCol="0" anchor="ctr"/>
+          <a:lstStyle/>
+          <a:p>
+            <a:pPr algn="ctr"/>
+            <a:endParaRPr lang="en-US"/>
+          </a:p>
+        </p:txBody>
+      </p:sp>
+      <p:sp>
+        <p:nvSpPr>
+          <p:cNvPr id="54" name="Slide Number Placeholder 5">
+            <a:extLst>
+              <a:ext uri="{FF2B5EF4-FFF2-40B4-BE49-F238E27FC236}">
+                <a16:creationId xmlns:a16="http://schemas.microsoft.com/office/drawing/2014/main" id="{9AD941AF-6002-455E-B6E0-BA52F0663035}"/>
+              </a:ext>
+            </a:extLst>
+          </p:cNvPr>
+          <p:cNvSpPr>
+            <a:spLocks noGrp="1"/>
+          </p:cNvSpPr>
+          <p:nvPr>
+            <p:ph type="sldNum" sz="quarter" idx="12"/>
+          </p:nvPr>
+        </p:nvSpPr>
+        <p:spPr>
+          <a:xfrm>
+            <a:off x="9176659" y="6432549"/>
+            <a:ext cx="2743200" cy="365125"/>
+          </a:xfrm>
+        </p:spPr>
+        <p:txBody>
+          <a:bodyPr/>
+          <a:lstStyle/>
+          <a:p>
+            <a:fld id="{F98B6361-BA1B-450B-B962-29ABDD099519}" type="slidenum">
+              <a:rPr lang="en-US" sz="2000" smtClean="0">
+                <a:solidFill>
+                  <a:schemeClr val="bg1"/>
+                </a:solidFill>
+                <a:latin typeface="Tw Cen MT" panose="020B0602020104020603" pitchFamily="34" charset="0"/>
+              </a:rPr>
+              <a:pPr/>
+              <a:t>23</a:t>
             </a:fld>
             <a:endParaRPr lang="en-US" sz="2000">
               <a:solidFill>
@@ -30454,7 +31150,7 @@
 </p:sld>
 </file>
 
-<file path=ppt/slides/slide22.xml><?xml version="1.0" encoding="utf-8"?>
+<file path=ppt/slides/slide24.xml><?xml version="1.0" encoding="utf-8"?>
 <p:sld xmlns:a="http://schemas.openxmlformats.org/drawingml/2006/main" xmlns:r="http://schemas.openxmlformats.org/officeDocument/2006/relationships" xmlns:p="http://schemas.openxmlformats.org/presentationml/2006/main">
   <p:cSld>
     <p:spTree>
@@ -30679,7 +31375,7 @@
                 <a:latin typeface="Tw Cen MT" panose="020B0602020104020603" pitchFamily="34" charset="0"/>
               </a:rPr>
               <a:pPr/>
-              <a:t>22</a:t>
+              <a:t>24</a:t>
             </a:fld>
             <a:endParaRPr lang="en-US" sz="2000">
               <a:solidFill>
@@ -30879,7 +31575,7 @@
 </p:sld>
 </file>
 
-<file path=ppt/slides/slide23.xml><?xml version="1.0" encoding="utf-8"?>
+<file path=ppt/slides/slide25.xml><?xml version="1.0" encoding="utf-8"?>
 <p:sld xmlns:a="http://schemas.openxmlformats.org/drawingml/2006/main" xmlns:r="http://schemas.openxmlformats.org/officeDocument/2006/relationships" xmlns:p="http://schemas.openxmlformats.org/presentationml/2006/main">
   <p:cSld>
     <p:spTree>
@@ -31104,7 +31800,7 @@
                 <a:latin typeface="Tw Cen MT" panose="020B0602020104020603" pitchFamily="34" charset="0"/>
               </a:rPr>
               <a:pPr/>
-              <a:t>23</a:t>
+              <a:t>25</a:t>
             </a:fld>
             <a:endParaRPr lang="en-US" sz="2000">
               <a:solidFill>
@@ -31237,7 +31933,7 @@
 </p:sld>
 </file>
 
-<file path=ppt/slides/slide24.xml><?xml version="1.0" encoding="utf-8"?>
+<file path=ppt/slides/slide26.xml><?xml version="1.0" encoding="utf-8"?>
 <p:sld xmlns:a="http://schemas.openxmlformats.org/drawingml/2006/main" xmlns:r="http://schemas.openxmlformats.org/officeDocument/2006/relationships" xmlns:p="http://schemas.openxmlformats.org/presentationml/2006/main">
   <p:cSld>
     <p:spTree>
@@ -31462,7 +32158,7 @@
                 <a:latin typeface="Tw Cen MT" panose="020B0602020104020603" pitchFamily="34" charset="0"/>
               </a:rPr>
               <a:pPr/>
-              <a:t>24</a:t>
+              <a:t>26</a:t>
             </a:fld>
             <a:endParaRPr lang="en-US" sz="2000">
               <a:solidFill>
@@ -31567,7 +32263,7 @@
 </p:sld>
 </file>
 
-<file path=ppt/slides/slide25.xml><?xml version="1.0" encoding="utf-8"?>
+<file path=ppt/slides/slide27.xml><?xml version="1.0" encoding="utf-8"?>
 <p:sld xmlns:a="http://schemas.openxmlformats.org/drawingml/2006/main" xmlns:r="http://schemas.openxmlformats.org/officeDocument/2006/relationships" xmlns:p="http://schemas.openxmlformats.org/presentationml/2006/main">
   <p:cSld>
     <p:spTree>
@@ -31792,7 +32488,7 @@
                 <a:latin typeface="Tw Cen MT" panose="020B0602020104020603" pitchFamily="34" charset="0"/>
               </a:rPr>
               <a:pPr/>
-              <a:t>25</a:t>
+              <a:t>27</a:t>
             </a:fld>
             <a:endParaRPr lang="en-US" sz="2000">
               <a:solidFill>
@@ -31953,7 +32649,7 @@
 </p:sld>
 </file>
 
-<file path=ppt/slides/slide26.xml><?xml version="1.0" encoding="utf-8"?>
+<file path=ppt/slides/slide28.xml><?xml version="1.0" encoding="utf-8"?>
 <p:sld xmlns:a="http://schemas.openxmlformats.org/drawingml/2006/main" xmlns:r="http://schemas.openxmlformats.org/officeDocument/2006/relationships" xmlns:p="http://schemas.openxmlformats.org/presentationml/2006/main">
   <p:cSld>
     <p:spTree>
@@ -32178,7 +32874,7 @@
                 <a:latin typeface="Tw Cen MT" panose="020B0602020104020603" pitchFamily="34" charset="0"/>
               </a:rPr>
               <a:pPr/>
-              <a:t>26</a:t>
+              <a:t>28</a:t>
             </a:fld>
             <a:endParaRPr lang="en-US" sz="2000">
               <a:solidFill>
@@ -32311,7 +33007,7 @@
 </p:sld>
 </file>
 
-<file path=ppt/slides/slide27.xml><?xml version="1.0" encoding="utf-8"?>
+<file path=ppt/slides/slide29.xml><?xml version="1.0" encoding="utf-8"?>
 <p:sld xmlns:a="http://schemas.openxmlformats.org/drawingml/2006/main" xmlns:r="http://schemas.openxmlformats.org/officeDocument/2006/relationships" xmlns:p="http://schemas.openxmlformats.org/presentationml/2006/main">
   <p:cSld>
     <p:spTree>
@@ -32536,7 +33232,7 @@
                 <a:latin typeface="Tw Cen MT" panose="020B0602020104020603" pitchFamily="34" charset="0"/>
               </a:rPr>
               <a:pPr/>
-              <a:t>27</a:t>
+              <a:t>29</a:t>
             </a:fld>
             <a:endParaRPr lang="en-US" sz="2000">
               <a:solidFill>
@@ -32648,748 +33344,6 @@
     <p:extLst>
       <p:ext uri="{BB962C8B-B14F-4D97-AF65-F5344CB8AC3E}">
         <p14:creationId xmlns:p14="http://schemas.microsoft.com/office/powerpoint/2010/main" val="358010132"/>
-      </p:ext>
-    </p:extLst>
-  </p:cSld>
-  <p:clrMapOvr>
-    <a:masterClrMapping/>
-  </p:clrMapOvr>
-  <mc:AlternateContent xmlns:mc="http://schemas.openxmlformats.org/markup-compatibility/2006" xmlns:p14="http://schemas.microsoft.com/office/powerpoint/2010/main">
-    <mc:Choice Requires="p14">
-      <p:transition spd="med" p14:dur="700">
-        <p:fade/>
-      </p:transition>
-    </mc:Choice>
-    <mc:Fallback xmlns="">
-      <p:transition spd="med">
-        <p:fade/>
-      </p:transition>
-    </mc:Fallback>
-  </mc:AlternateContent>
-</p:sld>
-</file>
-
-<file path=ppt/slides/slide28.xml><?xml version="1.0" encoding="utf-8"?>
-<p:sld xmlns:a="http://schemas.openxmlformats.org/drawingml/2006/main" xmlns:r="http://schemas.openxmlformats.org/officeDocument/2006/relationships" xmlns:p="http://schemas.openxmlformats.org/presentationml/2006/main">
-  <p:cSld>
-    <p:spTree>
-      <p:nvGrpSpPr>
-        <p:cNvPr id="1" name=""/>
-        <p:cNvGrpSpPr/>
-        <p:nvPr/>
-      </p:nvGrpSpPr>
-      <p:grpSpPr>
-        <a:xfrm>
-          <a:off x="0" y="0"/>
-          <a:ext cx="0" cy="0"/>
-          <a:chOff x="0" y="0"/>
-          <a:chExt cx="0" cy="0"/>
-        </a:xfrm>
-      </p:grpSpPr>
-      <p:pic>
-        <p:nvPicPr>
-          <p:cNvPr id="49" name="Picture 48">
-            <a:extLst>
-              <a:ext uri="{FF2B5EF4-FFF2-40B4-BE49-F238E27FC236}">
-                <a16:creationId xmlns:a16="http://schemas.microsoft.com/office/drawing/2014/main" id="{3DB88EB2-4959-4384-B606-6EC9735683D6}"/>
-              </a:ext>
-            </a:extLst>
-          </p:cNvPr>
-          <p:cNvPicPr>
-            <a:picLocks noChangeAspect="1"/>
-          </p:cNvPicPr>
-          <p:nvPr/>
-        </p:nvPicPr>
-        <p:blipFill>
-          <a:blip r:embed="rId3" cstate="print">
-            <a:extLst>
-              <a:ext uri="{28A0092B-C50C-407E-A947-70E740481C1C}">
-                <a14:useLocalDpi xmlns:a14="http://schemas.microsoft.com/office/drawing/2010/main" val="0"/>
-              </a:ext>
-            </a:extLst>
-          </a:blip>
-          <a:stretch>
-            <a:fillRect/>
-          </a:stretch>
-        </p:blipFill>
-        <p:spPr>
-          <a:xfrm>
-            <a:off x="84311" y="0"/>
-            <a:ext cx="1788262" cy="1152152"/>
-          </a:xfrm>
-          <a:prstGeom prst="rect">
-            <a:avLst/>
-          </a:prstGeom>
-        </p:spPr>
-      </p:pic>
-      <p:cxnSp>
-        <p:nvCxnSpPr>
-          <p:cNvPr id="51" name="Straight Connector 50">
-            <a:extLst>
-              <a:ext uri="{FF2B5EF4-FFF2-40B4-BE49-F238E27FC236}">
-                <a16:creationId xmlns:a16="http://schemas.microsoft.com/office/drawing/2014/main" id="{29B44FC3-C737-4B92-B1D0-AD232099FBDF}"/>
-              </a:ext>
-            </a:extLst>
-          </p:cNvPr>
-          <p:cNvCxnSpPr/>
-          <p:nvPr/>
-        </p:nvCxnSpPr>
-        <p:spPr>
-          <a:xfrm>
-            <a:off x="0" y="1228352"/>
-            <a:ext cx="12192000" cy="0"/>
-          </a:xfrm>
-          <a:prstGeom prst="line">
-            <a:avLst/>
-          </a:prstGeom>
-          <a:ln w="76200">
-            <a:solidFill>
-              <a:srgbClr val="0067AC"/>
-            </a:solidFill>
-          </a:ln>
-        </p:spPr>
-        <p:style>
-          <a:lnRef idx="1">
-            <a:schemeClr val="accent1"/>
-          </a:lnRef>
-          <a:fillRef idx="0">
-            <a:schemeClr val="accent1"/>
-          </a:fillRef>
-          <a:effectRef idx="0">
-            <a:schemeClr val="accent1"/>
-          </a:effectRef>
-          <a:fontRef idx="minor">
-            <a:schemeClr val="tx1"/>
-          </a:fontRef>
-        </p:style>
-      </p:cxnSp>
-      <p:sp>
-        <p:nvSpPr>
-          <p:cNvPr id="52" name="Title 1">
-            <a:extLst>
-              <a:ext uri="{FF2B5EF4-FFF2-40B4-BE49-F238E27FC236}">
-                <a16:creationId xmlns:a16="http://schemas.microsoft.com/office/drawing/2014/main" id="{2B8CDEBA-452A-4190-964B-37DF9F5C0EF5}"/>
-              </a:ext>
-            </a:extLst>
-          </p:cNvPr>
-          <p:cNvSpPr>
-            <a:spLocks noGrp="1"/>
-          </p:cNvSpPr>
-          <p:nvPr>
-            <p:ph type="title"/>
-          </p:nvPr>
-        </p:nvSpPr>
-        <p:spPr>
-          <a:xfrm>
-            <a:off x="1592089" y="192581"/>
-            <a:ext cx="10515600" cy="766989"/>
-          </a:xfrm>
-        </p:spPr>
-        <p:txBody>
-          <a:bodyPr>
-            <a:normAutofit fontScale="90000"/>
-          </a:bodyPr>
-          <a:lstStyle/>
-          <a:p>
-            <a:pPr algn="r">
-              <a:lnSpc>
-                <a:spcPct val="150000"/>
-              </a:lnSpc>
-              <a:buClr>
-                <a:srgbClr val="0067AC"/>
-              </a:buClr>
-            </a:pPr>
-            <a:r>
-              <a:rPr lang="en-US" dirty="0">
-                <a:latin typeface="Tw Cen MT" panose="020B0602020104020603" pitchFamily="34" charset="0"/>
-                <a:cs typeface="Arial" panose="020B0604020202020204" pitchFamily="34" charset="0"/>
-              </a:rPr>
-              <a:t>PENGUJIAN RECOVERY FILE</a:t>
-            </a:r>
-          </a:p>
-        </p:txBody>
-      </p:sp>
-      <p:sp>
-        <p:nvSpPr>
-          <p:cNvPr id="53" name="Rectangle 52">
-            <a:extLst>
-              <a:ext uri="{FF2B5EF4-FFF2-40B4-BE49-F238E27FC236}">
-                <a16:creationId xmlns:a16="http://schemas.microsoft.com/office/drawing/2014/main" id="{A0FB1C80-C067-49CE-95A9-A233AADF262C}"/>
-              </a:ext>
-            </a:extLst>
-          </p:cNvPr>
-          <p:cNvSpPr/>
-          <p:nvPr/>
-        </p:nvSpPr>
-        <p:spPr>
-          <a:xfrm>
-            <a:off x="0" y="6372225"/>
-            <a:ext cx="12192000" cy="485775"/>
-          </a:xfrm>
-          <a:prstGeom prst="rect">
-            <a:avLst/>
-          </a:prstGeom>
-          <a:ln>
-            <a:solidFill>
-              <a:srgbClr val="0067AC"/>
-            </a:solidFill>
-          </a:ln>
-        </p:spPr>
-        <p:style>
-          <a:lnRef idx="2">
-            <a:schemeClr val="accent1">
-              <a:shade val="50000"/>
-            </a:schemeClr>
-          </a:lnRef>
-          <a:fillRef idx="1">
-            <a:schemeClr val="accent1"/>
-          </a:fillRef>
-          <a:effectRef idx="0">
-            <a:schemeClr val="accent1"/>
-          </a:effectRef>
-          <a:fontRef idx="minor">
-            <a:schemeClr val="lt1"/>
-          </a:fontRef>
-        </p:style>
-        <p:txBody>
-          <a:bodyPr rtlCol="0" anchor="ctr"/>
-          <a:lstStyle/>
-          <a:p>
-            <a:pPr algn="ctr"/>
-            <a:endParaRPr lang="en-US"/>
-          </a:p>
-        </p:txBody>
-      </p:sp>
-      <p:sp>
-        <p:nvSpPr>
-          <p:cNvPr id="54" name="Slide Number Placeholder 5">
-            <a:extLst>
-              <a:ext uri="{FF2B5EF4-FFF2-40B4-BE49-F238E27FC236}">
-                <a16:creationId xmlns:a16="http://schemas.microsoft.com/office/drawing/2014/main" id="{9AD941AF-6002-455E-B6E0-BA52F0663035}"/>
-              </a:ext>
-            </a:extLst>
-          </p:cNvPr>
-          <p:cNvSpPr>
-            <a:spLocks noGrp="1"/>
-          </p:cNvSpPr>
-          <p:nvPr>
-            <p:ph type="sldNum" sz="quarter" idx="12"/>
-          </p:nvPr>
-        </p:nvSpPr>
-        <p:spPr>
-          <a:xfrm>
-            <a:off x="9176659" y="6432549"/>
-            <a:ext cx="2743200" cy="365125"/>
-          </a:xfrm>
-        </p:spPr>
-        <p:txBody>
-          <a:bodyPr/>
-          <a:lstStyle/>
-          <a:p>
-            <a:fld id="{F98B6361-BA1B-450B-B962-29ABDD099519}" type="slidenum">
-              <a:rPr lang="en-US" sz="2000" smtClean="0">
-                <a:solidFill>
-                  <a:schemeClr val="bg1"/>
-                </a:solidFill>
-                <a:latin typeface="Tw Cen MT" panose="020B0602020104020603" pitchFamily="34" charset="0"/>
-              </a:rPr>
-              <a:pPr/>
-              <a:t>28</a:t>
-            </a:fld>
-            <a:endParaRPr lang="en-US" sz="2000">
-              <a:solidFill>
-                <a:schemeClr val="bg1"/>
-              </a:solidFill>
-              <a:latin typeface="Tw Cen MT" panose="020B0602020104020603" pitchFamily="34" charset="0"/>
-            </a:endParaRPr>
-          </a:p>
-        </p:txBody>
-      </p:sp>
-      <p:sp>
-        <p:nvSpPr>
-          <p:cNvPr id="27" name="Footer Placeholder 4">
-            <a:extLst>
-              <a:ext uri="{FF2B5EF4-FFF2-40B4-BE49-F238E27FC236}">
-                <a16:creationId xmlns:a16="http://schemas.microsoft.com/office/drawing/2014/main" id="{C737CB17-8456-42DD-A146-3C0168AABCA7}"/>
-              </a:ext>
-            </a:extLst>
-          </p:cNvPr>
-          <p:cNvSpPr>
-            <a:spLocks noGrp="1"/>
-          </p:cNvSpPr>
-          <p:nvPr>
-            <p:ph type="ftr" sz="quarter" idx="11"/>
-          </p:nvPr>
-        </p:nvSpPr>
-        <p:spPr>
-          <a:xfrm>
-            <a:off x="4038600" y="6356350"/>
-            <a:ext cx="4114800" cy="365125"/>
-          </a:xfrm>
-          <a:prstGeom prst="rect">
-            <a:avLst/>
-          </a:prstGeom>
-        </p:spPr>
-        <p:txBody>
-          <a:bodyPr/>
-          <a:lstStyle/>
-          <a:p>
-            <a:r>
-              <a:rPr lang="en-US" altLang="en-US">
-                <a:solidFill>
-                  <a:schemeClr val="bg1"/>
-                </a:solidFill>
-                <a:latin typeface="Trebuchet MS" panose="020B0603020202020204" pitchFamily="34" charset="0"/>
-              </a:rPr>
-              <a:t>Tugas Akhir – IF184802</a:t>
-            </a:r>
-          </a:p>
-        </p:txBody>
-      </p:sp>
-      <p:pic>
-        <p:nvPicPr>
-          <p:cNvPr id="8" name="Picture 7">
-            <a:extLst>
-              <a:ext uri="{FF2B5EF4-FFF2-40B4-BE49-F238E27FC236}">
-                <a16:creationId xmlns:a16="http://schemas.microsoft.com/office/drawing/2014/main" id="{D413E95D-6A5F-46F1-9203-4C7BD2BCD676}"/>
-              </a:ext>
-            </a:extLst>
-          </p:cNvPr>
-          <p:cNvPicPr/>
-          <p:nvPr/>
-        </p:nvPicPr>
-        <p:blipFill>
-          <a:blip r:embed="rId4"/>
-          <a:stretch>
-            <a:fillRect/>
-          </a:stretch>
-        </p:blipFill>
-        <p:spPr>
-          <a:xfrm>
-            <a:off x="2763520" y="1963102"/>
-            <a:ext cx="5877560" cy="703826"/>
-          </a:xfrm>
-          <a:prstGeom prst="rect">
-            <a:avLst/>
-          </a:prstGeom>
-        </p:spPr>
-      </p:pic>
-    </p:spTree>
-    <p:extLst>
-      <p:ext uri="{BB962C8B-B14F-4D97-AF65-F5344CB8AC3E}">
-        <p14:creationId xmlns:p14="http://schemas.microsoft.com/office/powerpoint/2010/main" val="525494170"/>
-      </p:ext>
-    </p:extLst>
-  </p:cSld>
-  <p:clrMapOvr>
-    <a:masterClrMapping/>
-  </p:clrMapOvr>
-  <mc:AlternateContent xmlns:mc="http://schemas.openxmlformats.org/markup-compatibility/2006" xmlns:p14="http://schemas.microsoft.com/office/powerpoint/2010/main">
-    <mc:Choice Requires="p14">
-      <p:transition spd="med" p14:dur="700">
-        <p:fade/>
-      </p:transition>
-    </mc:Choice>
-    <mc:Fallback xmlns="">
-      <p:transition spd="med">
-        <p:fade/>
-      </p:transition>
-    </mc:Fallback>
-  </mc:AlternateContent>
-</p:sld>
-</file>
-
-<file path=ppt/slides/slide29.xml><?xml version="1.0" encoding="utf-8"?>
-<p:sld xmlns:a="http://schemas.openxmlformats.org/drawingml/2006/main" xmlns:r="http://schemas.openxmlformats.org/officeDocument/2006/relationships" xmlns:p="http://schemas.openxmlformats.org/presentationml/2006/main">
-  <p:cSld>
-    <p:spTree>
-      <p:nvGrpSpPr>
-        <p:cNvPr id="1" name=""/>
-        <p:cNvGrpSpPr/>
-        <p:nvPr/>
-      </p:nvGrpSpPr>
-      <p:grpSpPr>
-        <a:xfrm>
-          <a:off x="0" y="0"/>
-          <a:ext cx="0" cy="0"/>
-          <a:chOff x="0" y="0"/>
-          <a:chExt cx="0" cy="0"/>
-        </a:xfrm>
-      </p:grpSpPr>
-      <p:pic>
-        <p:nvPicPr>
-          <p:cNvPr id="49" name="Picture 48">
-            <a:extLst>
-              <a:ext uri="{FF2B5EF4-FFF2-40B4-BE49-F238E27FC236}">
-                <a16:creationId xmlns:a16="http://schemas.microsoft.com/office/drawing/2014/main" id="{3DB88EB2-4959-4384-B606-6EC9735683D6}"/>
-              </a:ext>
-            </a:extLst>
-          </p:cNvPr>
-          <p:cNvPicPr>
-            <a:picLocks noChangeAspect="1"/>
-          </p:cNvPicPr>
-          <p:nvPr/>
-        </p:nvPicPr>
-        <p:blipFill>
-          <a:blip r:embed="rId3" cstate="print">
-            <a:extLst>
-              <a:ext uri="{28A0092B-C50C-407E-A947-70E740481C1C}">
-                <a14:useLocalDpi xmlns:a14="http://schemas.microsoft.com/office/drawing/2010/main" val="0"/>
-              </a:ext>
-            </a:extLst>
-          </a:blip>
-          <a:stretch>
-            <a:fillRect/>
-          </a:stretch>
-        </p:blipFill>
-        <p:spPr>
-          <a:xfrm>
-            <a:off x="84311" y="0"/>
-            <a:ext cx="1788262" cy="1152152"/>
-          </a:xfrm>
-          <a:prstGeom prst="rect">
-            <a:avLst/>
-          </a:prstGeom>
-        </p:spPr>
-      </p:pic>
-      <p:cxnSp>
-        <p:nvCxnSpPr>
-          <p:cNvPr id="51" name="Straight Connector 50">
-            <a:extLst>
-              <a:ext uri="{FF2B5EF4-FFF2-40B4-BE49-F238E27FC236}">
-                <a16:creationId xmlns:a16="http://schemas.microsoft.com/office/drawing/2014/main" id="{29B44FC3-C737-4B92-B1D0-AD232099FBDF}"/>
-              </a:ext>
-            </a:extLst>
-          </p:cNvPr>
-          <p:cNvCxnSpPr/>
-          <p:nvPr/>
-        </p:nvCxnSpPr>
-        <p:spPr>
-          <a:xfrm>
-            <a:off x="0" y="1228352"/>
-            <a:ext cx="12192000" cy="0"/>
-          </a:xfrm>
-          <a:prstGeom prst="line">
-            <a:avLst/>
-          </a:prstGeom>
-          <a:ln w="76200">
-            <a:solidFill>
-              <a:srgbClr val="0067AC"/>
-            </a:solidFill>
-          </a:ln>
-        </p:spPr>
-        <p:style>
-          <a:lnRef idx="1">
-            <a:schemeClr val="accent1"/>
-          </a:lnRef>
-          <a:fillRef idx="0">
-            <a:schemeClr val="accent1"/>
-          </a:fillRef>
-          <a:effectRef idx="0">
-            <a:schemeClr val="accent1"/>
-          </a:effectRef>
-          <a:fontRef idx="minor">
-            <a:schemeClr val="tx1"/>
-          </a:fontRef>
-        </p:style>
-      </p:cxnSp>
-      <p:sp>
-        <p:nvSpPr>
-          <p:cNvPr id="52" name="Title 1">
-            <a:extLst>
-              <a:ext uri="{FF2B5EF4-FFF2-40B4-BE49-F238E27FC236}">
-                <a16:creationId xmlns:a16="http://schemas.microsoft.com/office/drawing/2014/main" id="{2B8CDEBA-452A-4190-964B-37DF9F5C0EF5}"/>
-              </a:ext>
-            </a:extLst>
-          </p:cNvPr>
-          <p:cNvSpPr>
-            <a:spLocks noGrp="1"/>
-          </p:cNvSpPr>
-          <p:nvPr>
-            <p:ph type="title"/>
-          </p:nvPr>
-        </p:nvSpPr>
-        <p:spPr>
-          <a:xfrm>
-            <a:off x="1592089" y="192581"/>
-            <a:ext cx="10515600" cy="766989"/>
-          </a:xfrm>
-        </p:spPr>
-        <p:txBody>
-          <a:bodyPr>
-            <a:normAutofit fontScale="90000"/>
-          </a:bodyPr>
-          <a:lstStyle/>
-          <a:p>
-            <a:pPr algn="r">
-              <a:lnSpc>
-                <a:spcPct val="150000"/>
-              </a:lnSpc>
-              <a:buClr>
-                <a:srgbClr val="0067AC"/>
-              </a:buClr>
-            </a:pPr>
-            <a:r>
-              <a:rPr lang="en-US" dirty="0">
-                <a:latin typeface="Tw Cen MT" panose="020B0602020104020603" pitchFamily="34" charset="0"/>
-                <a:cs typeface="Arial" panose="020B0604020202020204" pitchFamily="34" charset="0"/>
-              </a:rPr>
-              <a:t>PENGUJIAN RECOVERY FILE</a:t>
-            </a:r>
-          </a:p>
-        </p:txBody>
-      </p:sp>
-      <p:sp>
-        <p:nvSpPr>
-          <p:cNvPr id="53" name="Rectangle 52">
-            <a:extLst>
-              <a:ext uri="{FF2B5EF4-FFF2-40B4-BE49-F238E27FC236}">
-                <a16:creationId xmlns:a16="http://schemas.microsoft.com/office/drawing/2014/main" id="{A0FB1C80-C067-49CE-95A9-A233AADF262C}"/>
-              </a:ext>
-            </a:extLst>
-          </p:cNvPr>
-          <p:cNvSpPr/>
-          <p:nvPr/>
-        </p:nvSpPr>
-        <p:spPr>
-          <a:xfrm>
-            <a:off x="0" y="6372225"/>
-            <a:ext cx="12192000" cy="485775"/>
-          </a:xfrm>
-          <a:prstGeom prst="rect">
-            <a:avLst/>
-          </a:prstGeom>
-          <a:ln>
-            <a:solidFill>
-              <a:srgbClr val="0067AC"/>
-            </a:solidFill>
-          </a:ln>
-        </p:spPr>
-        <p:style>
-          <a:lnRef idx="2">
-            <a:schemeClr val="accent1">
-              <a:shade val="50000"/>
-            </a:schemeClr>
-          </a:lnRef>
-          <a:fillRef idx="1">
-            <a:schemeClr val="accent1"/>
-          </a:fillRef>
-          <a:effectRef idx="0">
-            <a:schemeClr val="accent1"/>
-          </a:effectRef>
-          <a:fontRef idx="minor">
-            <a:schemeClr val="lt1"/>
-          </a:fontRef>
-        </p:style>
-        <p:txBody>
-          <a:bodyPr rtlCol="0" anchor="ctr"/>
-          <a:lstStyle/>
-          <a:p>
-            <a:pPr algn="ctr"/>
-            <a:endParaRPr lang="en-US"/>
-          </a:p>
-        </p:txBody>
-      </p:sp>
-      <p:sp>
-        <p:nvSpPr>
-          <p:cNvPr id="54" name="Slide Number Placeholder 5">
-            <a:extLst>
-              <a:ext uri="{FF2B5EF4-FFF2-40B4-BE49-F238E27FC236}">
-                <a16:creationId xmlns:a16="http://schemas.microsoft.com/office/drawing/2014/main" id="{9AD941AF-6002-455E-B6E0-BA52F0663035}"/>
-              </a:ext>
-            </a:extLst>
-          </p:cNvPr>
-          <p:cNvSpPr>
-            <a:spLocks noGrp="1"/>
-          </p:cNvSpPr>
-          <p:nvPr>
-            <p:ph type="sldNum" sz="quarter" idx="12"/>
-          </p:nvPr>
-        </p:nvSpPr>
-        <p:spPr>
-          <a:xfrm>
-            <a:off x="9176659" y="6432549"/>
-            <a:ext cx="2743200" cy="365125"/>
-          </a:xfrm>
-        </p:spPr>
-        <p:txBody>
-          <a:bodyPr/>
-          <a:lstStyle/>
-          <a:p>
-            <a:fld id="{F98B6361-BA1B-450B-B962-29ABDD099519}" type="slidenum">
-              <a:rPr lang="en-US" sz="2000" smtClean="0">
-                <a:solidFill>
-                  <a:schemeClr val="bg1"/>
-                </a:solidFill>
-                <a:latin typeface="Tw Cen MT" panose="020B0602020104020603" pitchFamily="34" charset="0"/>
-              </a:rPr>
-              <a:pPr/>
-              <a:t>29</a:t>
-            </a:fld>
-            <a:endParaRPr lang="en-US" sz="2000">
-              <a:solidFill>
-                <a:schemeClr val="bg1"/>
-              </a:solidFill>
-              <a:latin typeface="Tw Cen MT" panose="020B0602020104020603" pitchFamily="34" charset="0"/>
-            </a:endParaRPr>
-          </a:p>
-        </p:txBody>
-      </p:sp>
-      <p:sp>
-        <p:nvSpPr>
-          <p:cNvPr id="27" name="Footer Placeholder 4">
-            <a:extLst>
-              <a:ext uri="{FF2B5EF4-FFF2-40B4-BE49-F238E27FC236}">
-                <a16:creationId xmlns:a16="http://schemas.microsoft.com/office/drawing/2014/main" id="{C737CB17-8456-42DD-A146-3C0168AABCA7}"/>
-              </a:ext>
-            </a:extLst>
-          </p:cNvPr>
-          <p:cNvSpPr>
-            <a:spLocks noGrp="1"/>
-          </p:cNvSpPr>
-          <p:nvPr>
-            <p:ph type="ftr" sz="quarter" idx="11"/>
-          </p:nvPr>
-        </p:nvSpPr>
-        <p:spPr>
-          <a:xfrm>
-            <a:off x="4038600" y="6356350"/>
-            <a:ext cx="4114800" cy="365125"/>
-          </a:xfrm>
-          <a:prstGeom prst="rect">
-            <a:avLst/>
-          </a:prstGeom>
-        </p:spPr>
-        <p:txBody>
-          <a:bodyPr/>
-          <a:lstStyle/>
-          <a:p>
-            <a:r>
-              <a:rPr lang="en-US" altLang="en-US">
-                <a:solidFill>
-                  <a:schemeClr val="bg1"/>
-                </a:solidFill>
-                <a:latin typeface="Trebuchet MS" panose="020B0603020202020204" pitchFamily="34" charset="0"/>
-              </a:rPr>
-              <a:t>Tugas Akhir – IF184802</a:t>
-            </a:r>
-          </a:p>
-        </p:txBody>
-      </p:sp>
-      <p:sp>
-        <p:nvSpPr>
-          <p:cNvPr id="3" name="Rectangle 2">
-            <a:extLst>
-              <a:ext uri="{FF2B5EF4-FFF2-40B4-BE49-F238E27FC236}">
-                <a16:creationId xmlns:a16="http://schemas.microsoft.com/office/drawing/2014/main" id="{61CEC4BC-A983-4A99-B9EE-7559F890611D}"/>
-              </a:ext>
-            </a:extLst>
-          </p:cNvPr>
-          <p:cNvSpPr/>
-          <p:nvPr/>
-        </p:nvSpPr>
-        <p:spPr>
-          <a:xfrm>
-            <a:off x="519249" y="1725735"/>
-            <a:ext cx="11153501" cy="369332"/>
-          </a:xfrm>
-          <a:prstGeom prst="rect">
-            <a:avLst/>
-          </a:prstGeom>
-        </p:spPr>
-        <p:txBody>
-          <a:bodyPr wrap="square">
-            <a:spAutoFit/>
-          </a:bodyPr>
-          <a:lstStyle/>
-          <a:p>
-            <a:r>
-              <a:rPr lang="en-US" dirty="0" err="1">
-                <a:latin typeface="Consolas" panose="020B0609020204030204" pitchFamily="49" charset="0"/>
-              </a:rPr>
-              <a:t>mysqldump</a:t>
-            </a:r>
-            <a:r>
-              <a:rPr lang="en-US" dirty="0">
-                <a:latin typeface="Consolas" panose="020B0609020204030204" pitchFamily="49" charset="0"/>
-              </a:rPr>
-              <a:t> -u [user] --password=[password] [database] &gt; /path/to/save/[filename].</a:t>
-            </a:r>
-            <a:r>
-              <a:rPr lang="en-US" dirty="0" err="1">
-                <a:latin typeface="Consolas" panose="020B0609020204030204" pitchFamily="49" charset="0"/>
-              </a:rPr>
-              <a:t>sql</a:t>
-            </a:r>
-            <a:r>
-              <a:rPr lang="en-US" dirty="0">
-                <a:latin typeface="Consolas" panose="020B0609020204030204" pitchFamily="49" charset="0"/>
-              </a:rPr>
-              <a:t> </a:t>
-            </a:r>
-          </a:p>
-        </p:txBody>
-      </p:sp>
-      <p:pic>
-        <p:nvPicPr>
-          <p:cNvPr id="10" name="Picture 9">
-            <a:extLst>
-              <a:ext uri="{FF2B5EF4-FFF2-40B4-BE49-F238E27FC236}">
-                <a16:creationId xmlns:a16="http://schemas.microsoft.com/office/drawing/2014/main" id="{49CB0098-962C-4460-81CE-531658C9BBF9}"/>
-              </a:ext>
-            </a:extLst>
-          </p:cNvPr>
-          <p:cNvPicPr/>
-          <p:nvPr/>
-        </p:nvPicPr>
-        <p:blipFill>
-          <a:blip r:embed="rId4"/>
-          <a:stretch>
-            <a:fillRect/>
-          </a:stretch>
-        </p:blipFill>
-        <p:spPr>
-          <a:xfrm>
-            <a:off x="1087120" y="2542524"/>
-            <a:ext cx="7430950" cy="365125"/>
-          </a:xfrm>
-          <a:prstGeom prst="rect">
-            <a:avLst/>
-          </a:prstGeom>
-        </p:spPr>
-      </p:pic>
-      <p:pic>
-        <p:nvPicPr>
-          <p:cNvPr id="11" name="Picture 10">
-            <a:extLst>
-              <a:ext uri="{FF2B5EF4-FFF2-40B4-BE49-F238E27FC236}">
-                <a16:creationId xmlns:a16="http://schemas.microsoft.com/office/drawing/2014/main" id="{631EC048-06CE-4AF6-A0AF-3637DAE6FB80}"/>
-              </a:ext>
-            </a:extLst>
-          </p:cNvPr>
-          <p:cNvPicPr/>
-          <p:nvPr/>
-        </p:nvPicPr>
-        <p:blipFill>
-          <a:blip r:embed="rId5"/>
-          <a:stretch>
-            <a:fillRect/>
-          </a:stretch>
-        </p:blipFill>
-        <p:spPr>
-          <a:xfrm>
-            <a:off x="1872573" y="3482621"/>
-            <a:ext cx="7233920" cy="635335"/>
-          </a:xfrm>
-          <a:prstGeom prst="rect">
-            <a:avLst/>
-          </a:prstGeom>
-        </p:spPr>
-      </p:pic>
-    </p:spTree>
-    <p:extLst>
-      <p:ext uri="{BB962C8B-B14F-4D97-AF65-F5344CB8AC3E}">
-        <p14:creationId xmlns:p14="http://schemas.microsoft.com/office/powerpoint/2010/main" val="2836979607"/>
       </p:ext>
     </p:extLst>
   </p:cSld>
@@ -33858,7 +33812,7 @@
                 <a:latin typeface="Tw Cen MT" panose="020B0602020104020603" pitchFamily="34" charset="0"/>
                 <a:cs typeface="Arial" panose="020B0604020202020204" pitchFamily="34" charset="0"/>
               </a:rPr>
-              <a:t>PENGUJIAN PERFORMA SISTEM</a:t>
+              <a:t>PENGUJIAN RECOVERY FILE</a:t>
             </a:r>
           </a:p>
         </p:txBody>
@@ -33949,6 +33903,748 @@
               </a:rPr>
               <a:pPr/>
               <a:t>30</a:t>
+            </a:fld>
+            <a:endParaRPr lang="en-US" sz="2000">
+              <a:solidFill>
+                <a:schemeClr val="bg1"/>
+              </a:solidFill>
+              <a:latin typeface="Tw Cen MT" panose="020B0602020104020603" pitchFamily="34" charset="0"/>
+            </a:endParaRPr>
+          </a:p>
+        </p:txBody>
+      </p:sp>
+      <p:sp>
+        <p:nvSpPr>
+          <p:cNvPr id="27" name="Footer Placeholder 4">
+            <a:extLst>
+              <a:ext uri="{FF2B5EF4-FFF2-40B4-BE49-F238E27FC236}">
+                <a16:creationId xmlns:a16="http://schemas.microsoft.com/office/drawing/2014/main" id="{C737CB17-8456-42DD-A146-3C0168AABCA7}"/>
+              </a:ext>
+            </a:extLst>
+          </p:cNvPr>
+          <p:cNvSpPr>
+            <a:spLocks noGrp="1"/>
+          </p:cNvSpPr>
+          <p:nvPr>
+            <p:ph type="ftr" sz="quarter" idx="11"/>
+          </p:nvPr>
+        </p:nvSpPr>
+        <p:spPr>
+          <a:xfrm>
+            <a:off x="4038600" y="6356350"/>
+            <a:ext cx="4114800" cy="365125"/>
+          </a:xfrm>
+          <a:prstGeom prst="rect">
+            <a:avLst/>
+          </a:prstGeom>
+        </p:spPr>
+        <p:txBody>
+          <a:bodyPr/>
+          <a:lstStyle/>
+          <a:p>
+            <a:r>
+              <a:rPr lang="en-US" altLang="en-US">
+                <a:solidFill>
+                  <a:schemeClr val="bg1"/>
+                </a:solidFill>
+                <a:latin typeface="Trebuchet MS" panose="020B0603020202020204" pitchFamily="34" charset="0"/>
+              </a:rPr>
+              <a:t>Tugas Akhir – IF184802</a:t>
+            </a:r>
+          </a:p>
+        </p:txBody>
+      </p:sp>
+      <p:pic>
+        <p:nvPicPr>
+          <p:cNvPr id="8" name="Picture 7">
+            <a:extLst>
+              <a:ext uri="{FF2B5EF4-FFF2-40B4-BE49-F238E27FC236}">
+                <a16:creationId xmlns:a16="http://schemas.microsoft.com/office/drawing/2014/main" id="{D413E95D-6A5F-46F1-9203-4C7BD2BCD676}"/>
+              </a:ext>
+            </a:extLst>
+          </p:cNvPr>
+          <p:cNvPicPr/>
+          <p:nvPr/>
+        </p:nvPicPr>
+        <p:blipFill>
+          <a:blip r:embed="rId4"/>
+          <a:stretch>
+            <a:fillRect/>
+          </a:stretch>
+        </p:blipFill>
+        <p:spPr>
+          <a:xfrm>
+            <a:off x="2763520" y="1963102"/>
+            <a:ext cx="5877560" cy="703826"/>
+          </a:xfrm>
+          <a:prstGeom prst="rect">
+            <a:avLst/>
+          </a:prstGeom>
+        </p:spPr>
+      </p:pic>
+    </p:spTree>
+    <p:extLst>
+      <p:ext uri="{BB962C8B-B14F-4D97-AF65-F5344CB8AC3E}">
+        <p14:creationId xmlns:p14="http://schemas.microsoft.com/office/powerpoint/2010/main" val="525494170"/>
+      </p:ext>
+    </p:extLst>
+  </p:cSld>
+  <p:clrMapOvr>
+    <a:masterClrMapping/>
+  </p:clrMapOvr>
+  <mc:AlternateContent xmlns:mc="http://schemas.openxmlformats.org/markup-compatibility/2006" xmlns:p14="http://schemas.microsoft.com/office/powerpoint/2010/main">
+    <mc:Choice Requires="p14">
+      <p:transition spd="med" p14:dur="700">
+        <p:fade/>
+      </p:transition>
+    </mc:Choice>
+    <mc:Fallback xmlns="">
+      <p:transition spd="med">
+        <p:fade/>
+      </p:transition>
+    </mc:Fallback>
+  </mc:AlternateContent>
+</p:sld>
+</file>
+
+<file path=ppt/slides/slide31.xml><?xml version="1.0" encoding="utf-8"?>
+<p:sld xmlns:a="http://schemas.openxmlformats.org/drawingml/2006/main" xmlns:r="http://schemas.openxmlformats.org/officeDocument/2006/relationships" xmlns:p="http://schemas.openxmlformats.org/presentationml/2006/main">
+  <p:cSld>
+    <p:spTree>
+      <p:nvGrpSpPr>
+        <p:cNvPr id="1" name=""/>
+        <p:cNvGrpSpPr/>
+        <p:nvPr/>
+      </p:nvGrpSpPr>
+      <p:grpSpPr>
+        <a:xfrm>
+          <a:off x="0" y="0"/>
+          <a:ext cx="0" cy="0"/>
+          <a:chOff x="0" y="0"/>
+          <a:chExt cx="0" cy="0"/>
+        </a:xfrm>
+      </p:grpSpPr>
+      <p:pic>
+        <p:nvPicPr>
+          <p:cNvPr id="49" name="Picture 48">
+            <a:extLst>
+              <a:ext uri="{FF2B5EF4-FFF2-40B4-BE49-F238E27FC236}">
+                <a16:creationId xmlns:a16="http://schemas.microsoft.com/office/drawing/2014/main" id="{3DB88EB2-4959-4384-B606-6EC9735683D6}"/>
+              </a:ext>
+            </a:extLst>
+          </p:cNvPr>
+          <p:cNvPicPr>
+            <a:picLocks noChangeAspect="1"/>
+          </p:cNvPicPr>
+          <p:nvPr/>
+        </p:nvPicPr>
+        <p:blipFill>
+          <a:blip r:embed="rId3" cstate="print">
+            <a:extLst>
+              <a:ext uri="{28A0092B-C50C-407E-A947-70E740481C1C}">
+                <a14:useLocalDpi xmlns:a14="http://schemas.microsoft.com/office/drawing/2010/main" val="0"/>
+              </a:ext>
+            </a:extLst>
+          </a:blip>
+          <a:stretch>
+            <a:fillRect/>
+          </a:stretch>
+        </p:blipFill>
+        <p:spPr>
+          <a:xfrm>
+            <a:off x="84311" y="0"/>
+            <a:ext cx="1788262" cy="1152152"/>
+          </a:xfrm>
+          <a:prstGeom prst="rect">
+            <a:avLst/>
+          </a:prstGeom>
+        </p:spPr>
+      </p:pic>
+      <p:cxnSp>
+        <p:nvCxnSpPr>
+          <p:cNvPr id="51" name="Straight Connector 50">
+            <a:extLst>
+              <a:ext uri="{FF2B5EF4-FFF2-40B4-BE49-F238E27FC236}">
+                <a16:creationId xmlns:a16="http://schemas.microsoft.com/office/drawing/2014/main" id="{29B44FC3-C737-4B92-B1D0-AD232099FBDF}"/>
+              </a:ext>
+            </a:extLst>
+          </p:cNvPr>
+          <p:cNvCxnSpPr/>
+          <p:nvPr/>
+        </p:nvCxnSpPr>
+        <p:spPr>
+          <a:xfrm>
+            <a:off x="0" y="1228352"/>
+            <a:ext cx="12192000" cy="0"/>
+          </a:xfrm>
+          <a:prstGeom prst="line">
+            <a:avLst/>
+          </a:prstGeom>
+          <a:ln w="76200">
+            <a:solidFill>
+              <a:srgbClr val="0067AC"/>
+            </a:solidFill>
+          </a:ln>
+        </p:spPr>
+        <p:style>
+          <a:lnRef idx="1">
+            <a:schemeClr val="accent1"/>
+          </a:lnRef>
+          <a:fillRef idx="0">
+            <a:schemeClr val="accent1"/>
+          </a:fillRef>
+          <a:effectRef idx="0">
+            <a:schemeClr val="accent1"/>
+          </a:effectRef>
+          <a:fontRef idx="minor">
+            <a:schemeClr val="tx1"/>
+          </a:fontRef>
+        </p:style>
+      </p:cxnSp>
+      <p:sp>
+        <p:nvSpPr>
+          <p:cNvPr id="52" name="Title 1">
+            <a:extLst>
+              <a:ext uri="{FF2B5EF4-FFF2-40B4-BE49-F238E27FC236}">
+                <a16:creationId xmlns:a16="http://schemas.microsoft.com/office/drawing/2014/main" id="{2B8CDEBA-452A-4190-964B-37DF9F5C0EF5}"/>
+              </a:ext>
+            </a:extLst>
+          </p:cNvPr>
+          <p:cNvSpPr>
+            <a:spLocks noGrp="1"/>
+          </p:cNvSpPr>
+          <p:nvPr>
+            <p:ph type="title"/>
+          </p:nvPr>
+        </p:nvSpPr>
+        <p:spPr>
+          <a:xfrm>
+            <a:off x="1592089" y="192581"/>
+            <a:ext cx="10515600" cy="766989"/>
+          </a:xfrm>
+        </p:spPr>
+        <p:txBody>
+          <a:bodyPr>
+            <a:normAutofit fontScale="90000"/>
+          </a:bodyPr>
+          <a:lstStyle/>
+          <a:p>
+            <a:pPr algn="r">
+              <a:lnSpc>
+                <a:spcPct val="150000"/>
+              </a:lnSpc>
+              <a:buClr>
+                <a:srgbClr val="0067AC"/>
+              </a:buClr>
+            </a:pPr>
+            <a:r>
+              <a:rPr lang="en-US" dirty="0">
+                <a:latin typeface="Tw Cen MT" panose="020B0602020104020603" pitchFamily="34" charset="0"/>
+                <a:cs typeface="Arial" panose="020B0604020202020204" pitchFamily="34" charset="0"/>
+              </a:rPr>
+              <a:t>PENGUJIAN RECOVERY FILE</a:t>
+            </a:r>
+          </a:p>
+        </p:txBody>
+      </p:sp>
+      <p:sp>
+        <p:nvSpPr>
+          <p:cNvPr id="53" name="Rectangle 52">
+            <a:extLst>
+              <a:ext uri="{FF2B5EF4-FFF2-40B4-BE49-F238E27FC236}">
+                <a16:creationId xmlns:a16="http://schemas.microsoft.com/office/drawing/2014/main" id="{A0FB1C80-C067-49CE-95A9-A233AADF262C}"/>
+              </a:ext>
+            </a:extLst>
+          </p:cNvPr>
+          <p:cNvSpPr/>
+          <p:nvPr/>
+        </p:nvSpPr>
+        <p:spPr>
+          <a:xfrm>
+            <a:off x="0" y="6372225"/>
+            <a:ext cx="12192000" cy="485775"/>
+          </a:xfrm>
+          <a:prstGeom prst="rect">
+            <a:avLst/>
+          </a:prstGeom>
+          <a:ln>
+            <a:solidFill>
+              <a:srgbClr val="0067AC"/>
+            </a:solidFill>
+          </a:ln>
+        </p:spPr>
+        <p:style>
+          <a:lnRef idx="2">
+            <a:schemeClr val="accent1">
+              <a:shade val="50000"/>
+            </a:schemeClr>
+          </a:lnRef>
+          <a:fillRef idx="1">
+            <a:schemeClr val="accent1"/>
+          </a:fillRef>
+          <a:effectRef idx="0">
+            <a:schemeClr val="accent1"/>
+          </a:effectRef>
+          <a:fontRef idx="minor">
+            <a:schemeClr val="lt1"/>
+          </a:fontRef>
+        </p:style>
+        <p:txBody>
+          <a:bodyPr rtlCol="0" anchor="ctr"/>
+          <a:lstStyle/>
+          <a:p>
+            <a:pPr algn="ctr"/>
+            <a:endParaRPr lang="en-US"/>
+          </a:p>
+        </p:txBody>
+      </p:sp>
+      <p:sp>
+        <p:nvSpPr>
+          <p:cNvPr id="54" name="Slide Number Placeholder 5">
+            <a:extLst>
+              <a:ext uri="{FF2B5EF4-FFF2-40B4-BE49-F238E27FC236}">
+                <a16:creationId xmlns:a16="http://schemas.microsoft.com/office/drawing/2014/main" id="{9AD941AF-6002-455E-B6E0-BA52F0663035}"/>
+              </a:ext>
+            </a:extLst>
+          </p:cNvPr>
+          <p:cNvSpPr>
+            <a:spLocks noGrp="1"/>
+          </p:cNvSpPr>
+          <p:nvPr>
+            <p:ph type="sldNum" sz="quarter" idx="12"/>
+          </p:nvPr>
+        </p:nvSpPr>
+        <p:spPr>
+          <a:xfrm>
+            <a:off x="9176659" y="6432549"/>
+            <a:ext cx="2743200" cy="365125"/>
+          </a:xfrm>
+        </p:spPr>
+        <p:txBody>
+          <a:bodyPr/>
+          <a:lstStyle/>
+          <a:p>
+            <a:fld id="{F98B6361-BA1B-450B-B962-29ABDD099519}" type="slidenum">
+              <a:rPr lang="en-US" sz="2000" smtClean="0">
+                <a:solidFill>
+                  <a:schemeClr val="bg1"/>
+                </a:solidFill>
+                <a:latin typeface="Tw Cen MT" panose="020B0602020104020603" pitchFamily="34" charset="0"/>
+              </a:rPr>
+              <a:pPr/>
+              <a:t>31</a:t>
+            </a:fld>
+            <a:endParaRPr lang="en-US" sz="2000">
+              <a:solidFill>
+                <a:schemeClr val="bg1"/>
+              </a:solidFill>
+              <a:latin typeface="Tw Cen MT" panose="020B0602020104020603" pitchFamily="34" charset="0"/>
+            </a:endParaRPr>
+          </a:p>
+        </p:txBody>
+      </p:sp>
+      <p:sp>
+        <p:nvSpPr>
+          <p:cNvPr id="27" name="Footer Placeholder 4">
+            <a:extLst>
+              <a:ext uri="{FF2B5EF4-FFF2-40B4-BE49-F238E27FC236}">
+                <a16:creationId xmlns:a16="http://schemas.microsoft.com/office/drawing/2014/main" id="{C737CB17-8456-42DD-A146-3C0168AABCA7}"/>
+              </a:ext>
+            </a:extLst>
+          </p:cNvPr>
+          <p:cNvSpPr>
+            <a:spLocks noGrp="1"/>
+          </p:cNvSpPr>
+          <p:nvPr>
+            <p:ph type="ftr" sz="quarter" idx="11"/>
+          </p:nvPr>
+        </p:nvSpPr>
+        <p:spPr>
+          <a:xfrm>
+            <a:off x="4038600" y="6356350"/>
+            <a:ext cx="4114800" cy="365125"/>
+          </a:xfrm>
+          <a:prstGeom prst="rect">
+            <a:avLst/>
+          </a:prstGeom>
+        </p:spPr>
+        <p:txBody>
+          <a:bodyPr/>
+          <a:lstStyle/>
+          <a:p>
+            <a:r>
+              <a:rPr lang="en-US" altLang="en-US">
+                <a:solidFill>
+                  <a:schemeClr val="bg1"/>
+                </a:solidFill>
+                <a:latin typeface="Trebuchet MS" panose="020B0603020202020204" pitchFamily="34" charset="0"/>
+              </a:rPr>
+              <a:t>Tugas Akhir – IF184802</a:t>
+            </a:r>
+          </a:p>
+        </p:txBody>
+      </p:sp>
+      <p:sp>
+        <p:nvSpPr>
+          <p:cNvPr id="3" name="Rectangle 2">
+            <a:extLst>
+              <a:ext uri="{FF2B5EF4-FFF2-40B4-BE49-F238E27FC236}">
+                <a16:creationId xmlns:a16="http://schemas.microsoft.com/office/drawing/2014/main" id="{61CEC4BC-A983-4A99-B9EE-7559F890611D}"/>
+              </a:ext>
+            </a:extLst>
+          </p:cNvPr>
+          <p:cNvSpPr/>
+          <p:nvPr/>
+        </p:nvSpPr>
+        <p:spPr>
+          <a:xfrm>
+            <a:off x="519249" y="1725735"/>
+            <a:ext cx="11153501" cy="369332"/>
+          </a:xfrm>
+          <a:prstGeom prst="rect">
+            <a:avLst/>
+          </a:prstGeom>
+        </p:spPr>
+        <p:txBody>
+          <a:bodyPr wrap="square">
+            <a:spAutoFit/>
+          </a:bodyPr>
+          <a:lstStyle/>
+          <a:p>
+            <a:r>
+              <a:rPr lang="en-US" dirty="0" err="1">
+                <a:latin typeface="Consolas" panose="020B0609020204030204" pitchFamily="49" charset="0"/>
+              </a:rPr>
+              <a:t>mysqldump</a:t>
+            </a:r>
+            <a:r>
+              <a:rPr lang="en-US" dirty="0">
+                <a:latin typeface="Consolas" panose="020B0609020204030204" pitchFamily="49" charset="0"/>
+              </a:rPr>
+              <a:t> -u [user] --password=[password] [database] &gt; /path/to/save/[filename].</a:t>
+            </a:r>
+            <a:r>
+              <a:rPr lang="en-US" dirty="0" err="1">
+                <a:latin typeface="Consolas" panose="020B0609020204030204" pitchFamily="49" charset="0"/>
+              </a:rPr>
+              <a:t>sql</a:t>
+            </a:r>
+            <a:r>
+              <a:rPr lang="en-US" dirty="0">
+                <a:latin typeface="Consolas" panose="020B0609020204030204" pitchFamily="49" charset="0"/>
+              </a:rPr>
+              <a:t> </a:t>
+            </a:r>
+          </a:p>
+        </p:txBody>
+      </p:sp>
+      <p:pic>
+        <p:nvPicPr>
+          <p:cNvPr id="10" name="Picture 9">
+            <a:extLst>
+              <a:ext uri="{FF2B5EF4-FFF2-40B4-BE49-F238E27FC236}">
+                <a16:creationId xmlns:a16="http://schemas.microsoft.com/office/drawing/2014/main" id="{49CB0098-962C-4460-81CE-531658C9BBF9}"/>
+              </a:ext>
+            </a:extLst>
+          </p:cNvPr>
+          <p:cNvPicPr/>
+          <p:nvPr/>
+        </p:nvPicPr>
+        <p:blipFill>
+          <a:blip r:embed="rId4"/>
+          <a:stretch>
+            <a:fillRect/>
+          </a:stretch>
+        </p:blipFill>
+        <p:spPr>
+          <a:xfrm>
+            <a:off x="1087120" y="2542524"/>
+            <a:ext cx="7430950" cy="365125"/>
+          </a:xfrm>
+          <a:prstGeom prst="rect">
+            <a:avLst/>
+          </a:prstGeom>
+        </p:spPr>
+      </p:pic>
+      <p:pic>
+        <p:nvPicPr>
+          <p:cNvPr id="11" name="Picture 10">
+            <a:extLst>
+              <a:ext uri="{FF2B5EF4-FFF2-40B4-BE49-F238E27FC236}">
+                <a16:creationId xmlns:a16="http://schemas.microsoft.com/office/drawing/2014/main" id="{631EC048-06CE-4AF6-A0AF-3637DAE6FB80}"/>
+              </a:ext>
+            </a:extLst>
+          </p:cNvPr>
+          <p:cNvPicPr/>
+          <p:nvPr/>
+        </p:nvPicPr>
+        <p:blipFill>
+          <a:blip r:embed="rId5"/>
+          <a:stretch>
+            <a:fillRect/>
+          </a:stretch>
+        </p:blipFill>
+        <p:spPr>
+          <a:xfrm>
+            <a:off x="1872573" y="3482621"/>
+            <a:ext cx="7233920" cy="635335"/>
+          </a:xfrm>
+          <a:prstGeom prst="rect">
+            <a:avLst/>
+          </a:prstGeom>
+        </p:spPr>
+      </p:pic>
+    </p:spTree>
+    <p:extLst>
+      <p:ext uri="{BB962C8B-B14F-4D97-AF65-F5344CB8AC3E}">
+        <p14:creationId xmlns:p14="http://schemas.microsoft.com/office/powerpoint/2010/main" val="2836979607"/>
+      </p:ext>
+    </p:extLst>
+  </p:cSld>
+  <p:clrMapOvr>
+    <a:masterClrMapping/>
+  </p:clrMapOvr>
+  <mc:AlternateContent xmlns:mc="http://schemas.openxmlformats.org/markup-compatibility/2006" xmlns:p14="http://schemas.microsoft.com/office/powerpoint/2010/main">
+    <mc:Choice Requires="p14">
+      <p:transition spd="med" p14:dur="700">
+        <p:fade/>
+      </p:transition>
+    </mc:Choice>
+    <mc:Fallback xmlns="">
+      <p:transition spd="med">
+        <p:fade/>
+      </p:transition>
+    </mc:Fallback>
+  </mc:AlternateContent>
+</p:sld>
+</file>
+
+<file path=ppt/slides/slide32.xml><?xml version="1.0" encoding="utf-8"?>
+<p:sld xmlns:a="http://schemas.openxmlformats.org/drawingml/2006/main" xmlns:r="http://schemas.openxmlformats.org/officeDocument/2006/relationships" xmlns:p="http://schemas.openxmlformats.org/presentationml/2006/main">
+  <p:cSld>
+    <p:spTree>
+      <p:nvGrpSpPr>
+        <p:cNvPr id="1" name=""/>
+        <p:cNvGrpSpPr/>
+        <p:nvPr/>
+      </p:nvGrpSpPr>
+      <p:grpSpPr>
+        <a:xfrm>
+          <a:off x="0" y="0"/>
+          <a:ext cx="0" cy="0"/>
+          <a:chOff x="0" y="0"/>
+          <a:chExt cx="0" cy="0"/>
+        </a:xfrm>
+      </p:grpSpPr>
+      <p:pic>
+        <p:nvPicPr>
+          <p:cNvPr id="49" name="Picture 48">
+            <a:extLst>
+              <a:ext uri="{FF2B5EF4-FFF2-40B4-BE49-F238E27FC236}">
+                <a16:creationId xmlns:a16="http://schemas.microsoft.com/office/drawing/2014/main" id="{3DB88EB2-4959-4384-B606-6EC9735683D6}"/>
+              </a:ext>
+            </a:extLst>
+          </p:cNvPr>
+          <p:cNvPicPr>
+            <a:picLocks noChangeAspect="1"/>
+          </p:cNvPicPr>
+          <p:nvPr/>
+        </p:nvPicPr>
+        <p:blipFill>
+          <a:blip r:embed="rId3" cstate="print">
+            <a:extLst>
+              <a:ext uri="{28A0092B-C50C-407E-A947-70E740481C1C}">
+                <a14:useLocalDpi xmlns:a14="http://schemas.microsoft.com/office/drawing/2010/main" val="0"/>
+              </a:ext>
+            </a:extLst>
+          </a:blip>
+          <a:stretch>
+            <a:fillRect/>
+          </a:stretch>
+        </p:blipFill>
+        <p:spPr>
+          <a:xfrm>
+            <a:off x="84311" y="0"/>
+            <a:ext cx="1788262" cy="1152152"/>
+          </a:xfrm>
+          <a:prstGeom prst="rect">
+            <a:avLst/>
+          </a:prstGeom>
+        </p:spPr>
+      </p:pic>
+      <p:cxnSp>
+        <p:nvCxnSpPr>
+          <p:cNvPr id="51" name="Straight Connector 50">
+            <a:extLst>
+              <a:ext uri="{FF2B5EF4-FFF2-40B4-BE49-F238E27FC236}">
+                <a16:creationId xmlns:a16="http://schemas.microsoft.com/office/drawing/2014/main" id="{29B44FC3-C737-4B92-B1D0-AD232099FBDF}"/>
+              </a:ext>
+            </a:extLst>
+          </p:cNvPr>
+          <p:cNvCxnSpPr/>
+          <p:nvPr/>
+        </p:nvCxnSpPr>
+        <p:spPr>
+          <a:xfrm>
+            <a:off x="0" y="1228352"/>
+            <a:ext cx="12192000" cy="0"/>
+          </a:xfrm>
+          <a:prstGeom prst="line">
+            <a:avLst/>
+          </a:prstGeom>
+          <a:ln w="76200">
+            <a:solidFill>
+              <a:srgbClr val="0067AC"/>
+            </a:solidFill>
+          </a:ln>
+        </p:spPr>
+        <p:style>
+          <a:lnRef idx="1">
+            <a:schemeClr val="accent1"/>
+          </a:lnRef>
+          <a:fillRef idx="0">
+            <a:schemeClr val="accent1"/>
+          </a:fillRef>
+          <a:effectRef idx="0">
+            <a:schemeClr val="accent1"/>
+          </a:effectRef>
+          <a:fontRef idx="minor">
+            <a:schemeClr val="tx1"/>
+          </a:fontRef>
+        </p:style>
+      </p:cxnSp>
+      <p:sp>
+        <p:nvSpPr>
+          <p:cNvPr id="52" name="Title 1">
+            <a:extLst>
+              <a:ext uri="{FF2B5EF4-FFF2-40B4-BE49-F238E27FC236}">
+                <a16:creationId xmlns:a16="http://schemas.microsoft.com/office/drawing/2014/main" id="{2B8CDEBA-452A-4190-964B-37DF9F5C0EF5}"/>
+              </a:ext>
+            </a:extLst>
+          </p:cNvPr>
+          <p:cNvSpPr>
+            <a:spLocks noGrp="1"/>
+          </p:cNvSpPr>
+          <p:nvPr>
+            <p:ph type="title"/>
+          </p:nvPr>
+        </p:nvSpPr>
+        <p:spPr>
+          <a:xfrm>
+            <a:off x="1592089" y="192581"/>
+            <a:ext cx="10515600" cy="766989"/>
+          </a:xfrm>
+        </p:spPr>
+        <p:txBody>
+          <a:bodyPr>
+            <a:normAutofit fontScale="90000"/>
+          </a:bodyPr>
+          <a:lstStyle/>
+          <a:p>
+            <a:pPr algn="r">
+              <a:lnSpc>
+                <a:spcPct val="150000"/>
+              </a:lnSpc>
+              <a:buClr>
+                <a:srgbClr val="0067AC"/>
+              </a:buClr>
+            </a:pPr>
+            <a:r>
+              <a:rPr lang="en-US" dirty="0">
+                <a:latin typeface="Tw Cen MT" panose="020B0602020104020603" pitchFamily="34" charset="0"/>
+                <a:cs typeface="Arial" panose="020B0604020202020204" pitchFamily="34" charset="0"/>
+              </a:rPr>
+              <a:t>PENGUJIAN PERFORMA SISTEM</a:t>
+            </a:r>
+          </a:p>
+        </p:txBody>
+      </p:sp>
+      <p:sp>
+        <p:nvSpPr>
+          <p:cNvPr id="53" name="Rectangle 52">
+            <a:extLst>
+              <a:ext uri="{FF2B5EF4-FFF2-40B4-BE49-F238E27FC236}">
+                <a16:creationId xmlns:a16="http://schemas.microsoft.com/office/drawing/2014/main" id="{A0FB1C80-C067-49CE-95A9-A233AADF262C}"/>
+              </a:ext>
+            </a:extLst>
+          </p:cNvPr>
+          <p:cNvSpPr/>
+          <p:nvPr/>
+        </p:nvSpPr>
+        <p:spPr>
+          <a:xfrm>
+            <a:off x="0" y="6372225"/>
+            <a:ext cx="12192000" cy="485775"/>
+          </a:xfrm>
+          <a:prstGeom prst="rect">
+            <a:avLst/>
+          </a:prstGeom>
+          <a:ln>
+            <a:solidFill>
+              <a:srgbClr val="0067AC"/>
+            </a:solidFill>
+          </a:ln>
+        </p:spPr>
+        <p:style>
+          <a:lnRef idx="2">
+            <a:schemeClr val="accent1">
+              <a:shade val="50000"/>
+            </a:schemeClr>
+          </a:lnRef>
+          <a:fillRef idx="1">
+            <a:schemeClr val="accent1"/>
+          </a:fillRef>
+          <a:effectRef idx="0">
+            <a:schemeClr val="accent1"/>
+          </a:effectRef>
+          <a:fontRef idx="minor">
+            <a:schemeClr val="lt1"/>
+          </a:fontRef>
+        </p:style>
+        <p:txBody>
+          <a:bodyPr rtlCol="0" anchor="ctr"/>
+          <a:lstStyle/>
+          <a:p>
+            <a:pPr algn="ctr"/>
+            <a:endParaRPr lang="en-US"/>
+          </a:p>
+        </p:txBody>
+      </p:sp>
+      <p:sp>
+        <p:nvSpPr>
+          <p:cNvPr id="54" name="Slide Number Placeholder 5">
+            <a:extLst>
+              <a:ext uri="{FF2B5EF4-FFF2-40B4-BE49-F238E27FC236}">
+                <a16:creationId xmlns:a16="http://schemas.microsoft.com/office/drawing/2014/main" id="{9AD941AF-6002-455E-B6E0-BA52F0663035}"/>
+              </a:ext>
+            </a:extLst>
+          </p:cNvPr>
+          <p:cNvSpPr>
+            <a:spLocks noGrp="1"/>
+          </p:cNvSpPr>
+          <p:nvPr>
+            <p:ph type="sldNum" sz="quarter" idx="12"/>
+          </p:nvPr>
+        </p:nvSpPr>
+        <p:spPr>
+          <a:xfrm>
+            <a:off x="9176659" y="6432549"/>
+            <a:ext cx="2743200" cy="365125"/>
+          </a:xfrm>
+        </p:spPr>
+        <p:txBody>
+          <a:bodyPr/>
+          <a:lstStyle/>
+          <a:p>
+            <a:fld id="{F98B6361-BA1B-450B-B962-29ABDD099519}" type="slidenum">
+              <a:rPr lang="en-US" sz="2000" smtClean="0">
+                <a:solidFill>
+                  <a:schemeClr val="bg1"/>
+                </a:solidFill>
+                <a:latin typeface="Tw Cen MT" panose="020B0602020104020603" pitchFamily="34" charset="0"/>
+              </a:rPr>
+              <a:pPr/>
+              <a:t>32</a:t>
             </a:fld>
             <a:endParaRPr lang="en-US" sz="2000">
               <a:solidFill>
@@ -34660,7 +35356,7 @@
 </p:sld>
 </file>
 
-<file path=ppt/slides/slide31.xml><?xml version="1.0" encoding="utf-8"?>
+<file path=ppt/slides/slide33.xml><?xml version="1.0" encoding="utf-8"?>
 <p:sld xmlns:a="http://schemas.openxmlformats.org/drawingml/2006/main" xmlns:r="http://schemas.openxmlformats.org/officeDocument/2006/relationships" xmlns:p="http://schemas.openxmlformats.org/presentationml/2006/main">
   <p:cSld>
     <p:spTree>
@@ -34885,7 +35581,7 @@
                 <a:latin typeface="Tw Cen MT" panose="020B0602020104020603" pitchFamily="34" charset="0"/>
               </a:rPr>
               <a:pPr/>
-              <a:t>31</a:t>
+              <a:t>33</a:t>
             </a:fld>
             <a:endParaRPr lang="en-US" sz="2000">
               <a:solidFill>
@@ -35573,7 +36269,7 @@
 </p:sld>
 </file>
 
-<file path=ppt/slides/slide32.xml><?xml version="1.0" encoding="utf-8"?>
+<file path=ppt/slides/slide34.xml><?xml version="1.0" encoding="utf-8"?>
 <p:sld xmlns:a="http://schemas.openxmlformats.org/drawingml/2006/main" xmlns:r="http://schemas.openxmlformats.org/officeDocument/2006/relationships" xmlns:p="http://schemas.openxmlformats.org/presentationml/2006/main">
   <p:cSld>
     <p:spTree>
@@ -35798,7 +36494,7 @@
                 <a:latin typeface="Tw Cen MT" panose="020B0602020104020603" pitchFamily="34" charset="0"/>
               </a:rPr>
               <a:pPr/>
-              <a:t>32</a:t>
+              <a:t>34</a:t>
             </a:fld>
             <a:endParaRPr lang="en-US" sz="2000">
               <a:solidFill>
@@ -36486,7 +37182,7 @@
 </p:sld>
 </file>
 
-<file path=ppt/slides/slide33.xml><?xml version="1.0" encoding="utf-8"?>
+<file path=ppt/slides/slide35.xml><?xml version="1.0" encoding="utf-8"?>
 <p:sld xmlns:a="http://schemas.openxmlformats.org/drawingml/2006/main" xmlns:r="http://schemas.openxmlformats.org/officeDocument/2006/relationships" xmlns:p="http://schemas.openxmlformats.org/presentationml/2006/main">
   <p:cSld>
     <p:spTree>
@@ -36573,7 +37269,7 @@
                 <a:latin typeface="Tw Cen MT" panose="020B0602020104020603" pitchFamily="34" charset="0"/>
               </a:rPr>
               <a:pPr/>
-              <a:t>33</a:t>
+              <a:t>35</a:t>
             </a:fld>
             <a:endParaRPr lang="en-US" sz="2000">
               <a:solidFill>
@@ -36798,7 +37494,7 @@
 </p:sld>
 </file>
 
-<file path=ppt/slides/slide34.xml><?xml version="1.0" encoding="utf-8"?>
+<file path=ppt/slides/slide36.xml><?xml version="1.0" encoding="utf-8"?>
 <p:sld xmlns:a="http://schemas.openxmlformats.org/drawingml/2006/main" xmlns:r="http://schemas.openxmlformats.org/officeDocument/2006/relationships" xmlns:p="http://schemas.openxmlformats.org/presentationml/2006/main">
   <p:cSld>
     <p:spTree>
@@ -37023,7 +37719,7 @@
                 <a:latin typeface="Tw Cen MT" panose="020B0602020104020603" pitchFamily="34" charset="0"/>
               </a:rPr>
               <a:pPr/>
-              <a:t>34</a:t>
+              <a:t>36</a:t>
             </a:fld>
             <a:endParaRPr lang="en-US" sz="2000">
               <a:solidFill>
@@ -37841,7 +38537,7 @@
 </p:sld>
 </file>
 
-<file path=ppt/slides/slide35.xml><?xml version="1.0" encoding="utf-8"?>
+<file path=ppt/slides/slide37.xml><?xml version="1.0" encoding="utf-8"?>
 <p:sld xmlns:a="http://schemas.openxmlformats.org/drawingml/2006/main" xmlns:r="http://schemas.openxmlformats.org/officeDocument/2006/relationships" xmlns:p="http://schemas.openxmlformats.org/presentationml/2006/main">
   <p:cSld>
     <p:spTree>
@@ -38066,7 +38762,7 @@
                 <a:latin typeface="Tw Cen MT" panose="020B0602020104020603" pitchFamily="34" charset="0"/>
               </a:rPr>
               <a:pPr/>
-              <a:t>35</a:t>
+              <a:t>37</a:t>
             </a:fld>
             <a:endParaRPr lang="en-US" sz="2000">
               <a:solidFill>
@@ -38546,7 +39242,7 @@
 </p:sld>
 </file>
 
-<file path=ppt/slides/slide36.xml><?xml version="1.0" encoding="utf-8"?>
+<file path=ppt/slides/slide38.xml><?xml version="1.0" encoding="utf-8"?>
 <p:sld xmlns:a="http://schemas.openxmlformats.org/drawingml/2006/main" xmlns:r="http://schemas.openxmlformats.org/officeDocument/2006/relationships" xmlns:p="http://schemas.openxmlformats.org/presentationml/2006/main">
   <p:cSld>
     <p:spTree>
@@ -38633,7 +39329,7 @@
                 <a:latin typeface="Tw Cen MT" panose="020B0602020104020603" pitchFamily="34" charset="0"/>
               </a:rPr>
               <a:pPr/>
-              <a:t>36</a:t>
+              <a:t>38</a:t>
             </a:fld>
             <a:endParaRPr lang="en-US" sz="2000">
               <a:solidFill>
@@ -38902,6 +39598,517 @@
           <p:nvPr/>
         </p:nvPicPr>
         <p:blipFill>
+          <a:blip r:embed="rId2" cstate="print">
+            <a:extLst>
+              <a:ext uri="{28A0092B-C50C-407E-A947-70E740481C1C}">
+                <a14:useLocalDpi xmlns:a14="http://schemas.microsoft.com/office/drawing/2010/main" val="0"/>
+              </a:ext>
+            </a:extLst>
+          </a:blip>
+          <a:stretch>
+            <a:fillRect/>
+          </a:stretch>
+        </p:blipFill>
+        <p:spPr>
+          <a:xfrm>
+            <a:off x="84311" y="0"/>
+            <a:ext cx="1788262" cy="1152152"/>
+          </a:xfrm>
+          <a:prstGeom prst="rect">
+            <a:avLst/>
+          </a:prstGeom>
+        </p:spPr>
+      </p:pic>
+      <p:sp>
+        <p:nvSpPr>
+          <p:cNvPr id="54" name="Slide Number Placeholder 5">
+            <a:extLst>
+              <a:ext uri="{FF2B5EF4-FFF2-40B4-BE49-F238E27FC236}">
+                <a16:creationId xmlns:a16="http://schemas.microsoft.com/office/drawing/2014/main" id="{9AD941AF-6002-455E-B6E0-BA52F0663035}"/>
+              </a:ext>
+            </a:extLst>
+          </p:cNvPr>
+          <p:cNvSpPr>
+            <a:spLocks noGrp="1"/>
+          </p:cNvSpPr>
+          <p:nvPr>
+            <p:ph type="sldNum" sz="quarter" idx="12"/>
+          </p:nvPr>
+        </p:nvSpPr>
+        <p:spPr>
+          <a:xfrm>
+            <a:off x="9176659" y="6432549"/>
+            <a:ext cx="2743200" cy="365125"/>
+          </a:xfrm>
+        </p:spPr>
+        <p:txBody>
+          <a:bodyPr/>
+          <a:lstStyle/>
+          <a:p>
+            <a:fld id="{F98B6361-BA1B-450B-B962-29ABDD099519}" type="slidenum">
+              <a:rPr lang="en-US" sz="2000" smtClean="0">
+                <a:solidFill>
+                  <a:schemeClr val="tx1"/>
+                </a:solidFill>
+                <a:latin typeface="Tw Cen MT" panose="020B0602020104020603" pitchFamily="34" charset="0"/>
+              </a:rPr>
+              <a:pPr/>
+              <a:t>4</a:t>
+            </a:fld>
+            <a:endParaRPr lang="en-US" sz="2000">
+              <a:solidFill>
+                <a:schemeClr val="tx1"/>
+              </a:solidFill>
+              <a:latin typeface="Tw Cen MT" panose="020B0602020104020603" pitchFamily="34" charset="0"/>
+            </a:endParaRPr>
+          </a:p>
+        </p:txBody>
+      </p:sp>
+      <p:sp>
+        <p:nvSpPr>
+          <p:cNvPr id="9" name="Footer Placeholder 4">
+            <a:extLst>
+              <a:ext uri="{FF2B5EF4-FFF2-40B4-BE49-F238E27FC236}">
+                <a16:creationId xmlns:a16="http://schemas.microsoft.com/office/drawing/2014/main" id="{1E190F19-047A-4086-B3C2-5AED2105529F}"/>
+              </a:ext>
+            </a:extLst>
+          </p:cNvPr>
+          <p:cNvSpPr>
+            <a:spLocks noGrp="1"/>
+          </p:cNvSpPr>
+          <p:nvPr>
+            <p:ph type="ftr" sz="quarter" idx="11"/>
+          </p:nvPr>
+        </p:nvSpPr>
+        <p:spPr>
+          <a:xfrm>
+            <a:off x="4038600" y="6356350"/>
+            <a:ext cx="4114800" cy="365125"/>
+          </a:xfrm>
+          <a:prstGeom prst="rect">
+            <a:avLst/>
+          </a:prstGeom>
+        </p:spPr>
+        <p:txBody>
+          <a:bodyPr/>
+          <a:lstStyle/>
+          <a:p>
+            <a:r>
+              <a:rPr lang="en-US" altLang="en-US">
+                <a:solidFill>
+                  <a:srgbClr val="002060"/>
+                </a:solidFill>
+                <a:latin typeface="Trebuchet MS" panose="020B0603020202020204" pitchFamily="34" charset="0"/>
+              </a:rPr>
+              <a:t>Tugas Akhir – IF184802</a:t>
+            </a:r>
+          </a:p>
+        </p:txBody>
+      </p:sp>
+      <p:sp>
+        <p:nvSpPr>
+          <p:cNvPr id="2" name="Rectangle: Rounded Corners 1">
+            <a:extLst>
+              <a:ext uri="{FF2B5EF4-FFF2-40B4-BE49-F238E27FC236}">
+                <a16:creationId xmlns:a16="http://schemas.microsoft.com/office/drawing/2014/main" id="{AC50828A-ACE4-4D64-A711-E8191033C48E}"/>
+              </a:ext>
+            </a:extLst>
+          </p:cNvPr>
+          <p:cNvSpPr/>
+          <p:nvPr/>
+        </p:nvSpPr>
+        <p:spPr>
+          <a:xfrm>
+            <a:off x="2888974" y="3327835"/>
+            <a:ext cx="6546574" cy="2093843"/>
+          </a:xfrm>
+          <a:prstGeom prst="roundRect">
+            <a:avLst/>
+          </a:prstGeom>
+        </p:spPr>
+        <p:style>
+          <a:lnRef idx="2">
+            <a:schemeClr val="accent6"/>
+          </a:lnRef>
+          <a:fillRef idx="1">
+            <a:schemeClr val="lt1"/>
+          </a:fillRef>
+          <a:effectRef idx="0">
+            <a:schemeClr val="accent6"/>
+          </a:effectRef>
+          <a:fontRef idx="minor">
+            <a:schemeClr val="dk1"/>
+          </a:fontRef>
+        </p:style>
+        <p:txBody>
+          <a:bodyPr rtlCol="0" anchor="ctr"/>
+          <a:lstStyle/>
+          <a:p>
+            <a:pPr algn="ctr"/>
+            <a:endParaRPr lang="en-US" dirty="0"/>
+          </a:p>
+        </p:txBody>
+      </p:sp>
+      <p:sp>
+        <p:nvSpPr>
+          <p:cNvPr id="3" name="Rectangle: Rounded Corners 2">
+            <a:extLst>
+              <a:ext uri="{FF2B5EF4-FFF2-40B4-BE49-F238E27FC236}">
+                <a16:creationId xmlns:a16="http://schemas.microsoft.com/office/drawing/2014/main" id="{3B372983-26FA-4DAB-AF84-C43AEDA57850}"/>
+              </a:ext>
+            </a:extLst>
+          </p:cNvPr>
+          <p:cNvSpPr/>
+          <p:nvPr/>
+        </p:nvSpPr>
+        <p:spPr>
+          <a:xfrm>
+            <a:off x="3205369" y="3896137"/>
+            <a:ext cx="1666461" cy="1285461"/>
+          </a:xfrm>
+          <a:prstGeom prst="roundRect">
+            <a:avLst/>
+          </a:prstGeom>
+        </p:spPr>
+        <p:style>
+          <a:lnRef idx="2">
+            <a:schemeClr val="accent1">
+              <a:shade val="50000"/>
+            </a:schemeClr>
+          </a:lnRef>
+          <a:fillRef idx="1">
+            <a:schemeClr val="accent1"/>
+          </a:fillRef>
+          <a:effectRef idx="0">
+            <a:schemeClr val="accent1"/>
+          </a:effectRef>
+          <a:fontRef idx="minor">
+            <a:schemeClr val="lt1"/>
+          </a:fontRef>
+        </p:style>
+        <p:txBody>
+          <a:bodyPr rtlCol="0" anchor="ctr"/>
+          <a:lstStyle/>
+          <a:p>
+            <a:pPr algn="ctr"/>
+            <a:r>
+              <a:rPr lang="en-US" dirty="0"/>
+              <a:t>Aplikasi</a:t>
+            </a:r>
+          </a:p>
+        </p:txBody>
+      </p:sp>
+      <p:sp>
+        <p:nvSpPr>
+          <p:cNvPr id="10" name="Rectangle: Rounded Corners 9">
+            <a:extLst>
+              <a:ext uri="{FF2B5EF4-FFF2-40B4-BE49-F238E27FC236}">
+                <a16:creationId xmlns:a16="http://schemas.microsoft.com/office/drawing/2014/main" id="{876B00D2-213C-4200-84CB-2CBF779DC1B1}"/>
+              </a:ext>
+            </a:extLst>
+          </p:cNvPr>
+          <p:cNvSpPr/>
+          <p:nvPr/>
+        </p:nvSpPr>
+        <p:spPr>
+          <a:xfrm>
+            <a:off x="7510198" y="3896138"/>
+            <a:ext cx="1666461" cy="1285461"/>
+          </a:xfrm>
+          <a:prstGeom prst="roundRect">
+            <a:avLst/>
+          </a:prstGeom>
+        </p:spPr>
+        <p:style>
+          <a:lnRef idx="2">
+            <a:schemeClr val="accent1">
+              <a:shade val="50000"/>
+            </a:schemeClr>
+          </a:lnRef>
+          <a:fillRef idx="1">
+            <a:schemeClr val="accent1"/>
+          </a:fillRef>
+          <a:effectRef idx="0">
+            <a:schemeClr val="accent1"/>
+          </a:effectRef>
+          <a:fontRef idx="minor">
+            <a:schemeClr val="lt1"/>
+          </a:fontRef>
+        </p:style>
+        <p:txBody>
+          <a:bodyPr rtlCol="0" anchor="ctr"/>
+          <a:lstStyle/>
+          <a:p>
+            <a:pPr algn="ctr"/>
+            <a:r>
+              <a:rPr lang="en-US" dirty="0"/>
+              <a:t>Verifikator </a:t>
+            </a:r>
+          </a:p>
+          <a:p>
+            <a:pPr algn="ctr"/>
+            <a:r>
+              <a:rPr lang="en-US" dirty="0"/>
+              <a:t>File</a:t>
+            </a:r>
+          </a:p>
+        </p:txBody>
+      </p:sp>
+      <p:sp>
+        <p:nvSpPr>
+          <p:cNvPr id="11" name="Rectangle: Rounded Corners 10">
+            <a:extLst>
+              <a:ext uri="{FF2B5EF4-FFF2-40B4-BE49-F238E27FC236}">
+                <a16:creationId xmlns:a16="http://schemas.microsoft.com/office/drawing/2014/main" id="{61A5A8A8-E232-4B90-8F9F-538397748AA4}"/>
+              </a:ext>
+            </a:extLst>
+          </p:cNvPr>
+          <p:cNvSpPr/>
+          <p:nvPr/>
+        </p:nvSpPr>
+        <p:spPr>
+          <a:xfrm>
+            <a:off x="5376626" y="889041"/>
+            <a:ext cx="1628776" cy="1504122"/>
+          </a:xfrm>
+          <a:prstGeom prst="roundRect">
+            <a:avLst/>
+          </a:prstGeom>
+        </p:spPr>
+        <p:style>
+          <a:lnRef idx="2">
+            <a:schemeClr val="accent6"/>
+          </a:lnRef>
+          <a:fillRef idx="1">
+            <a:schemeClr val="lt1"/>
+          </a:fillRef>
+          <a:effectRef idx="0">
+            <a:schemeClr val="accent6"/>
+          </a:effectRef>
+          <a:fontRef idx="minor">
+            <a:schemeClr val="dk1"/>
+          </a:fontRef>
+        </p:style>
+        <p:txBody>
+          <a:bodyPr rtlCol="0" anchor="ctr"/>
+          <a:lstStyle/>
+          <a:p>
+            <a:pPr algn="ctr"/>
+            <a:r>
+              <a:rPr lang="en-US" dirty="0"/>
+              <a:t>Server Basis Data</a:t>
+            </a:r>
+          </a:p>
+        </p:txBody>
+      </p:sp>
+      <p:sp>
+        <p:nvSpPr>
+          <p:cNvPr id="4" name="TextBox 3">
+            <a:extLst>
+              <a:ext uri="{FF2B5EF4-FFF2-40B4-BE49-F238E27FC236}">
+                <a16:creationId xmlns:a16="http://schemas.microsoft.com/office/drawing/2014/main" id="{EBEACB78-DDAB-48CF-BFD6-5A800481DEAA}"/>
+              </a:ext>
+            </a:extLst>
+          </p:cNvPr>
+          <p:cNvSpPr txBox="1"/>
+          <p:nvPr/>
+        </p:nvSpPr>
+        <p:spPr>
+          <a:xfrm>
+            <a:off x="5382808" y="3362599"/>
+            <a:ext cx="1552733" cy="369332"/>
+          </a:xfrm>
+          <a:prstGeom prst="rect">
+            <a:avLst/>
+          </a:prstGeom>
+          <a:noFill/>
+        </p:spPr>
+        <p:txBody>
+          <a:bodyPr wrap="none" rtlCol="0">
+            <a:spAutoFit/>
+          </a:bodyPr>
+          <a:lstStyle/>
+          <a:p>
+            <a:r>
+              <a:rPr lang="en-US" dirty="0"/>
+              <a:t>Server Aplikasi</a:t>
+            </a:r>
+          </a:p>
+        </p:txBody>
+      </p:sp>
+      <p:cxnSp>
+        <p:nvCxnSpPr>
+          <p:cNvPr id="8" name="Straight Connector 7">
+            <a:extLst>
+              <a:ext uri="{FF2B5EF4-FFF2-40B4-BE49-F238E27FC236}">
+                <a16:creationId xmlns:a16="http://schemas.microsoft.com/office/drawing/2014/main" id="{086EBB62-9C8A-4ECD-9A81-6437ABCD833F}"/>
+              </a:ext>
+            </a:extLst>
+          </p:cNvPr>
+          <p:cNvCxnSpPr>
+            <a:endCxn id="10" idx="1"/>
+          </p:cNvCxnSpPr>
+          <p:nvPr/>
+        </p:nvCxnSpPr>
+        <p:spPr>
+          <a:xfrm>
+            <a:off x="4871830" y="4505739"/>
+            <a:ext cx="2638368" cy="33130"/>
+          </a:xfrm>
+          <a:prstGeom prst="line">
+            <a:avLst/>
+          </a:prstGeom>
+        </p:spPr>
+        <p:style>
+          <a:lnRef idx="1">
+            <a:schemeClr val="accent1"/>
+          </a:lnRef>
+          <a:fillRef idx="0">
+            <a:schemeClr val="accent1"/>
+          </a:fillRef>
+          <a:effectRef idx="0">
+            <a:schemeClr val="accent1"/>
+          </a:effectRef>
+          <a:fontRef idx="minor">
+            <a:schemeClr val="tx1"/>
+          </a:fontRef>
+        </p:style>
+      </p:cxnSp>
+      <p:cxnSp>
+        <p:nvCxnSpPr>
+          <p:cNvPr id="13" name="Straight Connector 12">
+            <a:extLst>
+              <a:ext uri="{FF2B5EF4-FFF2-40B4-BE49-F238E27FC236}">
+                <a16:creationId xmlns:a16="http://schemas.microsoft.com/office/drawing/2014/main" id="{F34A0338-B54A-41EF-9DF8-6150A5B93ECD}"/>
+              </a:ext>
+            </a:extLst>
+          </p:cNvPr>
+          <p:cNvCxnSpPr>
+            <a:stCxn id="10" idx="0"/>
+            <a:endCxn id="11" idx="3"/>
+          </p:cNvCxnSpPr>
+          <p:nvPr/>
+        </p:nvCxnSpPr>
+        <p:spPr>
+          <a:xfrm flipH="1" flipV="1">
+            <a:off x="7005402" y="1641102"/>
+            <a:ext cx="1338027" cy="2255036"/>
+          </a:xfrm>
+          <a:prstGeom prst="line">
+            <a:avLst/>
+          </a:prstGeom>
+        </p:spPr>
+        <p:style>
+          <a:lnRef idx="1">
+            <a:schemeClr val="accent1"/>
+          </a:lnRef>
+          <a:fillRef idx="0">
+            <a:schemeClr val="accent1"/>
+          </a:fillRef>
+          <a:effectRef idx="0">
+            <a:schemeClr val="accent1"/>
+          </a:effectRef>
+          <a:fontRef idx="minor">
+            <a:schemeClr val="tx1"/>
+          </a:fontRef>
+        </p:style>
+      </p:cxnSp>
+      <p:cxnSp>
+        <p:nvCxnSpPr>
+          <p:cNvPr id="15" name="Straight Connector 14">
+            <a:extLst>
+              <a:ext uri="{FF2B5EF4-FFF2-40B4-BE49-F238E27FC236}">
+                <a16:creationId xmlns:a16="http://schemas.microsoft.com/office/drawing/2014/main" id="{D3E1A931-2A5F-4AC2-992C-48CB6E52716A}"/>
+              </a:ext>
+            </a:extLst>
+          </p:cNvPr>
+          <p:cNvCxnSpPr>
+            <a:stCxn id="3" idx="0"/>
+            <a:endCxn id="11" idx="1"/>
+          </p:cNvCxnSpPr>
+          <p:nvPr/>
+        </p:nvCxnSpPr>
+        <p:spPr>
+          <a:xfrm flipV="1">
+            <a:off x="4038600" y="1641102"/>
+            <a:ext cx="1338026" cy="2255035"/>
+          </a:xfrm>
+          <a:prstGeom prst="line">
+            <a:avLst/>
+          </a:prstGeom>
+        </p:spPr>
+        <p:style>
+          <a:lnRef idx="1">
+            <a:schemeClr val="accent1"/>
+          </a:lnRef>
+          <a:fillRef idx="0">
+            <a:schemeClr val="accent1"/>
+          </a:fillRef>
+          <a:effectRef idx="0">
+            <a:schemeClr val="accent1"/>
+          </a:effectRef>
+          <a:fontRef idx="minor">
+            <a:schemeClr val="tx1"/>
+          </a:fontRef>
+        </p:style>
+      </p:cxnSp>
+    </p:spTree>
+    <p:extLst>
+      <p:ext uri="{BB962C8B-B14F-4D97-AF65-F5344CB8AC3E}">
+        <p14:creationId xmlns:p14="http://schemas.microsoft.com/office/powerpoint/2010/main" val="3852000342"/>
+      </p:ext>
+    </p:extLst>
+  </p:cSld>
+  <p:clrMapOvr>
+    <a:masterClrMapping/>
+  </p:clrMapOvr>
+  <mc:AlternateContent xmlns:mc="http://schemas.openxmlformats.org/markup-compatibility/2006" xmlns:p14="http://schemas.microsoft.com/office/powerpoint/2010/main">
+    <mc:Choice Requires="p14">
+      <p:transition spd="med" p14:dur="700">
+        <p:fade/>
+      </p:transition>
+    </mc:Choice>
+    <mc:Fallback xmlns="">
+      <p:transition spd="med">
+        <p:fade/>
+      </p:transition>
+    </mc:Fallback>
+  </mc:AlternateContent>
+</p:sld>
+</file>
+
+<file path=ppt/slides/slide5.xml><?xml version="1.0" encoding="utf-8"?>
+<p:sld xmlns:a="http://schemas.openxmlformats.org/drawingml/2006/main" xmlns:r="http://schemas.openxmlformats.org/officeDocument/2006/relationships" xmlns:p="http://schemas.openxmlformats.org/presentationml/2006/main">
+  <p:cSld>
+    <p:spTree>
+      <p:nvGrpSpPr>
+        <p:cNvPr id="1" name=""/>
+        <p:cNvGrpSpPr/>
+        <p:nvPr/>
+      </p:nvGrpSpPr>
+      <p:grpSpPr>
+        <a:xfrm>
+          <a:off x="0" y="0"/>
+          <a:ext cx="0" cy="0"/>
+          <a:chOff x="0" y="0"/>
+          <a:chExt cx="0" cy="0"/>
+        </a:xfrm>
+      </p:grpSpPr>
+      <p:pic>
+        <p:nvPicPr>
+          <p:cNvPr id="49" name="Picture 48">
+            <a:extLst>
+              <a:ext uri="{FF2B5EF4-FFF2-40B4-BE49-F238E27FC236}">
+                <a16:creationId xmlns:a16="http://schemas.microsoft.com/office/drawing/2014/main" id="{3DB88EB2-4959-4384-B606-6EC9735683D6}"/>
+              </a:ext>
+            </a:extLst>
+          </p:cNvPr>
+          <p:cNvPicPr>
+            <a:picLocks noChangeAspect="1"/>
+          </p:cNvPicPr>
+          <p:nvPr/>
+        </p:nvPicPr>
+        <p:blipFill>
           <a:blip r:embed="rId3" cstate="print">
             <a:extLst>
               <a:ext uri="{28A0092B-C50C-407E-A947-70E740481C1C}">
@@ -39095,7 +40302,7 @@
                 <a:latin typeface="Tw Cen MT" panose="020B0602020104020603" pitchFamily="34" charset="0"/>
               </a:rPr>
               <a:pPr/>
-              <a:t>4</a:t>
+              <a:t>5</a:t>
             </a:fld>
             <a:endParaRPr lang="en-US" sz="2000">
               <a:solidFill>
@@ -39434,7 +40641,7 @@
 </p:sld>
 </file>
 
-<file path=ppt/slides/slide5.xml><?xml version="1.0" encoding="utf-8"?>
+<file path=ppt/slides/slide6.xml><?xml version="1.0" encoding="utf-8"?>
 <p:sld xmlns:a="http://schemas.openxmlformats.org/drawingml/2006/main" xmlns:r="http://schemas.openxmlformats.org/officeDocument/2006/relationships" xmlns:p="http://schemas.openxmlformats.org/presentationml/2006/main">
   <p:cSld>
     <p:spTree>
@@ -39659,7 +40866,7 @@
                 <a:latin typeface="Tw Cen MT" panose="020B0602020104020603" pitchFamily="34" charset="0"/>
               </a:rPr>
               <a:pPr/>
-              <a:t>5</a:t>
+              <a:t>6</a:t>
             </a:fld>
             <a:endParaRPr lang="en-US" sz="2000">
               <a:solidFill>
@@ -39791,7 +40998,7 @@
 </p:sld>
 </file>
 
-<file path=ppt/slides/slide6.xml><?xml version="1.0" encoding="utf-8"?>
+<file path=ppt/slides/slide7.xml><?xml version="1.0" encoding="utf-8"?>
 <p:sld xmlns:a="http://schemas.openxmlformats.org/drawingml/2006/main" xmlns:r="http://schemas.openxmlformats.org/officeDocument/2006/relationships" xmlns:p="http://schemas.openxmlformats.org/presentationml/2006/main">
   <p:cSld>
     <p:spTree>
@@ -40016,7 +41223,7 @@
                 <a:latin typeface="Tw Cen MT" panose="020B0602020104020603" pitchFamily="34" charset="0"/>
               </a:rPr>
               <a:pPr/>
-              <a:t>6</a:t>
+              <a:t>7</a:t>
             </a:fld>
             <a:endParaRPr lang="en-US" sz="2000">
               <a:solidFill>
@@ -40121,7 +41328,7 @@
 </p:sld>
 </file>
 
-<file path=ppt/slides/slide7.xml><?xml version="1.0" encoding="utf-8"?>
+<file path=ppt/slides/slide8.xml><?xml version="1.0" encoding="utf-8"?>
 <p:sld xmlns:a="http://schemas.openxmlformats.org/drawingml/2006/main" xmlns:r="http://schemas.openxmlformats.org/officeDocument/2006/relationships" xmlns:p="http://schemas.openxmlformats.org/presentationml/2006/main">
   <p:cSld>
     <p:spTree>
@@ -40208,7 +41415,7 @@
                 <a:latin typeface="Tw Cen MT" panose="020B0602020104020603" pitchFamily="34" charset="0"/>
               </a:rPr>
               <a:pPr/>
-              <a:t>7</a:t>
+              <a:t>8</a:t>
             </a:fld>
             <a:endParaRPr lang="en-US" sz="2000">
               <a:solidFill>
@@ -40412,983 +41619,6 @@
     <p:extLst>
       <p:ext uri="{BB962C8B-B14F-4D97-AF65-F5344CB8AC3E}">
         <p14:creationId xmlns:p14="http://schemas.microsoft.com/office/powerpoint/2010/main" val="3685042600"/>
-      </p:ext>
-    </p:extLst>
-  </p:cSld>
-  <p:clrMapOvr>
-    <a:masterClrMapping/>
-  </p:clrMapOvr>
-  <mc:AlternateContent xmlns:mc="http://schemas.openxmlformats.org/markup-compatibility/2006" xmlns:p14="http://schemas.microsoft.com/office/powerpoint/2010/main">
-    <mc:Choice Requires="p14">
-      <p:transition spd="med" p14:dur="700">
-        <p:fade/>
-      </p:transition>
-    </mc:Choice>
-    <mc:Fallback xmlns="">
-      <p:transition spd="med">
-        <p:fade/>
-      </p:transition>
-    </mc:Fallback>
-  </mc:AlternateContent>
-</p:sld>
-</file>
-
-<file path=ppt/slides/slide8.xml><?xml version="1.0" encoding="utf-8"?>
-<p:sld xmlns:a="http://schemas.openxmlformats.org/drawingml/2006/main" xmlns:r="http://schemas.openxmlformats.org/officeDocument/2006/relationships" xmlns:p="http://schemas.openxmlformats.org/presentationml/2006/main">
-  <p:cSld>
-    <p:spTree>
-      <p:nvGrpSpPr>
-        <p:cNvPr id="1" name=""/>
-        <p:cNvGrpSpPr/>
-        <p:nvPr/>
-      </p:nvGrpSpPr>
-      <p:grpSpPr>
-        <a:xfrm>
-          <a:off x="0" y="0"/>
-          <a:ext cx="0" cy="0"/>
-          <a:chOff x="0" y="0"/>
-          <a:chExt cx="0" cy="0"/>
-        </a:xfrm>
-      </p:grpSpPr>
-      <p:pic>
-        <p:nvPicPr>
-          <p:cNvPr id="49" name="Picture 48">
-            <a:extLst>
-              <a:ext uri="{FF2B5EF4-FFF2-40B4-BE49-F238E27FC236}">
-                <a16:creationId xmlns:a16="http://schemas.microsoft.com/office/drawing/2014/main" id="{3DB88EB2-4959-4384-B606-6EC9735683D6}"/>
-              </a:ext>
-            </a:extLst>
-          </p:cNvPr>
-          <p:cNvPicPr>
-            <a:picLocks noChangeAspect="1"/>
-          </p:cNvPicPr>
-          <p:nvPr/>
-        </p:nvPicPr>
-        <p:blipFill>
-          <a:blip r:embed="rId3" cstate="print">
-            <a:extLst>
-              <a:ext uri="{28A0092B-C50C-407E-A947-70E740481C1C}">
-                <a14:useLocalDpi xmlns:a14="http://schemas.microsoft.com/office/drawing/2010/main" val="0"/>
-              </a:ext>
-            </a:extLst>
-          </a:blip>
-          <a:stretch>
-            <a:fillRect/>
-          </a:stretch>
-        </p:blipFill>
-        <p:spPr>
-          <a:xfrm>
-            <a:off x="84311" y="0"/>
-            <a:ext cx="1788262" cy="1152152"/>
-          </a:xfrm>
-          <a:prstGeom prst="rect">
-            <a:avLst/>
-          </a:prstGeom>
-        </p:spPr>
-      </p:pic>
-      <p:cxnSp>
-        <p:nvCxnSpPr>
-          <p:cNvPr id="51" name="Straight Connector 50">
-            <a:extLst>
-              <a:ext uri="{FF2B5EF4-FFF2-40B4-BE49-F238E27FC236}">
-                <a16:creationId xmlns:a16="http://schemas.microsoft.com/office/drawing/2014/main" id="{29B44FC3-C737-4B92-B1D0-AD232099FBDF}"/>
-              </a:ext>
-            </a:extLst>
-          </p:cNvPr>
-          <p:cNvCxnSpPr/>
-          <p:nvPr/>
-        </p:nvCxnSpPr>
-        <p:spPr>
-          <a:xfrm>
-            <a:off x="0" y="1228352"/>
-            <a:ext cx="12192000" cy="0"/>
-          </a:xfrm>
-          <a:prstGeom prst="line">
-            <a:avLst/>
-          </a:prstGeom>
-          <a:ln w="76200">
-            <a:solidFill>
-              <a:srgbClr val="0067AC"/>
-            </a:solidFill>
-          </a:ln>
-        </p:spPr>
-        <p:style>
-          <a:lnRef idx="1">
-            <a:schemeClr val="accent1"/>
-          </a:lnRef>
-          <a:fillRef idx="0">
-            <a:schemeClr val="accent1"/>
-          </a:fillRef>
-          <a:effectRef idx="0">
-            <a:schemeClr val="accent1"/>
-          </a:effectRef>
-          <a:fontRef idx="minor">
-            <a:schemeClr val="tx1"/>
-          </a:fontRef>
-        </p:style>
-      </p:cxnSp>
-      <p:sp>
-        <p:nvSpPr>
-          <p:cNvPr id="52" name="Title 1">
-            <a:extLst>
-              <a:ext uri="{FF2B5EF4-FFF2-40B4-BE49-F238E27FC236}">
-                <a16:creationId xmlns:a16="http://schemas.microsoft.com/office/drawing/2014/main" id="{2B8CDEBA-452A-4190-964B-37DF9F5C0EF5}"/>
-              </a:ext>
-            </a:extLst>
-          </p:cNvPr>
-          <p:cNvSpPr>
-            <a:spLocks noGrp="1"/>
-          </p:cNvSpPr>
-          <p:nvPr>
-            <p:ph type="title"/>
-          </p:nvPr>
-        </p:nvSpPr>
-        <p:spPr>
-          <a:xfrm>
-            <a:off x="1404259" y="213631"/>
-            <a:ext cx="10515600" cy="766989"/>
-          </a:xfrm>
-        </p:spPr>
-        <p:txBody>
-          <a:bodyPr>
-            <a:normAutofit fontScale="90000"/>
-          </a:bodyPr>
-          <a:lstStyle/>
-          <a:p>
-            <a:pPr algn="r">
-              <a:lnSpc>
-                <a:spcPct val="150000"/>
-              </a:lnSpc>
-              <a:buClr>
-                <a:srgbClr val="0067AC"/>
-              </a:buClr>
-            </a:pPr>
-            <a:r>
-              <a:rPr lang="en-US" dirty="0">
-                <a:latin typeface="Tw Cen MT" panose="020B0602020104020603" pitchFamily="34" charset="0"/>
-                <a:cs typeface="Arial" panose="020B0604020202020204" pitchFamily="34" charset="0"/>
-              </a:rPr>
-              <a:t>PERANCANGAN SISTEM</a:t>
-            </a:r>
-          </a:p>
-        </p:txBody>
-      </p:sp>
-      <p:sp>
-        <p:nvSpPr>
-          <p:cNvPr id="53" name="Rectangle 52">
-            <a:extLst>
-              <a:ext uri="{FF2B5EF4-FFF2-40B4-BE49-F238E27FC236}">
-                <a16:creationId xmlns:a16="http://schemas.microsoft.com/office/drawing/2014/main" id="{A0FB1C80-C067-49CE-95A9-A233AADF262C}"/>
-              </a:ext>
-            </a:extLst>
-          </p:cNvPr>
-          <p:cNvSpPr/>
-          <p:nvPr/>
-        </p:nvSpPr>
-        <p:spPr>
-          <a:xfrm>
-            <a:off x="0" y="6372225"/>
-            <a:ext cx="12192000" cy="485775"/>
-          </a:xfrm>
-          <a:prstGeom prst="rect">
-            <a:avLst/>
-          </a:prstGeom>
-          <a:ln>
-            <a:solidFill>
-              <a:srgbClr val="0067AC"/>
-            </a:solidFill>
-          </a:ln>
-        </p:spPr>
-        <p:style>
-          <a:lnRef idx="2">
-            <a:schemeClr val="accent1">
-              <a:shade val="50000"/>
-            </a:schemeClr>
-          </a:lnRef>
-          <a:fillRef idx="1">
-            <a:schemeClr val="accent1"/>
-          </a:fillRef>
-          <a:effectRef idx="0">
-            <a:schemeClr val="accent1"/>
-          </a:effectRef>
-          <a:fontRef idx="minor">
-            <a:schemeClr val="lt1"/>
-          </a:fontRef>
-        </p:style>
-        <p:txBody>
-          <a:bodyPr rtlCol="0" anchor="ctr"/>
-          <a:lstStyle/>
-          <a:p>
-            <a:pPr algn="ctr"/>
-            <a:endParaRPr lang="en-US"/>
-          </a:p>
-        </p:txBody>
-      </p:sp>
-      <p:sp>
-        <p:nvSpPr>
-          <p:cNvPr id="54" name="Slide Number Placeholder 5">
-            <a:extLst>
-              <a:ext uri="{FF2B5EF4-FFF2-40B4-BE49-F238E27FC236}">
-                <a16:creationId xmlns:a16="http://schemas.microsoft.com/office/drawing/2014/main" id="{9AD941AF-6002-455E-B6E0-BA52F0663035}"/>
-              </a:ext>
-            </a:extLst>
-          </p:cNvPr>
-          <p:cNvSpPr>
-            <a:spLocks noGrp="1"/>
-          </p:cNvSpPr>
-          <p:nvPr>
-            <p:ph type="sldNum" sz="quarter" idx="12"/>
-          </p:nvPr>
-        </p:nvSpPr>
-        <p:spPr>
-          <a:xfrm>
-            <a:off x="9176659" y="6432549"/>
-            <a:ext cx="2743200" cy="365125"/>
-          </a:xfrm>
-        </p:spPr>
-        <p:txBody>
-          <a:bodyPr/>
-          <a:lstStyle/>
-          <a:p>
-            <a:fld id="{F98B6361-BA1B-450B-B962-29ABDD099519}" type="slidenum">
-              <a:rPr lang="en-US" sz="2000" smtClean="0">
-                <a:solidFill>
-                  <a:schemeClr val="bg1"/>
-                </a:solidFill>
-                <a:latin typeface="Tw Cen MT" panose="020B0602020104020603" pitchFamily="34" charset="0"/>
-              </a:rPr>
-              <a:pPr/>
-              <a:t>8</a:t>
-            </a:fld>
-            <a:endParaRPr lang="en-US" sz="2000">
-              <a:solidFill>
-                <a:schemeClr val="bg1"/>
-              </a:solidFill>
-              <a:latin typeface="Tw Cen MT" panose="020B0602020104020603" pitchFamily="34" charset="0"/>
-            </a:endParaRPr>
-          </a:p>
-        </p:txBody>
-      </p:sp>
-      <p:sp>
-        <p:nvSpPr>
-          <p:cNvPr id="12" name="Footer Placeholder 4">
-            <a:extLst>
-              <a:ext uri="{FF2B5EF4-FFF2-40B4-BE49-F238E27FC236}">
-                <a16:creationId xmlns:a16="http://schemas.microsoft.com/office/drawing/2014/main" id="{AF0761A2-EAB9-4EAD-AEDD-517B32979B49}"/>
-              </a:ext>
-            </a:extLst>
-          </p:cNvPr>
-          <p:cNvSpPr>
-            <a:spLocks noGrp="1"/>
-          </p:cNvSpPr>
-          <p:nvPr>
-            <p:ph type="ftr" sz="quarter" idx="11"/>
-          </p:nvPr>
-        </p:nvSpPr>
-        <p:spPr>
-          <a:xfrm>
-            <a:off x="4038600" y="6356350"/>
-            <a:ext cx="4114800" cy="365125"/>
-          </a:xfrm>
-          <a:prstGeom prst="rect">
-            <a:avLst/>
-          </a:prstGeom>
-        </p:spPr>
-        <p:txBody>
-          <a:bodyPr/>
-          <a:lstStyle/>
-          <a:p>
-            <a:r>
-              <a:rPr lang="en-US" altLang="en-US">
-                <a:solidFill>
-                  <a:schemeClr val="bg1"/>
-                </a:solidFill>
-                <a:latin typeface="Trebuchet MS" panose="020B0603020202020204" pitchFamily="34" charset="0"/>
-              </a:rPr>
-              <a:t>Tugas Akhir – IF184802</a:t>
-            </a:r>
-          </a:p>
-        </p:txBody>
-      </p:sp>
-      <p:pic>
-        <p:nvPicPr>
-          <p:cNvPr id="22" name="Picture 21">
-            <a:extLst>
-              <a:ext uri="{FF2B5EF4-FFF2-40B4-BE49-F238E27FC236}">
-                <a16:creationId xmlns:a16="http://schemas.microsoft.com/office/drawing/2014/main" id="{455C1BDD-A17D-4A71-B9C6-186BBA293B10}"/>
-              </a:ext>
-            </a:extLst>
-          </p:cNvPr>
-          <p:cNvPicPr/>
-          <p:nvPr/>
-        </p:nvPicPr>
-        <p:blipFill>
-          <a:blip r:embed="rId4">
-            <a:extLst>
-              <a:ext uri="{28A0092B-C50C-407E-A947-70E740481C1C}">
-                <a14:useLocalDpi xmlns:a14="http://schemas.microsoft.com/office/drawing/2010/main" val="0"/>
-              </a:ext>
-            </a:extLst>
-          </a:blip>
-          <a:srcRect/>
-          <a:stretch>
-            <a:fillRect/>
-          </a:stretch>
-        </p:blipFill>
-        <p:spPr bwMode="auto">
-          <a:xfrm>
-            <a:off x="6499734" y="1534189"/>
-            <a:ext cx="4984695" cy="4057981"/>
-          </a:xfrm>
-          <a:prstGeom prst="rect">
-            <a:avLst/>
-          </a:prstGeom>
-          <a:noFill/>
-          <a:ln>
-            <a:noFill/>
-          </a:ln>
-        </p:spPr>
-      </p:pic>
-      <p:pic>
-        <p:nvPicPr>
-          <p:cNvPr id="2" name="Picture 1">
-            <a:extLst>
-              <a:ext uri="{FF2B5EF4-FFF2-40B4-BE49-F238E27FC236}">
-                <a16:creationId xmlns:a16="http://schemas.microsoft.com/office/drawing/2014/main" id="{A5F784F4-1042-472D-97AE-04193156F3F1}"/>
-              </a:ext>
-            </a:extLst>
-          </p:cNvPr>
-          <p:cNvPicPr>
-            <a:picLocks noChangeAspect="1"/>
-          </p:cNvPicPr>
-          <p:nvPr/>
-        </p:nvPicPr>
-        <p:blipFill>
-          <a:blip r:embed="rId5"/>
-          <a:stretch>
-            <a:fillRect/>
-          </a:stretch>
-        </p:blipFill>
-        <p:spPr>
-          <a:xfrm>
-            <a:off x="367540" y="1399884"/>
-            <a:ext cx="5812808" cy="4603349"/>
-          </a:xfrm>
-          <a:prstGeom prst="rect">
-            <a:avLst/>
-          </a:prstGeom>
-        </p:spPr>
-      </p:pic>
-      <p:sp>
-        <p:nvSpPr>
-          <p:cNvPr id="23" name="TextBox 22">
-            <a:extLst>
-              <a:ext uri="{FF2B5EF4-FFF2-40B4-BE49-F238E27FC236}">
-                <a16:creationId xmlns:a16="http://schemas.microsoft.com/office/drawing/2014/main" id="{1E5E8B43-8641-480C-B8A5-F05BC94780EC}"/>
-              </a:ext>
-            </a:extLst>
-          </p:cNvPr>
-          <p:cNvSpPr txBox="1"/>
-          <p:nvPr/>
-        </p:nvSpPr>
-        <p:spPr>
-          <a:xfrm>
-            <a:off x="3273944" y="2967335"/>
-            <a:ext cx="1655865" cy="461665"/>
-          </a:xfrm>
-          <a:prstGeom prst="rect">
-            <a:avLst/>
-          </a:prstGeom>
-          <a:noFill/>
-        </p:spPr>
-        <p:txBody>
-          <a:bodyPr wrap="square" rtlCol="0">
-            <a:spAutoFit/>
-          </a:bodyPr>
-          <a:lstStyle/>
-          <a:p>
-            <a:pPr algn="ctr"/>
-            <a:r>
-              <a:rPr lang="en-US" sz="1200" dirty="0"/>
-              <a:t>Server Basis Data</a:t>
-            </a:r>
-          </a:p>
-          <a:p>
-            <a:pPr algn="ctr"/>
-            <a:r>
-              <a:rPr lang="en-US" sz="1200" dirty="0"/>
-              <a:t>(</a:t>
-            </a:r>
-            <a:r>
-              <a:rPr lang="en-US" sz="1200" dirty="0" err="1"/>
-              <a:t>Verifikator</a:t>
-            </a:r>
-            <a:r>
-              <a:rPr lang="en-US" sz="1200" dirty="0"/>
-              <a:t> File)</a:t>
-            </a:r>
-          </a:p>
-        </p:txBody>
-      </p:sp>
-      <p:sp>
-        <p:nvSpPr>
-          <p:cNvPr id="24" name="TextBox 23">
-            <a:extLst>
-              <a:ext uri="{FF2B5EF4-FFF2-40B4-BE49-F238E27FC236}">
-                <a16:creationId xmlns:a16="http://schemas.microsoft.com/office/drawing/2014/main" id="{78C71BCB-B7C7-4329-898D-C857F4BDAA7D}"/>
-              </a:ext>
-            </a:extLst>
-          </p:cNvPr>
-          <p:cNvSpPr txBox="1"/>
-          <p:nvPr/>
-        </p:nvSpPr>
-        <p:spPr>
-          <a:xfrm>
-            <a:off x="1722300" y="5764293"/>
-            <a:ext cx="1941926" cy="276999"/>
-          </a:xfrm>
-          <a:prstGeom prst="rect">
-            <a:avLst/>
-          </a:prstGeom>
-          <a:noFill/>
-        </p:spPr>
-        <p:txBody>
-          <a:bodyPr wrap="square" rtlCol="0">
-            <a:spAutoFit/>
-          </a:bodyPr>
-          <a:lstStyle/>
-          <a:p>
-            <a:pPr algn="ctr"/>
-            <a:r>
-              <a:rPr lang="en-US" sz="1200" dirty="0"/>
-              <a:t>Server </a:t>
-            </a:r>
-            <a:r>
-              <a:rPr lang="en-US" sz="1200" dirty="0" err="1"/>
-              <a:t>Aplikasi</a:t>
-            </a:r>
-            <a:endParaRPr lang="en-US" sz="1200" dirty="0"/>
-          </a:p>
-        </p:txBody>
-      </p:sp>
-      <p:sp>
-        <p:nvSpPr>
-          <p:cNvPr id="25" name="TextBox 24">
-            <a:extLst>
-              <a:ext uri="{FF2B5EF4-FFF2-40B4-BE49-F238E27FC236}">
-                <a16:creationId xmlns:a16="http://schemas.microsoft.com/office/drawing/2014/main" id="{9B05503E-A0A5-4B38-A282-6C4C21BBC764}"/>
-              </a:ext>
-            </a:extLst>
-          </p:cNvPr>
-          <p:cNvSpPr txBox="1"/>
-          <p:nvPr/>
-        </p:nvSpPr>
-        <p:spPr>
-          <a:xfrm>
-            <a:off x="4525520" y="5769868"/>
-            <a:ext cx="1941926" cy="276999"/>
-          </a:xfrm>
-          <a:prstGeom prst="rect">
-            <a:avLst/>
-          </a:prstGeom>
-          <a:noFill/>
-        </p:spPr>
-        <p:txBody>
-          <a:bodyPr wrap="square" rtlCol="0">
-            <a:spAutoFit/>
-          </a:bodyPr>
-          <a:lstStyle/>
-          <a:p>
-            <a:pPr algn="ctr"/>
-            <a:r>
-              <a:rPr lang="en-US" sz="1200" dirty="0"/>
-              <a:t>Server Backup</a:t>
-            </a:r>
-          </a:p>
-        </p:txBody>
-      </p:sp>
-      <p:sp>
-        <p:nvSpPr>
-          <p:cNvPr id="26" name="TextBox 25">
-            <a:extLst>
-              <a:ext uri="{FF2B5EF4-FFF2-40B4-BE49-F238E27FC236}">
-                <a16:creationId xmlns:a16="http://schemas.microsoft.com/office/drawing/2014/main" id="{27729586-F45D-41E7-A8C9-A0753908FF29}"/>
-              </a:ext>
-            </a:extLst>
-          </p:cNvPr>
-          <p:cNvSpPr txBox="1"/>
-          <p:nvPr/>
-        </p:nvSpPr>
-        <p:spPr>
-          <a:xfrm>
-            <a:off x="-56101" y="5458116"/>
-            <a:ext cx="1791653" cy="276999"/>
-          </a:xfrm>
-          <a:prstGeom prst="rect">
-            <a:avLst/>
-          </a:prstGeom>
-          <a:noFill/>
-        </p:spPr>
-        <p:txBody>
-          <a:bodyPr wrap="square" rtlCol="0">
-            <a:spAutoFit/>
-          </a:bodyPr>
-          <a:lstStyle/>
-          <a:p>
-            <a:pPr algn="ctr"/>
-            <a:r>
-              <a:rPr lang="en-US" sz="1200" dirty="0" err="1"/>
-              <a:t>Pengguna</a:t>
-            </a:r>
-            <a:endParaRPr lang="en-US" sz="1200" dirty="0"/>
-          </a:p>
-        </p:txBody>
-      </p:sp>
-      <p:sp>
-        <p:nvSpPr>
-          <p:cNvPr id="3" name="Rectangle 2">
-            <a:extLst>
-              <a:ext uri="{FF2B5EF4-FFF2-40B4-BE49-F238E27FC236}">
-                <a16:creationId xmlns:a16="http://schemas.microsoft.com/office/drawing/2014/main" id="{FAD00F8F-3BF3-4637-92E4-EF866C085D08}"/>
-              </a:ext>
-            </a:extLst>
-          </p:cNvPr>
-          <p:cNvSpPr/>
-          <p:nvPr/>
-        </p:nvSpPr>
-        <p:spPr>
-          <a:xfrm>
-            <a:off x="2955235" y="3349488"/>
-            <a:ext cx="185530" cy="276999"/>
-          </a:xfrm>
-          <a:prstGeom prst="rect">
-            <a:avLst/>
-          </a:prstGeom>
-          <a:ln>
-            <a:solidFill>
-              <a:schemeClr val="bg1"/>
-            </a:solidFill>
-          </a:ln>
-        </p:spPr>
-        <p:style>
-          <a:lnRef idx="2">
-            <a:schemeClr val="accent6"/>
-          </a:lnRef>
-          <a:fillRef idx="1">
-            <a:schemeClr val="lt1"/>
-          </a:fillRef>
-          <a:effectRef idx="0">
-            <a:schemeClr val="accent6"/>
-          </a:effectRef>
-          <a:fontRef idx="minor">
-            <a:schemeClr val="dk1"/>
-          </a:fontRef>
-        </p:style>
-        <p:txBody>
-          <a:bodyPr rtlCol="0" anchor="ctr"/>
-          <a:lstStyle/>
-          <a:p>
-            <a:pPr algn="ctr"/>
-            <a:endParaRPr lang="en-US"/>
-          </a:p>
-        </p:txBody>
-      </p:sp>
-      <p:sp>
-        <p:nvSpPr>
-          <p:cNvPr id="27" name="Rectangle 26">
-            <a:extLst>
-              <a:ext uri="{FF2B5EF4-FFF2-40B4-BE49-F238E27FC236}">
-                <a16:creationId xmlns:a16="http://schemas.microsoft.com/office/drawing/2014/main" id="{527D26B3-8978-4AA8-8064-170AB5A6087F}"/>
-              </a:ext>
-            </a:extLst>
-          </p:cNvPr>
-          <p:cNvSpPr/>
-          <p:nvPr/>
-        </p:nvSpPr>
-        <p:spPr>
-          <a:xfrm>
-            <a:off x="1687043" y="4542021"/>
-            <a:ext cx="185530" cy="276999"/>
-          </a:xfrm>
-          <a:prstGeom prst="rect">
-            <a:avLst/>
-          </a:prstGeom>
-          <a:ln>
-            <a:solidFill>
-              <a:schemeClr val="bg1"/>
-            </a:solidFill>
-          </a:ln>
-        </p:spPr>
-        <p:style>
-          <a:lnRef idx="2">
-            <a:schemeClr val="accent6"/>
-          </a:lnRef>
-          <a:fillRef idx="1">
-            <a:schemeClr val="lt1"/>
-          </a:fillRef>
-          <a:effectRef idx="0">
-            <a:schemeClr val="accent6"/>
-          </a:effectRef>
-          <a:fontRef idx="minor">
-            <a:schemeClr val="dk1"/>
-          </a:fontRef>
-        </p:style>
-        <p:txBody>
-          <a:bodyPr rtlCol="0" anchor="ctr"/>
-          <a:lstStyle/>
-          <a:p>
-            <a:pPr algn="ctr"/>
-            <a:endParaRPr lang="en-US"/>
-          </a:p>
-        </p:txBody>
-      </p:sp>
-      <p:sp>
-        <p:nvSpPr>
-          <p:cNvPr id="28" name="Rectangle 27">
-            <a:extLst>
-              <a:ext uri="{FF2B5EF4-FFF2-40B4-BE49-F238E27FC236}">
-                <a16:creationId xmlns:a16="http://schemas.microsoft.com/office/drawing/2014/main" id="{EC34296C-CBEA-4B7C-8A0D-4887211474ED}"/>
-              </a:ext>
-            </a:extLst>
-          </p:cNvPr>
-          <p:cNvSpPr/>
-          <p:nvPr/>
-        </p:nvSpPr>
-        <p:spPr>
-          <a:xfrm>
-            <a:off x="1687043" y="5233851"/>
-            <a:ext cx="185530" cy="276999"/>
-          </a:xfrm>
-          <a:prstGeom prst="rect">
-            <a:avLst/>
-          </a:prstGeom>
-          <a:ln>
-            <a:solidFill>
-              <a:schemeClr val="bg1"/>
-            </a:solidFill>
-          </a:ln>
-        </p:spPr>
-        <p:style>
-          <a:lnRef idx="2">
-            <a:schemeClr val="accent6"/>
-          </a:lnRef>
-          <a:fillRef idx="1">
-            <a:schemeClr val="lt1"/>
-          </a:fillRef>
-          <a:effectRef idx="0">
-            <a:schemeClr val="accent6"/>
-          </a:effectRef>
-          <a:fontRef idx="minor">
-            <a:schemeClr val="dk1"/>
-          </a:fontRef>
-        </p:style>
-        <p:txBody>
-          <a:bodyPr rtlCol="0" anchor="ctr"/>
-          <a:lstStyle/>
-          <a:p>
-            <a:pPr algn="ctr"/>
-            <a:endParaRPr lang="en-US"/>
-          </a:p>
-        </p:txBody>
-      </p:sp>
-      <p:sp>
-        <p:nvSpPr>
-          <p:cNvPr id="29" name="Rectangle 28">
-            <a:extLst>
-              <a:ext uri="{FF2B5EF4-FFF2-40B4-BE49-F238E27FC236}">
-                <a16:creationId xmlns:a16="http://schemas.microsoft.com/office/drawing/2014/main" id="{8B8C0F55-B200-403E-912E-8572B6136762}"/>
-              </a:ext>
-            </a:extLst>
-          </p:cNvPr>
-          <p:cNvSpPr/>
-          <p:nvPr/>
-        </p:nvSpPr>
-        <p:spPr>
-          <a:xfrm>
-            <a:off x="3945835" y="5631368"/>
-            <a:ext cx="185530" cy="276999"/>
-          </a:xfrm>
-          <a:prstGeom prst="rect">
-            <a:avLst/>
-          </a:prstGeom>
-          <a:ln>
-            <a:solidFill>
-              <a:schemeClr val="bg1"/>
-            </a:solidFill>
-          </a:ln>
-        </p:spPr>
-        <p:style>
-          <a:lnRef idx="2">
-            <a:schemeClr val="accent6"/>
-          </a:lnRef>
-          <a:fillRef idx="1">
-            <a:schemeClr val="lt1"/>
-          </a:fillRef>
-          <a:effectRef idx="0">
-            <a:schemeClr val="accent6"/>
-          </a:effectRef>
-          <a:fontRef idx="minor">
-            <a:schemeClr val="dk1"/>
-          </a:fontRef>
-        </p:style>
-        <p:txBody>
-          <a:bodyPr rtlCol="0" anchor="ctr"/>
-          <a:lstStyle/>
-          <a:p>
-            <a:pPr algn="ctr"/>
-            <a:endParaRPr lang="en-US"/>
-          </a:p>
-        </p:txBody>
-      </p:sp>
-      <p:sp>
-        <p:nvSpPr>
-          <p:cNvPr id="30" name="Rectangle 29">
-            <a:extLst>
-              <a:ext uri="{FF2B5EF4-FFF2-40B4-BE49-F238E27FC236}">
-                <a16:creationId xmlns:a16="http://schemas.microsoft.com/office/drawing/2014/main" id="{A71C6B20-0644-4533-94AC-6AD823098D39}"/>
-              </a:ext>
-            </a:extLst>
-          </p:cNvPr>
-          <p:cNvSpPr/>
-          <p:nvPr/>
-        </p:nvSpPr>
-        <p:spPr>
-          <a:xfrm>
-            <a:off x="3916346" y="4932335"/>
-            <a:ext cx="185530" cy="276999"/>
-          </a:xfrm>
-          <a:prstGeom prst="rect">
-            <a:avLst/>
-          </a:prstGeom>
-          <a:ln>
-            <a:solidFill>
-              <a:schemeClr val="bg1"/>
-            </a:solidFill>
-          </a:ln>
-        </p:spPr>
-        <p:style>
-          <a:lnRef idx="2">
-            <a:schemeClr val="accent6"/>
-          </a:lnRef>
-          <a:fillRef idx="1">
-            <a:schemeClr val="lt1"/>
-          </a:fillRef>
-          <a:effectRef idx="0">
-            <a:schemeClr val="accent6"/>
-          </a:effectRef>
-          <a:fontRef idx="minor">
-            <a:schemeClr val="dk1"/>
-          </a:fontRef>
-        </p:style>
-        <p:txBody>
-          <a:bodyPr rtlCol="0" anchor="ctr"/>
-          <a:lstStyle/>
-          <a:p>
-            <a:pPr algn="ctr"/>
-            <a:endParaRPr lang="en-US"/>
-          </a:p>
-        </p:txBody>
-      </p:sp>
-      <p:sp>
-        <p:nvSpPr>
-          <p:cNvPr id="31" name="Rectangle 30">
-            <a:extLst>
-              <a:ext uri="{FF2B5EF4-FFF2-40B4-BE49-F238E27FC236}">
-                <a16:creationId xmlns:a16="http://schemas.microsoft.com/office/drawing/2014/main" id="{814A25C1-B01A-4BD7-BDF7-8CD01828CDC0}"/>
-              </a:ext>
-            </a:extLst>
-          </p:cNvPr>
-          <p:cNvSpPr/>
-          <p:nvPr/>
-        </p:nvSpPr>
-        <p:spPr>
-          <a:xfrm>
-            <a:off x="3478696" y="3833170"/>
-            <a:ext cx="185530" cy="276999"/>
-          </a:xfrm>
-          <a:prstGeom prst="rect">
-            <a:avLst/>
-          </a:prstGeom>
-          <a:ln>
-            <a:solidFill>
-              <a:schemeClr val="bg1"/>
-            </a:solidFill>
-          </a:ln>
-        </p:spPr>
-        <p:style>
-          <a:lnRef idx="2">
-            <a:schemeClr val="accent6"/>
-          </a:lnRef>
-          <a:fillRef idx="1">
-            <a:schemeClr val="lt1"/>
-          </a:fillRef>
-          <a:effectRef idx="0">
-            <a:schemeClr val="accent6"/>
-          </a:effectRef>
-          <a:fontRef idx="minor">
-            <a:schemeClr val="dk1"/>
-          </a:fontRef>
-        </p:style>
-        <p:txBody>
-          <a:bodyPr rtlCol="0" anchor="ctr"/>
-          <a:lstStyle/>
-          <a:p>
-            <a:pPr algn="ctr"/>
-            <a:endParaRPr lang="en-US"/>
-          </a:p>
-        </p:txBody>
-      </p:sp>
-      <p:sp>
-        <p:nvSpPr>
-          <p:cNvPr id="32" name="Rectangle 31">
-            <a:extLst>
-              <a:ext uri="{FF2B5EF4-FFF2-40B4-BE49-F238E27FC236}">
-                <a16:creationId xmlns:a16="http://schemas.microsoft.com/office/drawing/2014/main" id="{12F2F9E6-7E23-4251-B65A-882B28732CD3}"/>
-              </a:ext>
-            </a:extLst>
-          </p:cNvPr>
-          <p:cNvSpPr/>
-          <p:nvPr/>
-        </p:nvSpPr>
-        <p:spPr>
-          <a:xfrm>
-            <a:off x="4525520" y="3833170"/>
-            <a:ext cx="185530" cy="276999"/>
-          </a:xfrm>
-          <a:prstGeom prst="rect">
-            <a:avLst/>
-          </a:prstGeom>
-          <a:ln>
-            <a:solidFill>
-              <a:schemeClr val="bg1"/>
-            </a:solidFill>
-          </a:ln>
-        </p:spPr>
-        <p:style>
-          <a:lnRef idx="2">
-            <a:schemeClr val="accent6"/>
-          </a:lnRef>
-          <a:fillRef idx="1">
-            <a:schemeClr val="lt1"/>
-          </a:fillRef>
-          <a:effectRef idx="0">
-            <a:schemeClr val="accent6"/>
-          </a:effectRef>
-          <a:fontRef idx="minor">
-            <a:schemeClr val="dk1"/>
-          </a:fontRef>
-        </p:style>
-        <p:txBody>
-          <a:bodyPr rtlCol="0" anchor="ctr"/>
-          <a:lstStyle/>
-          <a:p>
-            <a:pPr algn="ctr"/>
-            <a:endParaRPr lang="en-US"/>
-          </a:p>
-        </p:txBody>
-      </p:sp>
-      <p:sp>
-        <p:nvSpPr>
-          <p:cNvPr id="33" name="Rectangle 32">
-            <a:extLst>
-              <a:ext uri="{FF2B5EF4-FFF2-40B4-BE49-F238E27FC236}">
-                <a16:creationId xmlns:a16="http://schemas.microsoft.com/office/drawing/2014/main" id="{BD359195-1C28-4027-AD7B-9F6BFCF81244}"/>
-              </a:ext>
-            </a:extLst>
-          </p:cNvPr>
-          <p:cNvSpPr/>
-          <p:nvPr/>
-        </p:nvSpPr>
-        <p:spPr>
-          <a:xfrm>
-            <a:off x="3419728" y="3879166"/>
-            <a:ext cx="185530" cy="276999"/>
-          </a:xfrm>
-          <a:prstGeom prst="rect">
-            <a:avLst/>
-          </a:prstGeom>
-          <a:ln>
-            <a:solidFill>
-              <a:schemeClr val="bg1"/>
-            </a:solidFill>
-          </a:ln>
-        </p:spPr>
-        <p:style>
-          <a:lnRef idx="2">
-            <a:schemeClr val="accent6"/>
-          </a:lnRef>
-          <a:fillRef idx="1">
-            <a:schemeClr val="lt1"/>
-          </a:fillRef>
-          <a:effectRef idx="0">
-            <a:schemeClr val="accent6"/>
-          </a:effectRef>
-          <a:fontRef idx="minor">
-            <a:schemeClr val="dk1"/>
-          </a:fontRef>
-        </p:style>
-        <p:txBody>
-          <a:bodyPr rtlCol="0" anchor="ctr"/>
-          <a:lstStyle/>
-          <a:p>
-            <a:pPr algn="ctr"/>
-            <a:endParaRPr lang="en-US"/>
-          </a:p>
-        </p:txBody>
-      </p:sp>
-      <p:sp>
-        <p:nvSpPr>
-          <p:cNvPr id="34" name="Rectangle 33">
-            <a:extLst>
-              <a:ext uri="{FF2B5EF4-FFF2-40B4-BE49-F238E27FC236}">
-                <a16:creationId xmlns:a16="http://schemas.microsoft.com/office/drawing/2014/main" id="{ADD3C38E-73E4-4F88-900E-CAC04E8A3242}"/>
-              </a:ext>
-            </a:extLst>
-          </p:cNvPr>
-          <p:cNvSpPr/>
-          <p:nvPr/>
-        </p:nvSpPr>
-        <p:spPr>
-          <a:xfrm>
-            <a:off x="5051080" y="3371538"/>
-            <a:ext cx="185530" cy="276999"/>
-          </a:xfrm>
-          <a:prstGeom prst="rect">
-            <a:avLst/>
-          </a:prstGeom>
-          <a:ln>
-            <a:solidFill>
-              <a:schemeClr val="bg1"/>
-            </a:solidFill>
-          </a:ln>
-        </p:spPr>
-        <p:style>
-          <a:lnRef idx="2">
-            <a:schemeClr val="accent6"/>
-          </a:lnRef>
-          <a:fillRef idx="1">
-            <a:schemeClr val="lt1"/>
-          </a:fillRef>
-          <a:effectRef idx="0">
-            <a:schemeClr val="accent6"/>
-          </a:effectRef>
-          <a:fontRef idx="minor">
-            <a:schemeClr val="dk1"/>
-          </a:fontRef>
-        </p:style>
-        <p:txBody>
-          <a:bodyPr rtlCol="0" anchor="ctr"/>
-          <a:lstStyle/>
-          <a:p>
-            <a:pPr algn="ctr"/>
-            <a:endParaRPr lang="en-US"/>
-          </a:p>
-        </p:txBody>
-      </p:sp>
-    </p:spTree>
-    <p:extLst>
-      <p:ext uri="{BB962C8B-B14F-4D97-AF65-F5344CB8AC3E}">
-        <p14:creationId xmlns:p14="http://schemas.microsoft.com/office/powerpoint/2010/main" val="2360546031"/>
       </p:ext>
     </p:extLst>
   </p:cSld>
@@ -41714,8 +41944,8 @@
         </p:blipFill>
         <p:spPr bwMode="auto">
           <a:xfrm>
-            <a:off x="1677364" y="1365783"/>
-            <a:ext cx="5863123" cy="4854040"/>
+            <a:off x="6499734" y="1534189"/>
+            <a:ext cx="4984695" cy="4057981"/>
           </a:xfrm>
           <a:prstGeom prst="rect">
             <a:avLst/>
@@ -41726,12 +41956,42 @@
           </a:ln>
         </p:spPr>
       </p:pic>
+      <p:pic>
+        <p:nvPicPr>
+          <p:cNvPr id="2" name="Picture 1">
+            <a:extLst>
+              <a:ext uri="{FF2B5EF4-FFF2-40B4-BE49-F238E27FC236}">
+                <a16:creationId xmlns:a16="http://schemas.microsoft.com/office/drawing/2014/main" id="{A5F784F4-1042-472D-97AE-04193156F3F1}"/>
+              </a:ext>
+            </a:extLst>
+          </p:cNvPr>
+          <p:cNvPicPr>
+            <a:picLocks noChangeAspect="1"/>
+          </p:cNvPicPr>
+          <p:nvPr/>
+        </p:nvPicPr>
+        <p:blipFill>
+          <a:blip r:embed="rId5"/>
+          <a:stretch>
+            <a:fillRect/>
+          </a:stretch>
+        </p:blipFill>
+        <p:spPr>
+          <a:xfrm>
+            <a:off x="367540" y="1399884"/>
+            <a:ext cx="5812808" cy="4603349"/>
+          </a:xfrm>
+          <a:prstGeom prst="rect">
+            <a:avLst/>
+          </a:prstGeom>
+        </p:spPr>
+      </p:pic>
       <p:sp>
         <p:nvSpPr>
-          <p:cNvPr id="2" name="TextBox 1">
+          <p:cNvPr id="23" name="TextBox 22">
             <a:extLst>
               <a:ext uri="{FF2B5EF4-FFF2-40B4-BE49-F238E27FC236}">
-                <a16:creationId xmlns:a16="http://schemas.microsoft.com/office/drawing/2014/main" id="{0EBCFE01-8C28-41B3-80CB-6D773E7F81FE}"/>
+                <a16:creationId xmlns:a16="http://schemas.microsoft.com/office/drawing/2014/main" id="{1E5E8B43-8641-480C-B8A5-F05BC94780EC}"/>
               </a:ext>
             </a:extLst>
           </p:cNvPr>
@@ -41740,8 +42000,8 @@
         </p:nvSpPr>
         <p:spPr>
           <a:xfrm>
-            <a:off x="8354099" y="1950879"/>
-            <a:ext cx="1783381" cy="461665"/>
+            <a:off x="3273944" y="3024830"/>
+            <a:ext cx="1655865" cy="276999"/>
           </a:xfrm>
           <a:prstGeom prst="rect">
             <a:avLst/>
@@ -41756,19 +42016,123 @@
           <a:p>
             <a:pPr algn="ctr"/>
             <a:r>
-              <a:rPr lang="en-US" sz="1200" dirty="0" err="1"/>
-              <a:t>Verifikator</a:t>
-            </a:r>
-            <a:r>
-              <a:rPr lang="en-US" sz="1200" dirty="0"/>
-              <a:t> File</a:t>
-            </a:r>
-          </a:p>
-          <a:p>
-            <a:pPr algn="ctr"/>
-            <a:r>
               <a:rPr lang="en-US" sz="1200" dirty="0"/>
               <a:t>Server Basis Data</a:t>
+            </a:r>
+          </a:p>
+        </p:txBody>
+      </p:sp>
+      <p:sp>
+        <p:nvSpPr>
+          <p:cNvPr id="24" name="TextBox 23">
+            <a:extLst>
+              <a:ext uri="{FF2B5EF4-FFF2-40B4-BE49-F238E27FC236}">
+                <a16:creationId xmlns:a16="http://schemas.microsoft.com/office/drawing/2014/main" id="{78C71BCB-B7C7-4329-898D-C857F4BDAA7D}"/>
+              </a:ext>
+            </a:extLst>
+          </p:cNvPr>
+          <p:cNvSpPr txBox="1"/>
+          <p:nvPr/>
+        </p:nvSpPr>
+        <p:spPr>
+          <a:xfrm>
+            <a:off x="1722300" y="5764293"/>
+            <a:ext cx="1941926" cy="461665"/>
+          </a:xfrm>
+          <a:prstGeom prst="rect">
+            <a:avLst/>
+          </a:prstGeom>
+          <a:noFill/>
+        </p:spPr>
+        <p:txBody>
+          <a:bodyPr wrap="square" rtlCol="0">
+            <a:spAutoFit/>
+          </a:bodyPr>
+          <a:lstStyle/>
+          <a:p>
+            <a:pPr algn="ctr"/>
+            <a:r>
+              <a:rPr lang="en-US" sz="1200" dirty="0"/>
+              <a:t>Server Aplikasi</a:t>
+            </a:r>
+          </a:p>
+          <a:p>
+            <a:pPr algn="ctr"/>
+            <a:r>
+              <a:rPr lang="en-US" sz="1200" dirty="0"/>
+              <a:t>(Verifikator File)</a:t>
+            </a:r>
+          </a:p>
+        </p:txBody>
+      </p:sp>
+      <p:sp>
+        <p:nvSpPr>
+          <p:cNvPr id="25" name="TextBox 24">
+            <a:extLst>
+              <a:ext uri="{FF2B5EF4-FFF2-40B4-BE49-F238E27FC236}">
+                <a16:creationId xmlns:a16="http://schemas.microsoft.com/office/drawing/2014/main" id="{9B05503E-A0A5-4B38-A282-6C4C21BBC764}"/>
+              </a:ext>
+            </a:extLst>
+          </p:cNvPr>
+          <p:cNvSpPr txBox="1"/>
+          <p:nvPr/>
+        </p:nvSpPr>
+        <p:spPr>
+          <a:xfrm>
+            <a:off x="4525520" y="5769868"/>
+            <a:ext cx="1941926" cy="276999"/>
+          </a:xfrm>
+          <a:prstGeom prst="rect">
+            <a:avLst/>
+          </a:prstGeom>
+          <a:noFill/>
+        </p:spPr>
+        <p:txBody>
+          <a:bodyPr wrap="square" rtlCol="0">
+            <a:spAutoFit/>
+          </a:bodyPr>
+          <a:lstStyle/>
+          <a:p>
+            <a:pPr algn="ctr"/>
+            <a:r>
+              <a:rPr lang="en-US" sz="1200" dirty="0"/>
+              <a:t>Server Backup</a:t>
+            </a:r>
+          </a:p>
+        </p:txBody>
+      </p:sp>
+      <p:sp>
+        <p:nvSpPr>
+          <p:cNvPr id="26" name="TextBox 25">
+            <a:extLst>
+              <a:ext uri="{FF2B5EF4-FFF2-40B4-BE49-F238E27FC236}">
+                <a16:creationId xmlns:a16="http://schemas.microsoft.com/office/drawing/2014/main" id="{27729586-F45D-41E7-A8C9-A0753908FF29}"/>
+              </a:ext>
+            </a:extLst>
+          </p:cNvPr>
+          <p:cNvSpPr txBox="1"/>
+          <p:nvPr/>
+        </p:nvSpPr>
+        <p:spPr>
+          <a:xfrm>
+            <a:off x="-56101" y="5458116"/>
+            <a:ext cx="1791653" cy="276999"/>
+          </a:xfrm>
+          <a:prstGeom prst="rect">
+            <a:avLst/>
+          </a:prstGeom>
+          <a:noFill/>
+        </p:spPr>
+        <p:txBody>
+          <a:bodyPr wrap="square" rtlCol="0">
+            <a:spAutoFit/>
+          </a:bodyPr>
+          <a:lstStyle/>
+          <a:p>
+            <a:pPr algn="ctr"/>
+            <a:r>
+              <a:rPr lang="en-US" sz="1200" dirty="0"/>
+              <a:t>Pengguna</a:t>
             </a:r>
           </a:p>
         </p:txBody>
@@ -41778,7 +42142,7 @@
           <p:cNvPr id="3" name="Rectangle 2">
             <a:extLst>
               <a:ext uri="{FF2B5EF4-FFF2-40B4-BE49-F238E27FC236}">
-                <a16:creationId xmlns:a16="http://schemas.microsoft.com/office/drawing/2014/main" id="{E17951FD-ABDE-45F0-A234-53B73D329814}"/>
+                <a16:creationId xmlns:a16="http://schemas.microsoft.com/office/drawing/2014/main" id="{FAD00F8F-3BF3-4637-92E4-EF866C085D08}"/>
               </a:ext>
             </a:extLst>
           </p:cNvPr>
@@ -41787,8 +42151,8 @@
         </p:nvSpPr>
         <p:spPr>
           <a:xfrm>
-            <a:off x="4468353" y="3048001"/>
-            <a:ext cx="2193706" cy="270776"/>
+            <a:off x="2955235" y="3349488"/>
+            <a:ext cx="185530" cy="276999"/>
           </a:xfrm>
           <a:prstGeom prst="rect">
             <a:avLst/>
@@ -41818,16 +42182,16 @@
           <a:lstStyle/>
           <a:p>
             <a:pPr algn="ctr"/>
-            <a:endParaRPr lang="en-US"/>
+            <a:endParaRPr lang="en-US" dirty="0"/>
           </a:p>
         </p:txBody>
       </p:sp>
       <p:sp>
         <p:nvSpPr>
-          <p:cNvPr id="23" name="Rectangle 22">
+          <p:cNvPr id="27" name="Rectangle 26">
             <a:extLst>
               <a:ext uri="{FF2B5EF4-FFF2-40B4-BE49-F238E27FC236}">
-                <a16:creationId xmlns:a16="http://schemas.microsoft.com/office/drawing/2014/main" id="{4CEA82EB-042C-49C3-A8B9-43C84B0028EB}"/>
+                <a16:creationId xmlns:a16="http://schemas.microsoft.com/office/drawing/2014/main" id="{527D26B3-8978-4AA8-8064-170AB5A6087F}"/>
               </a:ext>
             </a:extLst>
           </p:cNvPr>
@@ -41836,8 +42200,8 @@
         </p:nvSpPr>
         <p:spPr>
           <a:xfrm>
-            <a:off x="2569054" y="5973229"/>
-            <a:ext cx="2193706" cy="270776"/>
+            <a:off x="1687043" y="4542021"/>
+            <a:ext cx="185530" cy="276999"/>
           </a:xfrm>
           <a:prstGeom prst="rect">
             <a:avLst/>
@@ -41867,16 +42231,16 @@
           <a:lstStyle/>
           <a:p>
             <a:pPr algn="ctr"/>
-            <a:endParaRPr lang="en-US"/>
+            <a:endParaRPr lang="en-US" dirty="0"/>
           </a:p>
         </p:txBody>
       </p:sp>
       <p:sp>
         <p:nvSpPr>
-          <p:cNvPr id="24" name="Rectangle 23">
+          <p:cNvPr id="28" name="Rectangle 27">
             <a:extLst>
               <a:ext uri="{FF2B5EF4-FFF2-40B4-BE49-F238E27FC236}">
-                <a16:creationId xmlns:a16="http://schemas.microsoft.com/office/drawing/2014/main" id="{90A4E147-1B3B-414D-B9DA-B8FFE3476312}"/>
+                <a16:creationId xmlns:a16="http://schemas.microsoft.com/office/drawing/2014/main" id="{EC34296C-CBEA-4B7C-8A0D-4887211474ED}"/>
               </a:ext>
             </a:extLst>
           </p:cNvPr>
@@ -41885,8 +42249,8 @@
         </p:nvSpPr>
         <p:spPr>
           <a:xfrm>
-            <a:off x="6160393" y="6025248"/>
-            <a:ext cx="2193706" cy="270776"/>
+            <a:off x="1687043" y="5233851"/>
+            <a:ext cx="185530" cy="276999"/>
           </a:xfrm>
           <a:prstGeom prst="rect">
             <a:avLst/>
@@ -41916,14 +42280,308 @@
           <a:lstStyle/>
           <a:p>
             <a:pPr algn="ctr"/>
-            <a:endParaRPr lang="en-US"/>
+            <a:endParaRPr lang="en-US" dirty="0"/>
+          </a:p>
+        </p:txBody>
+      </p:sp>
+      <p:sp>
+        <p:nvSpPr>
+          <p:cNvPr id="29" name="Rectangle 28">
+            <a:extLst>
+              <a:ext uri="{FF2B5EF4-FFF2-40B4-BE49-F238E27FC236}">
+                <a16:creationId xmlns:a16="http://schemas.microsoft.com/office/drawing/2014/main" id="{8B8C0F55-B200-403E-912E-8572B6136762}"/>
+              </a:ext>
+            </a:extLst>
+          </p:cNvPr>
+          <p:cNvSpPr/>
+          <p:nvPr/>
+        </p:nvSpPr>
+        <p:spPr>
+          <a:xfrm>
+            <a:off x="3945835" y="5631368"/>
+            <a:ext cx="185530" cy="276999"/>
+          </a:xfrm>
+          <a:prstGeom prst="rect">
+            <a:avLst/>
+          </a:prstGeom>
+          <a:ln>
+            <a:solidFill>
+              <a:schemeClr val="bg1"/>
+            </a:solidFill>
+          </a:ln>
+        </p:spPr>
+        <p:style>
+          <a:lnRef idx="2">
+            <a:schemeClr val="accent6"/>
+          </a:lnRef>
+          <a:fillRef idx="1">
+            <a:schemeClr val="lt1"/>
+          </a:fillRef>
+          <a:effectRef idx="0">
+            <a:schemeClr val="accent6"/>
+          </a:effectRef>
+          <a:fontRef idx="minor">
+            <a:schemeClr val="dk1"/>
+          </a:fontRef>
+        </p:style>
+        <p:txBody>
+          <a:bodyPr rtlCol="0" anchor="ctr"/>
+          <a:lstStyle/>
+          <a:p>
+            <a:pPr algn="ctr"/>
+            <a:endParaRPr lang="en-US" dirty="0"/>
+          </a:p>
+        </p:txBody>
+      </p:sp>
+      <p:sp>
+        <p:nvSpPr>
+          <p:cNvPr id="30" name="Rectangle 29">
+            <a:extLst>
+              <a:ext uri="{FF2B5EF4-FFF2-40B4-BE49-F238E27FC236}">
+                <a16:creationId xmlns:a16="http://schemas.microsoft.com/office/drawing/2014/main" id="{A71C6B20-0644-4533-94AC-6AD823098D39}"/>
+              </a:ext>
+            </a:extLst>
+          </p:cNvPr>
+          <p:cNvSpPr/>
+          <p:nvPr/>
+        </p:nvSpPr>
+        <p:spPr>
+          <a:xfrm>
+            <a:off x="3916346" y="4932335"/>
+            <a:ext cx="185530" cy="276999"/>
+          </a:xfrm>
+          <a:prstGeom prst="rect">
+            <a:avLst/>
+          </a:prstGeom>
+          <a:ln>
+            <a:solidFill>
+              <a:schemeClr val="bg1"/>
+            </a:solidFill>
+          </a:ln>
+        </p:spPr>
+        <p:style>
+          <a:lnRef idx="2">
+            <a:schemeClr val="accent6"/>
+          </a:lnRef>
+          <a:fillRef idx="1">
+            <a:schemeClr val="lt1"/>
+          </a:fillRef>
+          <a:effectRef idx="0">
+            <a:schemeClr val="accent6"/>
+          </a:effectRef>
+          <a:fontRef idx="minor">
+            <a:schemeClr val="dk1"/>
+          </a:fontRef>
+        </p:style>
+        <p:txBody>
+          <a:bodyPr rtlCol="0" anchor="ctr"/>
+          <a:lstStyle/>
+          <a:p>
+            <a:pPr algn="ctr"/>
+            <a:endParaRPr lang="en-US" dirty="0"/>
+          </a:p>
+        </p:txBody>
+      </p:sp>
+      <p:sp>
+        <p:nvSpPr>
+          <p:cNvPr id="31" name="Rectangle 30">
+            <a:extLst>
+              <a:ext uri="{FF2B5EF4-FFF2-40B4-BE49-F238E27FC236}">
+                <a16:creationId xmlns:a16="http://schemas.microsoft.com/office/drawing/2014/main" id="{814A25C1-B01A-4BD7-BDF7-8CD01828CDC0}"/>
+              </a:ext>
+            </a:extLst>
+          </p:cNvPr>
+          <p:cNvSpPr/>
+          <p:nvPr/>
+        </p:nvSpPr>
+        <p:spPr>
+          <a:xfrm>
+            <a:off x="3478696" y="3833170"/>
+            <a:ext cx="185530" cy="276999"/>
+          </a:xfrm>
+          <a:prstGeom prst="rect">
+            <a:avLst/>
+          </a:prstGeom>
+          <a:ln>
+            <a:solidFill>
+              <a:schemeClr val="bg1"/>
+            </a:solidFill>
+          </a:ln>
+        </p:spPr>
+        <p:style>
+          <a:lnRef idx="2">
+            <a:schemeClr val="accent6"/>
+          </a:lnRef>
+          <a:fillRef idx="1">
+            <a:schemeClr val="lt1"/>
+          </a:fillRef>
+          <a:effectRef idx="0">
+            <a:schemeClr val="accent6"/>
+          </a:effectRef>
+          <a:fontRef idx="minor">
+            <a:schemeClr val="dk1"/>
+          </a:fontRef>
+        </p:style>
+        <p:txBody>
+          <a:bodyPr rtlCol="0" anchor="ctr"/>
+          <a:lstStyle/>
+          <a:p>
+            <a:pPr algn="ctr"/>
+            <a:endParaRPr lang="en-US" dirty="0"/>
+          </a:p>
+        </p:txBody>
+      </p:sp>
+      <p:sp>
+        <p:nvSpPr>
+          <p:cNvPr id="32" name="Rectangle 31">
+            <a:extLst>
+              <a:ext uri="{FF2B5EF4-FFF2-40B4-BE49-F238E27FC236}">
+                <a16:creationId xmlns:a16="http://schemas.microsoft.com/office/drawing/2014/main" id="{12F2F9E6-7E23-4251-B65A-882B28732CD3}"/>
+              </a:ext>
+            </a:extLst>
+          </p:cNvPr>
+          <p:cNvSpPr/>
+          <p:nvPr/>
+        </p:nvSpPr>
+        <p:spPr>
+          <a:xfrm>
+            <a:off x="4525520" y="3833170"/>
+            <a:ext cx="185530" cy="276999"/>
+          </a:xfrm>
+          <a:prstGeom prst="rect">
+            <a:avLst/>
+          </a:prstGeom>
+          <a:ln>
+            <a:solidFill>
+              <a:schemeClr val="bg1"/>
+            </a:solidFill>
+          </a:ln>
+        </p:spPr>
+        <p:style>
+          <a:lnRef idx="2">
+            <a:schemeClr val="accent6"/>
+          </a:lnRef>
+          <a:fillRef idx="1">
+            <a:schemeClr val="lt1"/>
+          </a:fillRef>
+          <a:effectRef idx="0">
+            <a:schemeClr val="accent6"/>
+          </a:effectRef>
+          <a:fontRef idx="minor">
+            <a:schemeClr val="dk1"/>
+          </a:fontRef>
+        </p:style>
+        <p:txBody>
+          <a:bodyPr rtlCol="0" anchor="ctr"/>
+          <a:lstStyle/>
+          <a:p>
+            <a:pPr algn="ctr"/>
+            <a:endParaRPr lang="en-US" dirty="0"/>
+          </a:p>
+        </p:txBody>
+      </p:sp>
+      <p:sp>
+        <p:nvSpPr>
+          <p:cNvPr id="33" name="Rectangle 32">
+            <a:extLst>
+              <a:ext uri="{FF2B5EF4-FFF2-40B4-BE49-F238E27FC236}">
+                <a16:creationId xmlns:a16="http://schemas.microsoft.com/office/drawing/2014/main" id="{BD359195-1C28-4027-AD7B-9F6BFCF81244}"/>
+              </a:ext>
+            </a:extLst>
+          </p:cNvPr>
+          <p:cNvSpPr/>
+          <p:nvPr/>
+        </p:nvSpPr>
+        <p:spPr>
+          <a:xfrm>
+            <a:off x="3419728" y="3879166"/>
+            <a:ext cx="185530" cy="276999"/>
+          </a:xfrm>
+          <a:prstGeom prst="rect">
+            <a:avLst/>
+          </a:prstGeom>
+          <a:ln>
+            <a:solidFill>
+              <a:schemeClr val="bg1"/>
+            </a:solidFill>
+          </a:ln>
+        </p:spPr>
+        <p:style>
+          <a:lnRef idx="2">
+            <a:schemeClr val="accent6"/>
+          </a:lnRef>
+          <a:fillRef idx="1">
+            <a:schemeClr val="lt1"/>
+          </a:fillRef>
+          <a:effectRef idx="0">
+            <a:schemeClr val="accent6"/>
+          </a:effectRef>
+          <a:fontRef idx="minor">
+            <a:schemeClr val="dk1"/>
+          </a:fontRef>
+        </p:style>
+        <p:txBody>
+          <a:bodyPr rtlCol="0" anchor="ctr"/>
+          <a:lstStyle/>
+          <a:p>
+            <a:pPr algn="ctr"/>
+            <a:endParaRPr lang="en-US" dirty="0"/>
+          </a:p>
+        </p:txBody>
+      </p:sp>
+      <p:sp>
+        <p:nvSpPr>
+          <p:cNvPr id="34" name="Rectangle 33">
+            <a:extLst>
+              <a:ext uri="{FF2B5EF4-FFF2-40B4-BE49-F238E27FC236}">
+                <a16:creationId xmlns:a16="http://schemas.microsoft.com/office/drawing/2014/main" id="{ADD3C38E-73E4-4F88-900E-CAC04E8A3242}"/>
+              </a:ext>
+            </a:extLst>
+          </p:cNvPr>
+          <p:cNvSpPr/>
+          <p:nvPr/>
+        </p:nvSpPr>
+        <p:spPr>
+          <a:xfrm>
+            <a:off x="5051080" y="3371538"/>
+            <a:ext cx="185530" cy="276999"/>
+          </a:xfrm>
+          <a:prstGeom prst="rect">
+            <a:avLst/>
+          </a:prstGeom>
+          <a:ln>
+            <a:solidFill>
+              <a:schemeClr val="bg1"/>
+            </a:solidFill>
+          </a:ln>
+        </p:spPr>
+        <p:style>
+          <a:lnRef idx="2">
+            <a:schemeClr val="accent6"/>
+          </a:lnRef>
+          <a:fillRef idx="1">
+            <a:schemeClr val="lt1"/>
+          </a:fillRef>
+          <a:effectRef idx="0">
+            <a:schemeClr val="accent6"/>
+          </a:effectRef>
+          <a:fontRef idx="minor">
+            <a:schemeClr val="dk1"/>
+          </a:fontRef>
+        </p:style>
+        <p:txBody>
+          <a:bodyPr rtlCol="0" anchor="ctr"/>
+          <a:lstStyle/>
+          <a:p>
+            <a:pPr algn="ctr"/>
+            <a:endParaRPr lang="en-US" dirty="0"/>
           </a:p>
         </p:txBody>
       </p:sp>
     </p:spTree>
     <p:extLst>
       <p:ext uri="{BB962C8B-B14F-4D97-AF65-F5344CB8AC3E}">
-        <p14:creationId xmlns:p14="http://schemas.microsoft.com/office/powerpoint/2010/main" val="3405940574"/>
+        <p14:creationId xmlns:p14="http://schemas.microsoft.com/office/powerpoint/2010/main" val="2360546031"/>
       </p:ext>
     </p:extLst>
   </p:cSld>
